--- a/分布式计算/课件/02. 基本模型与进程间通信.pptx
+++ b/分布式计算/课件/02. 基本模型与进程间通信.pptx
@@ -291,7 +291,7 @@
               <a:pPr>
                 <a:defRPr/>
               </a:pPr>
-              <a:t>2019/3/10</a:t>
+              <a:t>2019/3/19</a:t>
             </a:fld>
             <a:endParaRPr lang="zh-CN" altLang="en-US"/>
           </a:p>
@@ -509,7 +509,7 @@
               <a:pPr>
                 <a:defRPr/>
               </a:pPr>
-              <a:t>2019/3/10</a:t>
+              <a:t>2019/3/19</a:t>
             </a:fld>
             <a:endParaRPr lang="zh-CN" altLang="en-US"/>
           </a:p>
@@ -869,7 +869,7 @@
           </a:ln>
           <a:extLst>
             <a:ext uri="{909E8E84-426E-40dd-AFC4-6F175D3DCCD1}">
-              <a14:hiddenFill xmlns="" xmlns:a14="http://schemas.microsoft.com/office/drawing/2010/main">
+              <a14:hiddenFill xmlns:a14="http://schemas.microsoft.com/office/drawing/2010/main" xmlns="">
                 <a:solidFill>
                   <a:srgbClr val="FFFFFF"/>
                 </a:solidFill>
@@ -892,14 +892,14 @@
           <a:noFill/>
           <a:extLst>
             <a:ext uri="{909E8E84-426E-40dd-AFC4-6F175D3DCCD1}">
-              <a14:hiddenFill xmlns="" xmlns:a14="http://schemas.microsoft.com/office/drawing/2010/main">
+              <a14:hiddenFill xmlns:a14="http://schemas.microsoft.com/office/drawing/2010/main" xmlns="">
                 <a:solidFill>
                   <a:srgbClr val="FFFFFF"/>
                 </a:solidFill>
               </a14:hiddenFill>
             </a:ext>
             <a:ext uri="{91240B29-F687-4f45-9708-019B960494DF}">
-              <a14:hiddenLine xmlns="" xmlns:a14="http://schemas.microsoft.com/office/drawing/2010/main" w="9525">
+              <a14:hiddenLine xmlns:a14="http://schemas.microsoft.com/office/drawing/2010/main" xmlns="" w="9525">
                 <a:solidFill>
                   <a:srgbClr val="000000"/>
                 </a:solidFill>
@@ -1115,7 +1115,7 @@
           </a:ln>
           <a:extLst>
             <a:ext uri="{909E8E84-426E-40dd-AFC4-6F175D3DCCD1}">
-              <a14:hiddenFill xmlns="" xmlns:a14="http://schemas.microsoft.com/office/drawing/2010/main">
+              <a14:hiddenFill xmlns:a14="http://schemas.microsoft.com/office/drawing/2010/main" xmlns="">
                 <a:solidFill>
                   <a:srgbClr val="FFFFFF"/>
                 </a:solidFill>
@@ -1138,14 +1138,14 @@
           <a:noFill/>
           <a:extLst>
             <a:ext uri="{909E8E84-426E-40dd-AFC4-6F175D3DCCD1}">
-              <a14:hiddenFill xmlns="" xmlns:a14="http://schemas.microsoft.com/office/drawing/2010/main">
+              <a14:hiddenFill xmlns:a14="http://schemas.microsoft.com/office/drawing/2010/main" xmlns="">
                 <a:solidFill>
                   <a:srgbClr val="FFFFFF"/>
                 </a:solidFill>
               </a14:hiddenFill>
             </a:ext>
             <a:ext uri="{91240B29-F687-4f45-9708-019B960494DF}">
-              <a14:hiddenLine xmlns="" xmlns:a14="http://schemas.microsoft.com/office/drawing/2010/main" w="9525">
+              <a14:hiddenLine xmlns:a14="http://schemas.microsoft.com/office/drawing/2010/main" xmlns="" w="9525">
                 <a:solidFill>
                   <a:srgbClr val="000000"/>
                 </a:solidFill>
@@ -1361,7 +1361,7 @@
           </a:ln>
           <a:extLst>
             <a:ext uri="{909E8E84-426E-40dd-AFC4-6F175D3DCCD1}">
-              <a14:hiddenFill xmlns="" xmlns:a14="http://schemas.microsoft.com/office/drawing/2010/main">
+              <a14:hiddenFill xmlns:a14="http://schemas.microsoft.com/office/drawing/2010/main" xmlns="">
                 <a:solidFill>
                   <a:srgbClr val="FFFFFF"/>
                 </a:solidFill>
@@ -1384,14 +1384,14 @@
           <a:noFill/>
           <a:extLst>
             <a:ext uri="{909E8E84-426E-40dd-AFC4-6F175D3DCCD1}">
-              <a14:hiddenFill xmlns="" xmlns:a14="http://schemas.microsoft.com/office/drawing/2010/main">
+              <a14:hiddenFill xmlns:a14="http://schemas.microsoft.com/office/drawing/2010/main" xmlns="">
                 <a:solidFill>
                   <a:srgbClr val="FFFFFF"/>
                 </a:solidFill>
               </a14:hiddenFill>
             </a:ext>
             <a:ext uri="{91240B29-F687-4f45-9708-019B960494DF}">
-              <a14:hiddenLine xmlns="" xmlns:a14="http://schemas.microsoft.com/office/drawing/2010/main" w="9525">
+              <a14:hiddenLine xmlns:a14="http://schemas.microsoft.com/office/drawing/2010/main" xmlns="" w="9525">
                 <a:solidFill>
                   <a:srgbClr val="000000"/>
                 </a:solidFill>
@@ -1607,7 +1607,7 @@
           </a:ln>
           <a:extLst>
             <a:ext uri="{909E8E84-426E-40dd-AFC4-6F175D3DCCD1}">
-              <a14:hiddenFill xmlns="" xmlns:a14="http://schemas.microsoft.com/office/drawing/2010/main">
+              <a14:hiddenFill xmlns:a14="http://schemas.microsoft.com/office/drawing/2010/main" xmlns="">
                 <a:solidFill>
                   <a:srgbClr val="FFFFFF"/>
                 </a:solidFill>
@@ -1630,14 +1630,14 @@
           <a:noFill/>
           <a:extLst>
             <a:ext uri="{909E8E84-426E-40dd-AFC4-6F175D3DCCD1}">
-              <a14:hiddenFill xmlns="" xmlns:a14="http://schemas.microsoft.com/office/drawing/2010/main">
+              <a14:hiddenFill xmlns:a14="http://schemas.microsoft.com/office/drawing/2010/main" xmlns="">
                 <a:solidFill>
                   <a:srgbClr val="FFFFFF"/>
                 </a:solidFill>
               </a14:hiddenFill>
             </a:ext>
             <a:ext uri="{91240B29-F687-4f45-9708-019B960494DF}">
-              <a14:hiddenLine xmlns="" xmlns:a14="http://schemas.microsoft.com/office/drawing/2010/main" w="9525">
+              <a14:hiddenLine xmlns:a14="http://schemas.microsoft.com/office/drawing/2010/main" xmlns="" w="9525">
                 <a:solidFill>
                   <a:srgbClr val="000000"/>
                 </a:solidFill>
@@ -1853,7 +1853,7 @@
           </a:ln>
           <a:extLst>
             <a:ext uri="{909E8E84-426E-40dd-AFC4-6F175D3DCCD1}">
-              <a14:hiddenFill xmlns="" xmlns:a14="http://schemas.microsoft.com/office/drawing/2010/main">
+              <a14:hiddenFill xmlns:a14="http://schemas.microsoft.com/office/drawing/2010/main" xmlns="">
                 <a:solidFill>
                   <a:srgbClr val="FFFFFF"/>
                 </a:solidFill>
@@ -1876,14 +1876,14 @@
           <a:noFill/>
           <a:extLst>
             <a:ext uri="{909E8E84-426E-40dd-AFC4-6F175D3DCCD1}">
-              <a14:hiddenFill xmlns="" xmlns:a14="http://schemas.microsoft.com/office/drawing/2010/main">
+              <a14:hiddenFill xmlns:a14="http://schemas.microsoft.com/office/drawing/2010/main" xmlns="">
                 <a:solidFill>
                   <a:srgbClr val="FFFFFF"/>
                 </a:solidFill>
               </a14:hiddenFill>
             </a:ext>
             <a:ext uri="{91240B29-F687-4f45-9708-019B960494DF}">
-              <a14:hiddenLine xmlns="" xmlns:a14="http://schemas.microsoft.com/office/drawing/2010/main" w="9525">
+              <a14:hiddenLine xmlns:a14="http://schemas.microsoft.com/office/drawing/2010/main" xmlns="" w="9525">
                 <a:solidFill>
                   <a:srgbClr val="000000"/>
                 </a:solidFill>
@@ -2099,7 +2099,7 @@
           </a:ln>
           <a:extLst>
             <a:ext uri="{909E8E84-426E-40dd-AFC4-6F175D3DCCD1}">
-              <a14:hiddenFill xmlns="" xmlns:a14="http://schemas.microsoft.com/office/drawing/2010/main">
+              <a14:hiddenFill xmlns:a14="http://schemas.microsoft.com/office/drawing/2010/main" xmlns="">
                 <a:solidFill>
                   <a:srgbClr val="FFFFFF"/>
                 </a:solidFill>
@@ -2122,14 +2122,14 @@
           <a:noFill/>
           <a:extLst>
             <a:ext uri="{909E8E84-426E-40dd-AFC4-6F175D3DCCD1}">
-              <a14:hiddenFill xmlns="" xmlns:a14="http://schemas.microsoft.com/office/drawing/2010/main">
+              <a14:hiddenFill xmlns:a14="http://schemas.microsoft.com/office/drawing/2010/main" xmlns="">
                 <a:solidFill>
                   <a:srgbClr val="FFFFFF"/>
                 </a:solidFill>
               </a14:hiddenFill>
             </a:ext>
             <a:ext uri="{91240B29-F687-4f45-9708-019B960494DF}">
-              <a14:hiddenLine xmlns="" xmlns:a14="http://schemas.microsoft.com/office/drawing/2010/main" w="9525">
+              <a14:hiddenLine xmlns:a14="http://schemas.microsoft.com/office/drawing/2010/main" xmlns="" w="9525">
                 <a:solidFill>
                   <a:srgbClr val="000000"/>
                 </a:solidFill>
@@ -2345,7 +2345,7 @@
           </a:ln>
           <a:extLst>
             <a:ext uri="{909E8E84-426E-40dd-AFC4-6F175D3DCCD1}">
-              <a14:hiddenFill xmlns="" xmlns:a14="http://schemas.microsoft.com/office/drawing/2010/main">
+              <a14:hiddenFill xmlns:a14="http://schemas.microsoft.com/office/drawing/2010/main" xmlns="">
                 <a:solidFill>
                   <a:srgbClr val="FFFFFF"/>
                 </a:solidFill>
@@ -2368,14 +2368,14 @@
           <a:noFill/>
           <a:extLst>
             <a:ext uri="{909E8E84-426E-40dd-AFC4-6F175D3DCCD1}">
-              <a14:hiddenFill xmlns="" xmlns:a14="http://schemas.microsoft.com/office/drawing/2010/main">
+              <a14:hiddenFill xmlns:a14="http://schemas.microsoft.com/office/drawing/2010/main" xmlns="">
                 <a:solidFill>
                   <a:srgbClr val="FFFFFF"/>
                 </a:solidFill>
               </a14:hiddenFill>
             </a:ext>
             <a:ext uri="{91240B29-F687-4f45-9708-019B960494DF}">
-              <a14:hiddenLine xmlns="" xmlns:a14="http://schemas.microsoft.com/office/drawing/2010/main" w="9525">
+              <a14:hiddenLine xmlns:a14="http://schemas.microsoft.com/office/drawing/2010/main" xmlns="" w="9525">
                 <a:solidFill>
                   <a:srgbClr val="000000"/>
                 </a:solidFill>
@@ -2591,7 +2591,7 @@
           </a:ln>
           <a:extLst>
             <a:ext uri="{909E8E84-426E-40dd-AFC4-6F175D3DCCD1}">
-              <a14:hiddenFill xmlns="" xmlns:a14="http://schemas.microsoft.com/office/drawing/2010/main">
+              <a14:hiddenFill xmlns:a14="http://schemas.microsoft.com/office/drawing/2010/main" xmlns="">
                 <a:solidFill>
                   <a:srgbClr val="FFFFFF"/>
                 </a:solidFill>
@@ -2614,14 +2614,14 @@
           <a:noFill/>
           <a:extLst>
             <a:ext uri="{909E8E84-426E-40dd-AFC4-6F175D3DCCD1}">
-              <a14:hiddenFill xmlns="" xmlns:a14="http://schemas.microsoft.com/office/drawing/2010/main">
+              <a14:hiddenFill xmlns:a14="http://schemas.microsoft.com/office/drawing/2010/main" xmlns="">
                 <a:solidFill>
                   <a:srgbClr val="FFFFFF"/>
                 </a:solidFill>
               </a14:hiddenFill>
             </a:ext>
             <a:ext uri="{91240B29-F687-4f45-9708-019B960494DF}">
-              <a14:hiddenLine xmlns="" xmlns:a14="http://schemas.microsoft.com/office/drawing/2010/main" w="9525">
+              <a14:hiddenLine xmlns:a14="http://schemas.microsoft.com/office/drawing/2010/main" xmlns="" w="9525">
                 <a:solidFill>
                   <a:srgbClr val="000000"/>
                 </a:solidFill>
@@ -2837,7 +2837,7 @@
           </a:ln>
           <a:extLst>
             <a:ext uri="{909E8E84-426E-40dd-AFC4-6F175D3DCCD1}">
-              <a14:hiddenFill xmlns="" xmlns:a14="http://schemas.microsoft.com/office/drawing/2010/main">
+              <a14:hiddenFill xmlns:a14="http://schemas.microsoft.com/office/drawing/2010/main" xmlns="">
                 <a:solidFill>
                   <a:srgbClr val="FFFFFF"/>
                 </a:solidFill>
@@ -2860,14 +2860,14 @@
           <a:noFill/>
           <a:extLst>
             <a:ext uri="{909E8E84-426E-40dd-AFC4-6F175D3DCCD1}">
-              <a14:hiddenFill xmlns="" xmlns:a14="http://schemas.microsoft.com/office/drawing/2010/main">
+              <a14:hiddenFill xmlns:a14="http://schemas.microsoft.com/office/drawing/2010/main" xmlns="">
                 <a:solidFill>
                   <a:srgbClr val="FFFFFF"/>
                 </a:solidFill>
               </a14:hiddenFill>
             </a:ext>
             <a:ext uri="{91240B29-F687-4f45-9708-019B960494DF}">
-              <a14:hiddenLine xmlns="" xmlns:a14="http://schemas.microsoft.com/office/drawing/2010/main" w="9525">
+              <a14:hiddenLine xmlns:a14="http://schemas.microsoft.com/office/drawing/2010/main" xmlns="" w="9525">
                 <a:solidFill>
                   <a:srgbClr val="000000"/>
                 </a:solidFill>
@@ -3087,7 +3087,7 @@
           </a:ln>
           <a:extLst>
             <a:ext uri="{909E8E84-426E-40dd-AFC4-6F175D3DCCD1}">
-              <a14:hiddenFill xmlns="" xmlns:a14="http://schemas.microsoft.com/office/drawing/2010/main">
+              <a14:hiddenFill xmlns:a14="http://schemas.microsoft.com/office/drawing/2010/main" xmlns="">
                 <a:solidFill>
                   <a:srgbClr val="FFFFFF"/>
                 </a:solidFill>
@@ -3110,14 +3110,14 @@
           <a:noFill/>
           <a:extLst>
             <a:ext uri="{909E8E84-426E-40dd-AFC4-6F175D3DCCD1}">
-              <a14:hiddenFill xmlns="" xmlns:a14="http://schemas.microsoft.com/office/drawing/2010/main">
+              <a14:hiddenFill xmlns:a14="http://schemas.microsoft.com/office/drawing/2010/main" xmlns="">
                 <a:solidFill>
                   <a:srgbClr val="FFFFFF"/>
                 </a:solidFill>
               </a14:hiddenFill>
             </a:ext>
             <a:ext uri="{91240B29-F687-4f45-9708-019B960494DF}">
-              <a14:hiddenLine xmlns="" xmlns:a14="http://schemas.microsoft.com/office/drawing/2010/main" w="9525">
+              <a14:hiddenLine xmlns:a14="http://schemas.microsoft.com/office/drawing/2010/main" xmlns="" w="9525">
                 <a:solidFill>
                   <a:srgbClr val="000000"/>
                 </a:solidFill>
@@ -3333,7 +3333,7 @@
           </a:ln>
           <a:extLst>
             <a:ext uri="{909E8E84-426E-40dd-AFC4-6F175D3DCCD1}">
-              <a14:hiddenFill xmlns="" xmlns:a14="http://schemas.microsoft.com/office/drawing/2010/main">
+              <a14:hiddenFill xmlns:a14="http://schemas.microsoft.com/office/drawing/2010/main" xmlns="">
                 <a:solidFill>
                   <a:srgbClr val="FFFFFF"/>
                 </a:solidFill>
@@ -3356,14 +3356,14 @@
           <a:noFill/>
           <a:extLst>
             <a:ext uri="{909E8E84-426E-40dd-AFC4-6F175D3DCCD1}">
-              <a14:hiddenFill xmlns="" xmlns:a14="http://schemas.microsoft.com/office/drawing/2010/main">
+              <a14:hiddenFill xmlns:a14="http://schemas.microsoft.com/office/drawing/2010/main" xmlns="">
                 <a:solidFill>
                   <a:srgbClr val="FFFFFF"/>
                 </a:solidFill>
               </a14:hiddenFill>
             </a:ext>
             <a:ext uri="{91240B29-F687-4f45-9708-019B960494DF}">
-              <a14:hiddenLine xmlns="" xmlns:a14="http://schemas.microsoft.com/office/drawing/2010/main" w="9525">
+              <a14:hiddenLine xmlns:a14="http://schemas.microsoft.com/office/drawing/2010/main" xmlns="" w="9525">
                 <a:solidFill>
                   <a:srgbClr val="000000"/>
                 </a:solidFill>
@@ -3579,7 +3579,7 @@
           </a:ln>
           <a:extLst>
             <a:ext uri="{909E8E84-426E-40dd-AFC4-6F175D3DCCD1}">
-              <a14:hiddenFill xmlns="" xmlns:a14="http://schemas.microsoft.com/office/drawing/2010/main">
+              <a14:hiddenFill xmlns:a14="http://schemas.microsoft.com/office/drawing/2010/main" xmlns="">
                 <a:solidFill>
                   <a:srgbClr val="FFFFFF"/>
                 </a:solidFill>
@@ -3602,14 +3602,14 @@
           <a:noFill/>
           <a:extLst>
             <a:ext uri="{909E8E84-426E-40dd-AFC4-6F175D3DCCD1}">
-              <a14:hiddenFill xmlns="" xmlns:a14="http://schemas.microsoft.com/office/drawing/2010/main">
+              <a14:hiddenFill xmlns:a14="http://schemas.microsoft.com/office/drawing/2010/main" xmlns="">
                 <a:solidFill>
                   <a:srgbClr val="FFFFFF"/>
                 </a:solidFill>
               </a14:hiddenFill>
             </a:ext>
             <a:ext uri="{91240B29-F687-4f45-9708-019B960494DF}">
-              <a14:hiddenLine xmlns="" xmlns:a14="http://schemas.microsoft.com/office/drawing/2010/main" w="9525">
+              <a14:hiddenLine xmlns:a14="http://schemas.microsoft.com/office/drawing/2010/main" xmlns="" w="9525">
                 <a:solidFill>
                   <a:srgbClr val="000000"/>
                 </a:solidFill>
@@ -3825,7 +3825,7 @@
           </a:ln>
           <a:extLst>
             <a:ext uri="{909E8E84-426E-40dd-AFC4-6F175D3DCCD1}">
-              <a14:hiddenFill xmlns="" xmlns:a14="http://schemas.microsoft.com/office/drawing/2010/main">
+              <a14:hiddenFill xmlns:a14="http://schemas.microsoft.com/office/drawing/2010/main" xmlns="">
                 <a:solidFill>
                   <a:srgbClr val="FFFFFF"/>
                 </a:solidFill>
@@ -3848,14 +3848,14 @@
           <a:noFill/>
           <a:extLst>
             <a:ext uri="{909E8E84-426E-40dd-AFC4-6F175D3DCCD1}">
-              <a14:hiddenFill xmlns="" xmlns:a14="http://schemas.microsoft.com/office/drawing/2010/main">
+              <a14:hiddenFill xmlns:a14="http://schemas.microsoft.com/office/drawing/2010/main" xmlns="">
                 <a:solidFill>
                   <a:srgbClr val="FFFFFF"/>
                 </a:solidFill>
               </a14:hiddenFill>
             </a:ext>
             <a:ext uri="{91240B29-F687-4f45-9708-019B960494DF}">
-              <a14:hiddenLine xmlns="" xmlns:a14="http://schemas.microsoft.com/office/drawing/2010/main" w="9525">
+              <a14:hiddenLine xmlns:a14="http://schemas.microsoft.com/office/drawing/2010/main" xmlns="" w="9525">
                 <a:solidFill>
                   <a:srgbClr val="000000"/>
                 </a:solidFill>
@@ -4071,7 +4071,7 @@
           </a:ln>
           <a:extLst>
             <a:ext uri="{909E8E84-426E-40dd-AFC4-6F175D3DCCD1}">
-              <a14:hiddenFill xmlns="" xmlns:a14="http://schemas.microsoft.com/office/drawing/2010/main">
+              <a14:hiddenFill xmlns:a14="http://schemas.microsoft.com/office/drawing/2010/main" xmlns="">
                 <a:solidFill>
                   <a:srgbClr val="FFFFFF"/>
                 </a:solidFill>
@@ -4094,14 +4094,14 @@
           <a:noFill/>
           <a:extLst>
             <a:ext uri="{909E8E84-426E-40dd-AFC4-6F175D3DCCD1}">
-              <a14:hiddenFill xmlns="" xmlns:a14="http://schemas.microsoft.com/office/drawing/2010/main">
+              <a14:hiddenFill xmlns:a14="http://schemas.microsoft.com/office/drawing/2010/main" xmlns="">
                 <a:solidFill>
                   <a:srgbClr val="FFFFFF"/>
                 </a:solidFill>
               </a14:hiddenFill>
             </a:ext>
             <a:ext uri="{91240B29-F687-4f45-9708-019B960494DF}">
-              <a14:hiddenLine xmlns="" xmlns:a14="http://schemas.microsoft.com/office/drawing/2010/main" w="9525">
+              <a14:hiddenLine xmlns:a14="http://schemas.microsoft.com/office/drawing/2010/main" xmlns="" w="9525">
                 <a:solidFill>
                   <a:srgbClr val="000000"/>
                 </a:solidFill>
@@ -4317,7 +4317,7 @@
           </a:ln>
           <a:extLst>
             <a:ext uri="{909E8E84-426E-40dd-AFC4-6F175D3DCCD1}">
-              <a14:hiddenFill xmlns="" xmlns:a14="http://schemas.microsoft.com/office/drawing/2010/main">
+              <a14:hiddenFill xmlns:a14="http://schemas.microsoft.com/office/drawing/2010/main" xmlns="">
                 <a:solidFill>
                   <a:srgbClr val="FFFFFF"/>
                 </a:solidFill>
@@ -4340,14 +4340,14 @@
           <a:noFill/>
           <a:extLst>
             <a:ext uri="{909E8E84-426E-40dd-AFC4-6F175D3DCCD1}">
-              <a14:hiddenFill xmlns="" xmlns:a14="http://schemas.microsoft.com/office/drawing/2010/main">
+              <a14:hiddenFill xmlns:a14="http://schemas.microsoft.com/office/drawing/2010/main" xmlns="">
                 <a:solidFill>
                   <a:srgbClr val="FFFFFF"/>
                 </a:solidFill>
               </a14:hiddenFill>
             </a:ext>
             <a:ext uri="{91240B29-F687-4f45-9708-019B960494DF}">
-              <a14:hiddenLine xmlns="" xmlns:a14="http://schemas.microsoft.com/office/drawing/2010/main" w="9525">
+              <a14:hiddenLine xmlns:a14="http://schemas.microsoft.com/office/drawing/2010/main" xmlns="" w="9525">
                 <a:solidFill>
                   <a:srgbClr val="000000"/>
                 </a:solidFill>
@@ -4563,7 +4563,7 @@
           </a:ln>
           <a:extLst>
             <a:ext uri="{909E8E84-426E-40dd-AFC4-6F175D3DCCD1}">
-              <a14:hiddenFill xmlns="" xmlns:a14="http://schemas.microsoft.com/office/drawing/2010/main">
+              <a14:hiddenFill xmlns:a14="http://schemas.microsoft.com/office/drawing/2010/main" xmlns="">
                 <a:solidFill>
                   <a:srgbClr val="FFFFFF"/>
                 </a:solidFill>
@@ -4586,14 +4586,14 @@
           <a:noFill/>
           <a:extLst>
             <a:ext uri="{909E8E84-426E-40dd-AFC4-6F175D3DCCD1}">
-              <a14:hiddenFill xmlns="" xmlns:a14="http://schemas.microsoft.com/office/drawing/2010/main">
+              <a14:hiddenFill xmlns:a14="http://schemas.microsoft.com/office/drawing/2010/main" xmlns="">
                 <a:solidFill>
                   <a:srgbClr val="FFFFFF"/>
                 </a:solidFill>
               </a14:hiddenFill>
             </a:ext>
             <a:ext uri="{91240B29-F687-4f45-9708-019B960494DF}">
-              <a14:hiddenLine xmlns="" xmlns:a14="http://schemas.microsoft.com/office/drawing/2010/main" w="9525">
+              <a14:hiddenLine xmlns:a14="http://schemas.microsoft.com/office/drawing/2010/main" xmlns="" w="9525">
                 <a:solidFill>
                   <a:srgbClr val="000000"/>
                 </a:solidFill>
@@ -4809,7 +4809,7 @@
           </a:ln>
           <a:extLst>
             <a:ext uri="{909E8E84-426E-40dd-AFC4-6F175D3DCCD1}">
-              <a14:hiddenFill xmlns="" xmlns:a14="http://schemas.microsoft.com/office/drawing/2010/main">
+              <a14:hiddenFill xmlns:a14="http://schemas.microsoft.com/office/drawing/2010/main" xmlns="">
                 <a:solidFill>
                   <a:srgbClr val="FFFFFF"/>
                 </a:solidFill>
@@ -4832,14 +4832,14 @@
           <a:noFill/>
           <a:extLst>
             <a:ext uri="{909E8E84-426E-40dd-AFC4-6F175D3DCCD1}">
-              <a14:hiddenFill xmlns="" xmlns:a14="http://schemas.microsoft.com/office/drawing/2010/main">
+              <a14:hiddenFill xmlns:a14="http://schemas.microsoft.com/office/drawing/2010/main" xmlns="">
                 <a:solidFill>
                   <a:srgbClr val="FFFFFF"/>
                 </a:solidFill>
               </a14:hiddenFill>
             </a:ext>
             <a:ext uri="{91240B29-F687-4f45-9708-019B960494DF}">
-              <a14:hiddenLine xmlns="" xmlns:a14="http://schemas.microsoft.com/office/drawing/2010/main" w="9525">
+              <a14:hiddenLine xmlns:a14="http://schemas.microsoft.com/office/drawing/2010/main" xmlns="" w="9525">
                 <a:solidFill>
                   <a:srgbClr val="000000"/>
                 </a:solidFill>
@@ -5055,7 +5055,7 @@
           </a:ln>
           <a:extLst>
             <a:ext uri="{909E8E84-426E-40dd-AFC4-6F175D3DCCD1}">
-              <a14:hiddenFill xmlns="" xmlns:a14="http://schemas.microsoft.com/office/drawing/2010/main">
+              <a14:hiddenFill xmlns:a14="http://schemas.microsoft.com/office/drawing/2010/main" xmlns="">
                 <a:solidFill>
                   <a:srgbClr val="FFFFFF"/>
                 </a:solidFill>
@@ -5078,14 +5078,14 @@
           <a:noFill/>
           <a:extLst>
             <a:ext uri="{909E8E84-426E-40dd-AFC4-6F175D3DCCD1}">
-              <a14:hiddenFill xmlns="" xmlns:a14="http://schemas.microsoft.com/office/drawing/2010/main">
+              <a14:hiddenFill xmlns:a14="http://schemas.microsoft.com/office/drawing/2010/main" xmlns="">
                 <a:solidFill>
                   <a:srgbClr val="FFFFFF"/>
                 </a:solidFill>
               </a14:hiddenFill>
             </a:ext>
             <a:ext uri="{91240B29-F687-4f45-9708-019B960494DF}">
-              <a14:hiddenLine xmlns="" xmlns:a14="http://schemas.microsoft.com/office/drawing/2010/main" w="9525">
+              <a14:hiddenLine xmlns:a14="http://schemas.microsoft.com/office/drawing/2010/main" xmlns="" w="9525">
                 <a:solidFill>
                   <a:srgbClr val="000000"/>
                 </a:solidFill>
@@ -5301,7 +5301,7 @@
           </a:ln>
           <a:extLst>
             <a:ext uri="{909E8E84-426E-40dd-AFC4-6F175D3DCCD1}">
-              <a14:hiddenFill xmlns="" xmlns:a14="http://schemas.microsoft.com/office/drawing/2010/main">
+              <a14:hiddenFill xmlns:a14="http://schemas.microsoft.com/office/drawing/2010/main" xmlns="">
                 <a:solidFill>
                   <a:srgbClr val="FFFFFF"/>
                 </a:solidFill>
@@ -5324,14 +5324,14 @@
           <a:noFill/>
           <a:extLst>
             <a:ext uri="{909E8E84-426E-40dd-AFC4-6F175D3DCCD1}">
-              <a14:hiddenFill xmlns="" xmlns:a14="http://schemas.microsoft.com/office/drawing/2010/main">
+              <a14:hiddenFill xmlns:a14="http://schemas.microsoft.com/office/drawing/2010/main" xmlns="">
                 <a:solidFill>
                   <a:srgbClr val="FFFFFF"/>
                 </a:solidFill>
               </a14:hiddenFill>
             </a:ext>
             <a:ext uri="{91240B29-F687-4f45-9708-019B960494DF}">
-              <a14:hiddenLine xmlns="" xmlns:a14="http://schemas.microsoft.com/office/drawing/2010/main" w="9525">
+              <a14:hiddenLine xmlns:a14="http://schemas.microsoft.com/office/drawing/2010/main" xmlns="" w="9525">
                 <a:solidFill>
                   <a:srgbClr val="000000"/>
                 </a:solidFill>
@@ -5550,7 +5550,7 @@
           </a:ln>
           <a:extLst>
             <a:ext uri="{909E8E84-426E-40dd-AFC4-6F175D3DCCD1}">
-              <a14:hiddenFill xmlns="" xmlns:a14="http://schemas.microsoft.com/office/drawing/2010/main">
+              <a14:hiddenFill xmlns:a14="http://schemas.microsoft.com/office/drawing/2010/main" xmlns="">
                 <a:solidFill>
                   <a:srgbClr val="FFFFFF"/>
                 </a:solidFill>
@@ -5573,14 +5573,14 @@
           <a:noFill/>
           <a:extLst>
             <a:ext uri="{909E8E84-426E-40dd-AFC4-6F175D3DCCD1}">
-              <a14:hiddenFill xmlns="" xmlns:a14="http://schemas.microsoft.com/office/drawing/2010/main">
+              <a14:hiddenFill xmlns:a14="http://schemas.microsoft.com/office/drawing/2010/main" xmlns="">
                 <a:solidFill>
                   <a:srgbClr val="FFFFFF"/>
                 </a:solidFill>
               </a14:hiddenFill>
             </a:ext>
             <a:ext uri="{91240B29-F687-4f45-9708-019B960494DF}">
-              <a14:hiddenLine xmlns="" xmlns:a14="http://schemas.microsoft.com/office/drawing/2010/main" w="9525">
+              <a14:hiddenLine xmlns:a14="http://schemas.microsoft.com/office/drawing/2010/main" xmlns="" w="9525">
                 <a:solidFill>
                   <a:srgbClr val="000000"/>
                 </a:solidFill>
@@ -8522,14 +8522,14 @@
           </a:ln>
           <a:extLst>
             <a:ext uri="{909E8E84-426E-40dd-AFC4-6F175D3DCCD1}">
-              <a14:hiddenFill xmlns="" xmlns:a14="http://schemas.microsoft.com/office/drawing/2010/main">
+              <a14:hiddenFill xmlns:a14="http://schemas.microsoft.com/office/drawing/2010/main" xmlns="">
                 <a:solidFill>
                   <a:srgbClr val="FFFFFF"/>
                 </a:solidFill>
               </a14:hiddenFill>
             </a:ext>
             <a:ext uri="{91240B29-F687-4f45-9708-019B960494DF}">
-              <a14:hiddenLine xmlns="" xmlns:a14="http://schemas.microsoft.com/office/drawing/2010/main" w="9525">
+              <a14:hiddenLine xmlns:a14="http://schemas.microsoft.com/office/drawing/2010/main" xmlns="" w="9525">
                 <a:solidFill>
                   <a:srgbClr val="000000"/>
                 </a:solidFill>
@@ -8580,14 +8580,14 @@
           </a:ln>
           <a:extLst>
             <a:ext uri="{909E8E84-426E-40dd-AFC4-6F175D3DCCD1}">
-              <a14:hiddenFill xmlns="" xmlns:a14="http://schemas.microsoft.com/office/drawing/2010/main">
+              <a14:hiddenFill xmlns:a14="http://schemas.microsoft.com/office/drawing/2010/main" xmlns="">
                 <a:solidFill>
                   <a:srgbClr val="FFFFFF"/>
                 </a:solidFill>
               </a14:hiddenFill>
             </a:ext>
             <a:ext uri="{91240B29-F687-4f45-9708-019B960494DF}">
-              <a14:hiddenLine xmlns="" xmlns:a14="http://schemas.microsoft.com/office/drawing/2010/main" w="9525">
+              <a14:hiddenLine xmlns:a14="http://schemas.microsoft.com/office/drawing/2010/main" xmlns="" w="9525">
                 <a:solidFill>
                   <a:srgbClr val="000000"/>
                 </a:solidFill>
@@ -9235,14 +9235,14 @@
           </a:ln>
           <a:extLst>
             <a:ext uri="{909E8E84-426E-40dd-AFC4-6F175D3DCCD1}">
-              <a14:hiddenFill xmlns="" xmlns:a14="http://schemas.microsoft.com/office/drawing/2010/main">
+              <a14:hiddenFill xmlns:a14="http://schemas.microsoft.com/office/drawing/2010/main" xmlns="">
                 <a:solidFill>
                   <a:srgbClr val="FFFFFF"/>
                 </a:solidFill>
               </a14:hiddenFill>
             </a:ext>
             <a:ext uri="{91240B29-F687-4f45-9708-019B960494DF}">
-              <a14:hiddenLine xmlns="" xmlns:a14="http://schemas.microsoft.com/office/drawing/2010/main" w="9525">
+              <a14:hiddenLine xmlns:a14="http://schemas.microsoft.com/office/drawing/2010/main" xmlns="" w="9525">
                 <a:solidFill>
                   <a:srgbClr val="000000"/>
                 </a:solidFill>
@@ -9406,14 +9406,14 @@
           </a:ln>
           <a:extLst>
             <a:ext uri="{909E8E84-426E-40dd-AFC4-6F175D3DCCD1}">
-              <a14:hiddenFill xmlns="" xmlns:a14="http://schemas.microsoft.com/office/drawing/2010/main">
+              <a14:hiddenFill xmlns:a14="http://schemas.microsoft.com/office/drawing/2010/main" xmlns="">
                 <a:solidFill>
                   <a:srgbClr val="FFFFFF"/>
                 </a:solidFill>
               </a14:hiddenFill>
             </a:ext>
             <a:ext uri="{91240B29-F687-4f45-9708-019B960494DF}">
-              <a14:hiddenLine xmlns="" xmlns:a14="http://schemas.microsoft.com/office/drawing/2010/main" w="9525">
+              <a14:hiddenLine xmlns:a14="http://schemas.microsoft.com/office/drawing/2010/main" xmlns="" w="9525">
                 <a:solidFill>
                   <a:srgbClr val="000000"/>
                 </a:solidFill>
@@ -9599,14 +9599,14 @@
           </a:ln>
           <a:extLst>
             <a:ext uri="{909E8E84-426E-40dd-AFC4-6F175D3DCCD1}">
-              <a14:hiddenFill xmlns="" xmlns:a14="http://schemas.microsoft.com/office/drawing/2010/main">
+              <a14:hiddenFill xmlns:a14="http://schemas.microsoft.com/office/drawing/2010/main" xmlns="">
                 <a:solidFill>
                   <a:srgbClr val="FFFFFF"/>
                 </a:solidFill>
               </a14:hiddenFill>
             </a:ext>
             <a:ext uri="{91240B29-F687-4f45-9708-019B960494DF}">
-              <a14:hiddenLine xmlns="" xmlns:a14="http://schemas.microsoft.com/office/drawing/2010/main" w="9525">
+              <a14:hiddenLine xmlns:a14="http://schemas.microsoft.com/office/drawing/2010/main" xmlns="" w="9525">
                 <a:solidFill>
                   <a:srgbClr val="000000"/>
                 </a:solidFill>
@@ -9653,14 +9653,14 @@
           </a:ln>
           <a:extLst>
             <a:ext uri="{909E8E84-426E-40dd-AFC4-6F175D3DCCD1}">
-              <a14:hiddenFill xmlns="" xmlns:a14="http://schemas.microsoft.com/office/drawing/2010/main">
+              <a14:hiddenFill xmlns:a14="http://schemas.microsoft.com/office/drawing/2010/main" xmlns="">
                 <a:solidFill>
                   <a:srgbClr val="FFFFFF"/>
                 </a:solidFill>
               </a14:hiddenFill>
             </a:ext>
             <a:ext uri="{91240B29-F687-4f45-9708-019B960494DF}">
-              <a14:hiddenLine xmlns="" xmlns:a14="http://schemas.microsoft.com/office/drawing/2010/main" w="9525">
+              <a14:hiddenLine xmlns:a14="http://schemas.microsoft.com/office/drawing/2010/main" xmlns="" w="9525">
                 <a:solidFill>
                   <a:srgbClr val="000000"/>
                 </a:solidFill>
@@ -9802,14 +9802,14 @@
           </a:ln>
           <a:extLst>
             <a:ext uri="{909E8E84-426E-40dd-AFC4-6F175D3DCCD1}">
-              <a14:hiddenFill xmlns:a14="http://schemas.microsoft.com/office/drawing/2010/main" xmlns="">
+              <a14:hiddenFill xmlns="" xmlns:a14="http://schemas.microsoft.com/office/drawing/2010/main">
                 <a:solidFill>
                   <a:srgbClr val="FFFFFF"/>
                 </a:solidFill>
               </a14:hiddenFill>
             </a:ext>
             <a:ext uri="{91240B29-F687-4f45-9708-019B960494DF}">
-              <a14:hiddenLine xmlns:a14="http://schemas.microsoft.com/office/drawing/2010/main" xmlns="" w="9525">
+              <a14:hiddenLine xmlns="" xmlns:a14="http://schemas.microsoft.com/office/drawing/2010/main" w="9525">
                 <a:solidFill>
                   <a:srgbClr val="000000"/>
                 </a:solidFill>
@@ -10055,14 +10055,14 @@
           </a:ln>
           <a:extLst>
             <a:ext uri="{909E8E84-426E-40dd-AFC4-6F175D3DCCD1}">
-              <a14:hiddenFill xmlns="" xmlns:a14="http://schemas.microsoft.com/office/drawing/2010/main">
+              <a14:hiddenFill xmlns:a14="http://schemas.microsoft.com/office/drawing/2010/main" xmlns="">
                 <a:solidFill>
                   <a:srgbClr val="FFFFFF"/>
                 </a:solidFill>
               </a14:hiddenFill>
             </a:ext>
             <a:ext uri="{91240B29-F687-4f45-9708-019B960494DF}">
-              <a14:hiddenLine xmlns="" xmlns:a14="http://schemas.microsoft.com/office/drawing/2010/main" w="9525">
+              <a14:hiddenLine xmlns:a14="http://schemas.microsoft.com/office/drawing/2010/main" xmlns="" w="9525">
                 <a:solidFill>
                   <a:srgbClr val="000000"/>
                 </a:solidFill>
@@ -10256,14 +10256,14 @@
           <a:noFill/>
           <a:extLst>
             <a:ext uri="{909E8E84-426E-40dd-AFC4-6F175D3DCCD1}">
-              <a14:hiddenFill xmlns="" xmlns:a14="http://schemas.microsoft.com/office/drawing/2010/main">
+              <a14:hiddenFill xmlns:a14="http://schemas.microsoft.com/office/drawing/2010/main" xmlns="">
                 <a:solidFill>
                   <a:srgbClr val="FFFFFF"/>
                 </a:solidFill>
               </a14:hiddenFill>
             </a:ext>
             <a:ext uri="{91240B29-F687-4f45-9708-019B960494DF}">
-              <a14:hiddenLine xmlns="" xmlns:a14="http://schemas.microsoft.com/office/drawing/2010/main" w="9525">
+              <a14:hiddenLine xmlns:a14="http://schemas.microsoft.com/office/drawing/2010/main" xmlns="" w="9525">
                 <a:solidFill>
                   <a:srgbClr val="000000"/>
                 </a:solidFill>
@@ -10482,14 +10482,14 @@
           </a:ln>
           <a:extLst>
             <a:ext uri="{909E8E84-426E-40dd-AFC4-6F175D3DCCD1}">
-              <a14:hiddenFill xmlns="" xmlns:a14="http://schemas.microsoft.com/office/drawing/2010/main">
+              <a14:hiddenFill xmlns:a14="http://schemas.microsoft.com/office/drawing/2010/main" xmlns="">
                 <a:solidFill>
                   <a:srgbClr val="FFFFFF"/>
                 </a:solidFill>
               </a14:hiddenFill>
             </a:ext>
             <a:ext uri="{91240B29-F687-4f45-9708-019B960494DF}">
-              <a14:hiddenLine xmlns="" xmlns:a14="http://schemas.microsoft.com/office/drawing/2010/main" w="9525">
+              <a14:hiddenLine xmlns:a14="http://schemas.microsoft.com/office/drawing/2010/main" xmlns="" w="9525">
                 <a:solidFill>
                   <a:srgbClr val="000000"/>
                 </a:solidFill>
@@ -12757,14 +12757,14 @@
           </a:ln>
           <a:extLst>
             <a:ext uri="{909E8E84-426E-40dd-AFC4-6F175D3DCCD1}">
-              <a14:hiddenFill xmlns="" xmlns:a14="http://schemas.microsoft.com/office/drawing/2010/main">
+              <a14:hiddenFill xmlns:a14="http://schemas.microsoft.com/office/drawing/2010/main" xmlns="">
                 <a:solidFill>
                   <a:srgbClr val="FFFFFF"/>
                 </a:solidFill>
               </a14:hiddenFill>
             </a:ext>
             <a:ext uri="{91240B29-F687-4f45-9708-019B960494DF}">
-              <a14:hiddenLine xmlns="" xmlns:a14="http://schemas.microsoft.com/office/drawing/2010/main" w="9525">
+              <a14:hiddenLine xmlns:a14="http://schemas.microsoft.com/office/drawing/2010/main" xmlns="" w="9525">
                 <a:solidFill>
                   <a:srgbClr val="000000"/>
                 </a:solidFill>
@@ -12958,14 +12958,14 @@
           <a:noFill/>
           <a:extLst>
             <a:ext uri="{909E8E84-426E-40dd-AFC4-6F175D3DCCD1}">
-              <a14:hiddenFill xmlns="" xmlns:a14="http://schemas.microsoft.com/office/drawing/2010/main">
+              <a14:hiddenFill xmlns:a14="http://schemas.microsoft.com/office/drawing/2010/main" xmlns="">
                 <a:solidFill>
                   <a:srgbClr val="FFFFFF"/>
                 </a:solidFill>
               </a14:hiddenFill>
             </a:ext>
             <a:ext uri="{91240B29-F687-4f45-9708-019B960494DF}">
-              <a14:hiddenLine xmlns="" xmlns:a14="http://schemas.microsoft.com/office/drawing/2010/main" w="9525">
+              <a14:hiddenLine xmlns:a14="http://schemas.microsoft.com/office/drawing/2010/main" xmlns="" w="9525">
                 <a:solidFill>
                   <a:srgbClr val="000000"/>
                 </a:solidFill>
@@ -13184,14 +13184,14 @@
           </a:ln>
           <a:extLst>
             <a:ext uri="{909E8E84-426E-40dd-AFC4-6F175D3DCCD1}">
-              <a14:hiddenFill xmlns="" xmlns:a14="http://schemas.microsoft.com/office/drawing/2010/main">
+              <a14:hiddenFill xmlns:a14="http://schemas.microsoft.com/office/drawing/2010/main" xmlns="">
                 <a:solidFill>
                   <a:srgbClr val="FFFFFF"/>
                 </a:solidFill>
               </a14:hiddenFill>
             </a:ext>
             <a:ext uri="{91240B29-F687-4f45-9708-019B960494DF}">
-              <a14:hiddenLine xmlns="" xmlns:a14="http://schemas.microsoft.com/office/drawing/2010/main" w="9525">
+              <a14:hiddenLine xmlns:a14="http://schemas.microsoft.com/office/drawing/2010/main" xmlns="" w="9525">
                 <a:solidFill>
                   <a:srgbClr val="000000"/>
                 </a:solidFill>
@@ -13203,8 +13203,8 @@
           </a:extLst>
         </p:spPr>
       </p:pic>
-      <mc:AlternateContent xmlns:mc="http://schemas.openxmlformats.org/markup-compatibility/2006" xmlns:a14="http://schemas.microsoft.com/office/drawing/2010/main">
-        <mc:Choice Requires="a14">
+      <mc:AlternateContent xmlns:mc="http://schemas.openxmlformats.org/markup-compatibility/2006">
+        <mc:Choice xmlns:a14="http://schemas.microsoft.com/office/drawing/2010/main" Requires="a14">
           <p:sp>
             <p:nvSpPr>
               <p:cNvPr id="22" name="Subtitle 2">
@@ -13647,7 +13647,7 @@
                 <a:r>
                   <a:rPr lang="zh-CN" altLang="en-US" kern="0" dirty="0">
                     <a:solidFill>
-                      <a:srgbClr val="003366"/>
+                      <a:srgbClr val="FF0000"/>
                     </a:solidFill>
                     <a:ea typeface="仿宋" panose="02010609060101010101" pitchFamily="49" charset="-122"/>
                   </a:rPr>
@@ -13656,7 +13656,7 @@
                 <a:r>
                   <a:rPr lang="en-US" altLang="zh-CN" kern="0" dirty="0">
                     <a:solidFill>
-                      <a:srgbClr val="003366"/>
+                      <a:srgbClr val="FF0000"/>
                     </a:solidFill>
                     <a:ea typeface="仿宋" panose="02010609060101010101" pitchFamily="49" charset="-122"/>
                   </a:rPr>
@@ -13665,7 +13665,7 @@
                 <a:r>
                   <a:rPr lang="zh-CN" altLang="en-US" kern="0" dirty="0">
                     <a:solidFill>
-                      <a:srgbClr val="003366"/>
+                      <a:srgbClr val="FF0000"/>
                     </a:solidFill>
                     <a:ea typeface="仿宋" panose="02010609060101010101" pitchFamily="49" charset="-122"/>
                   </a:rPr>
@@ -13674,7 +13674,7 @@
                 <a:r>
                   <a:rPr lang="en-US" altLang="zh-CN" kern="0" dirty="0">
                     <a:solidFill>
-                      <a:srgbClr val="003366"/>
+                      <a:srgbClr val="FF0000"/>
                     </a:solidFill>
                     <a:ea typeface="仿宋" panose="02010609060101010101" pitchFamily="49" charset="-122"/>
                   </a:rPr>
@@ -13683,7 +13683,7 @@
                 <a:r>
                   <a:rPr lang="zh-CN" altLang="en-US" kern="0" dirty="0">
                     <a:solidFill>
-                      <a:srgbClr val="003366"/>
+                      <a:srgbClr val="FF0000"/>
                     </a:solidFill>
                     <a:ea typeface="仿宋" panose="02010609060101010101" pitchFamily="49" charset="-122"/>
                   </a:rPr>
@@ -13691,7 +13691,67 @@
                 </a:r>
                 <a:endParaRPr lang="en-US" altLang="zh-CN" kern="0" dirty="0">
                   <a:solidFill>
-                    <a:srgbClr val="003366"/>
+                    <a:srgbClr val="FF0000"/>
+                  </a:solidFill>
+                  <a:ea typeface="仿宋" panose="02010609060101010101" pitchFamily="49" charset="-122"/>
+                </a:endParaRPr>
+              </a:p>
+              <a:p>
+                <a:pPr lvl="2" eaLnBrk="1" hangingPunct="1">
+                  <a:buClr>
+                    <a:srgbClr val="006666"/>
+                  </a:buClr>
+                  <a:buFont typeface="Wingdings" panose="05000000000000000000" pitchFamily="2" charset="2"/>
+                  <a:buChar char="u"/>
+                </a:pPr>
+                <a:r>
+                  <a:rPr lang="zh-CN" altLang="en-US" kern="0" dirty="0">
+                    <a:solidFill>
+                      <a:srgbClr val="FF0000"/>
+                    </a:solidFill>
+                    <a:ea typeface="仿宋" panose="02010609060101010101" pitchFamily="49" charset="-122"/>
+                  </a:rPr>
+                  <a:t>为什么发送操作在</a:t>
+                </a:r>
+                <a:r>
+                  <a:rPr lang="en-US" altLang="zh-CN" kern="0" dirty="0">
+                    <a:solidFill>
+                      <a:srgbClr val="FF0000"/>
+                    </a:solidFill>
+                    <a:ea typeface="仿宋" panose="02010609060101010101" pitchFamily="49" charset="-122"/>
+                  </a:rPr>
+                  <a:t>PAST</a:t>
+                </a:r>
+                <a:r>
+                  <a:rPr lang="zh-CN" altLang="en-US" kern="0" dirty="0">
+                    <a:solidFill>
+                      <a:srgbClr val="FF0000"/>
+                    </a:solidFill>
+                    <a:ea typeface="仿宋" panose="02010609060101010101" pitchFamily="49" charset="-122"/>
+                  </a:rPr>
+                  <a:t>、接收操作在</a:t>
+                </a:r>
+                <a:r>
+                  <a:rPr lang="en-US" altLang="zh-CN" kern="0" dirty="0">
+                    <a:solidFill>
+                      <a:srgbClr val="FF0000"/>
+                    </a:solidFill>
+                    <a:ea typeface="仿宋" panose="02010609060101010101" pitchFamily="49" charset="-122"/>
+                  </a:rPr>
+                  <a:t>FUTURE</a:t>
+                </a:r>
+                <a:r>
+                  <a:rPr lang="zh-CN" altLang="en-US" kern="0" dirty="0">
+                    <a:solidFill>
+                      <a:srgbClr val="FF0000"/>
+                    </a:solidFill>
+                    <a:ea typeface="仿宋" panose="02010609060101010101" pitchFamily="49" charset="-122"/>
+                  </a:rPr>
+                  <a:t>的情况不加以考虑？</a:t>
+                </a:r>
+                <a:endParaRPr lang="en-US" altLang="zh-CN" kern="0" dirty="0">
+                  <a:solidFill>
+                    <a:srgbClr val="FF0000"/>
                   </a:solidFill>
                   <a:ea typeface="仿宋" panose="02010609060101010101" pitchFamily="49" charset="-122"/>
                 </a:endParaRPr>
@@ -13827,7 +13887,7 @@
             </p:txBody>
           </p:sp>
         </mc:Choice>
-        <mc:Fallback xmlns="">
+        <mc:Fallback>
           <p:sp>
             <p:nvSpPr>
               <p:cNvPr id="22" name="Subtitle 2">
@@ -13853,7 +13913,7 @@
               <a:blipFill>
                 <a:blip r:embed="rId4"/>
                 <a:stretch>
-                  <a:fillRect l="-602" t="-2227" r="-469" b="-18016"/>
+                  <a:fillRect l="-602" t="-2227" r="-469" b="-30162"/>
                 </a:stretch>
               </a:blipFill>
               <a:ln>
@@ -13976,14 +14036,14 @@
           </a:ln>
           <a:extLst>
             <a:ext uri="{909E8E84-426E-40dd-AFC4-6F175D3DCCD1}">
-              <a14:hiddenFill xmlns="" xmlns:a14="http://schemas.microsoft.com/office/drawing/2010/main">
+              <a14:hiddenFill xmlns:a14="http://schemas.microsoft.com/office/drawing/2010/main" xmlns="">
                 <a:solidFill>
                   <a:srgbClr val="FFFFFF"/>
                 </a:solidFill>
               </a14:hiddenFill>
             </a:ext>
             <a:ext uri="{91240B29-F687-4f45-9708-019B960494DF}">
-              <a14:hiddenLine xmlns="" xmlns:a14="http://schemas.microsoft.com/office/drawing/2010/main" w="9525">
+              <a14:hiddenLine xmlns:a14="http://schemas.microsoft.com/office/drawing/2010/main" xmlns="" w="9525">
                 <a:solidFill>
                   <a:srgbClr val="000000"/>
                 </a:solidFill>
@@ -14177,14 +14237,14 @@
           <a:noFill/>
           <a:extLst>
             <a:ext uri="{909E8E84-426E-40dd-AFC4-6F175D3DCCD1}">
-              <a14:hiddenFill xmlns="" xmlns:a14="http://schemas.microsoft.com/office/drawing/2010/main">
+              <a14:hiddenFill xmlns:a14="http://schemas.microsoft.com/office/drawing/2010/main" xmlns="">
                 <a:solidFill>
                   <a:srgbClr val="FFFFFF"/>
                 </a:solidFill>
               </a14:hiddenFill>
             </a:ext>
             <a:ext uri="{91240B29-F687-4f45-9708-019B960494DF}">
-              <a14:hiddenLine xmlns="" xmlns:a14="http://schemas.microsoft.com/office/drawing/2010/main" w="9525">
+              <a14:hiddenLine xmlns:a14="http://schemas.microsoft.com/office/drawing/2010/main" xmlns="" w="9525">
                 <a:solidFill>
                   <a:srgbClr val="000000"/>
                 </a:solidFill>
@@ -14403,14 +14463,14 @@
           </a:ln>
           <a:extLst>
             <a:ext uri="{909E8E84-426E-40dd-AFC4-6F175D3DCCD1}">
-              <a14:hiddenFill xmlns="" xmlns:a14="http://schemas.microsoft.com/office/drawing/2010/main">
+              <a14:hiddenFill xmlns:a14="http://schemas.microsoft.com/office/drawing/2010/main" xmlns="">
                 <a:solidFill>
                   <a:srgbClr val="FFFFFF"/>
                 </a:solidFill>
               </a14:hiddenFill>
             </a:ext>
             <a:ext uri="{91240B29-F687-4f45-9708-019B960494DF}">
-              <a14:hiddenLine xmlns="" xmlns:a14="http://schemas.microsoft.com/office/drawing/2010/main" w="9525">
+              <a14:hiddenLine xmlns:a14="http://schemas.microsoft.com/office/drawing/2010/main" xmlns="" w="9525">
                 <a:solidFill>
                   <a:srgbClr val="000000"/>
                 </a:solidFill>
@@ -14944,14 +15004,14 @@
           </a:ln>
           <a:extLst>
             <a:ext uri="{909E8E84-426E-40dd-AFC4-6F175D3DCCD1}">
-              <a14:hiddenFill xmlns="" xmlns:a14="http://schemas.microsoft.com/office/drawing/2010/main">
+              <a14:hiddenFill xmlns:a14="http://schemas.microsoft.com/office/drawing/2010/main" xmlns="">
                 <a:solidFill>
                   <a:srgbClr val="FFFFFF"/>
                 </a:solidFill>
               </a14:hiddenFill>
             </a:ext>
             <a:ext uri="{91240B29-F687-4f45-9708-019B960494DF}">
-              <a14:hiddenLine xmlns="" xmlns:a14="http://schemas.microsoft.com/office/drawing/2010/main" w="9525">
+              <a14:hiddenLine xmlns:a14="http://schemas.microsoft.com/office/drawing/2010/main" xmlns="" w="9525">
                 <a:solidFill>
                   <a:srgbClr val="000000"/>
                 </a:solidFill>
@@ -15145,14 +15205,14 @@
           <a:noFill/>
           <a:extLst>
             <a:ext uri="{909E8E84-426E-40dd-AFC4-6F175D3DCCD1}">
-              <a14:hiddenFill xmlns="" xmlns:a14="http://schemas.microsoft.com/office/drawing/2010/main">
+              <a14:hiddenFill xmlns:a14="http://schemas.microsoft.com/office/drawing/2010/main" xmlns="">
                 <a:solidFill>
                   <a:srgbClr val="FFFFFF"/>
                 </a:solidFill>
               </a14:hiddenFill>
             </a:ext>
             <a:ext uri="{91240B29-F687-4f45-9708-019B960494DF}">
-              <a14:hiddenLine xmlns="" xmlns:a14="http://schemas.microsoft.com/office/drawing/2010/main" w="9525">
+              <a14:hiddenLine xmlns:a14="http://schemas.microsoft.com/office/drawing/2010/main" xmlns="" w="9525">
                 <a:solidFill>
                   <a:srgbClr val="000000"/>
                 </a:solidFill>
@@ -15371,14 +15431,14 @@
           </a:ln>
           <a:extLst>
             <a:ext uri="{909E8E84-426E-40dd-AFC4-6F175D3DCCD1}">
-              <a14:hiddenFill xmlns="" xmlns:a14="http://schemas.microsoft.com/office/drawing/2010/main">
+              <a14:hiddenFill xmlns:a14="http://schemas.microsoft.com/office/drawing/2010/main" xmlns="">
                 <a:solidFill>
                   <a:srgbClr val="FFFFFF"/>
                 </a:solidFill>
               </a14:hiddenFill>
             </a:ext>
             <a:ext uri="{91240B29-F687-4f45-9708-019B960494DF}">
-              <a14:hiddenLine xmlns="" xmlns:a14="http://schemas.microsoft.com/office/drawing/2010/main" w="9525">
+              <a14:hiddenLine xmlns:a14="http://schemas.microsoft.com/office/drawing/2010/main" xmlns="" w="9525">
                 <a:solidFill>
                   <a:srgbClr val="000000"/>
                 </a:solidFill>
@@ -16717,14 +16777,14 @@
           </a:ln>
           <a:extLst>
             <a:ext uri="{909E8E84-426E-40dd-AFC4-6F175D3DCCD1}">
-              <a14:hiddenFill xmlns="" xmlns:a14="http://schemas.microsoft.com/office/drawing/2010/main">
+              <a14:hiddenFill xmlns:a14="http://schemas.microsoft.com/office/drawing/2010/main" xmlns="">
                 <a:solidFill>
                   <a:srgbClr val="FFFFFF"/>
                 </a:solidFill>
               </a14:hiddenFill>
             </a:ext>
             <a:ext uri="{91240B29-F687-4f45-9708-019B960494DF}">
-              <a14:hiddenLine xmlns="" xmlns:a14="http://schemas.microsoft.com/office/drawing/2010/main" w="9525">
+              <a14:hiddenLine xmlns:a14="http://schemas.microsoft.com/office/drawing/2010/main" xmlns="" w="9525">
                 <a:solidFill>
                   <a:srgbClr val="000000"/>
                 </a:solidFill>
@@ -16918,14 +16978,14 @@
           <a:noFill/>
           <a:extLst>
             <a:ext uri="{909E8E84-426E-40dd-AFC4-6F175D3DCCD1}">
-              <a14:hiddenFill xmlns="" xmlns:a14="http://schemas.microsoft.com/office/drawing/2010/main">
+              <a14:hiddenFill xmlns:a14="http://schemas.microsoft.com/office/drawing/2010/main" xmlns="">
                 <a:solidFill>
                   <a:srgbClr val="FFFFFF"/>
                 </a:solidFill>
               </a14:hiddenFill>
             </a:ext>
             <a:ext uri="{91240B29-F687-4f45-9708-019B960494DF}">
-              <a14:hiddenLine xmlns="" xmlns:a14="http://schemas.microsoft.com/office/drawing/2010/main" w="9525">
+              <a14:hiddenLine xmlns:a14="http://schemas.microsoft.com/office/drawing/2010/main" xmlns="" w="9525">
                 <a:solidFill>
                   <a:srgbClr val="000000"/>
                 </a:solidFill>
@@ -17144,14 +17204,14 @@
           </a:ln>
           <a:extLst>
             <a:ext uri="{909E8E84-426E-40dd-AFC4-6F175D3DCCD1}">
-              <a14:hiddenFill xmlns="" xmlns:a14="http://schemas.microsoft.com/office/drawing/2010/main">
+              <a14:hiddenFill xmlns:a14="http://schemas.microsoft.com/office/drawing/2010/main" xmlns="">
                 <a:solidFill>
                   <a:srgbClr val="FFFFFF"/>
                 </a:solidFill>
               </a14:hiddenFill>
             </a:ext>
             <a:ext uri="{91240B29-F687-4f45-9708-019B960494DF}">
-              <a14:hiddenLine xmlns="" xmlns:a14="http://schemas.microsoft.com/office/drawing/2010/main" w="9525">
+              <a14:hiddenLine xmlns:a14="http://schemas.microsoft.com/office/drawing/2010/main" xmlns="" w="9525">
                 <a:solidFill>
                   <a:srgbClr val="000000"/>
                 </a:solidFill>
@@ -17781,14 +17841,14 @@
           </a:ln>
           <a:extLst>
             <a:ext uri="{909E8E84-426E-40dd-AFC4-6F175D3DCCD1}">
-              <a14:hiddenFill xmlns="" xmlns:a14="http://schemas.microsoft.com/office/drawing/2010/main">
+              <a14:hiddenFill xmlns:a14="http://schemas.microsoft.com/office/drawing/2010/main" xmlns="">
                 <a:solidFill>
                   <a:srgbClr val="FFFFFF"/>
                 </a:solidFill>
               </a14:hiddenFill>
             </a:ext>
             <a:ext uri="{91240B29-F687-4f45-9708-019B960494DF}">
-              <a14:hiddenLine xmlns="" xmlns:a14="http://schemas.microsoft.com/office/drawing/2010/main" w="9525">
+              <a14:hiddenLine xmlns:a14="http://schemas.microsoft.com/office/drawing/2010/main" xmlns="" w="9525">
                 <a:solidFill>
                   <a:srgbClr val="000000"/>
                 </a:solidFill>
@@ -17982,14 +18042,14 @@
           <a:noFill/>
           <a:extLst>
             <a:ext uri="{909E8E84-426E-40dd-AFC4-6F175D3DCCD1}">
-              <a14:hiddenFill xmlns="" xmlns:a14="http://schemas.microsoft.com/office/drawing/2010/main">
+              <a14:hiddenFill xmlns:a14="http://schemas.microsoft.com/office/drawing/2010/main" xmlns="">
                 <a:solidFill>
                   <a:srgbClr val="FFFFFF"/>
                 </a:solidFill>
               </a14:hiddenFill>
             </a:ext>
             <a:ext uri="{91240B29-F687-4f45-9708-019B960494DF}">
-              <a14:hiddenLine xmlns="" xmlns:a14="http://schemas.microsoft.com/office/drawing/2010/main" w="9525">
+              <a14:hiddenLine xmlns:a14="http://schemas.microsoft.com/office/drawing/2010/main" xmlns="" w="9525">
                 <a:solidFill>
                   <a:srgbClr val="000000"/>
                 </a:solidFill>
@@ -18208,14 +18268,14 @@
           </a:ln>
           <a:extLst>
             <a:ext uri="{909E8E84-426E-40dd-AFC4-6F175D3DCCD1}">
-              <a14:hiddenFill xmlns="" xmlns:a14="http://schemas.microsoft.com/office/drawing/2010/main">
+              <a14:hiddenFill xmlns:a14="http://schemas.microsoft.com/office/drawing/2010/main" xmlns="">
                 <a:solidFill>
                   <a:srgbClr val="FFFFFF"/>
                 </a:solidFill>
               </a14:hiddenFill>
             </a:ext>
             <a:ext uri="{91240B29-F687-4f45-9708-019B960494DF}">
-              <a14:hiddenLine xmlns="" xmlns:a14="http://schemas.microsoft.com/office/drawing/2010/main" w="9525">
+              <a14:hiddenLine xmlns:a14="http://schemas.microsoft.com/office/drawing/2010/main" xmlns="" w="9525">
                 <a:solidFill>
                   <a:srgbClr val="000000"/>
                 </a:solidFill>
@@ -18860,14 +18920,14 @@
           </a:ln>
           <a:extLst>
             <a:ext uri="{909E8E84-426E-40dd-AFC4-6F175D3DCCD1}">
-              <a14:hiddenFill xmlns="" xmlns:a14="http://schemas.microsoft.com/office/drawing/2010/main">
+              <a14:hiddenFill xmlns:a14="http://schemas.microsoft.com/office/drawing/2010/main" xmlns="">
                 <a:solidFill>
                   <a:srgbClr val="FFFFFF"/>
                 </a:solidFill>
               </a14:hiddenFill>
             </a:ext>
             <a:ext uri="{91240B29-F687-4f45-9708-019B960494DF}">
-              <a14:hiddenLine xmlns="" xmlns:a14="http://schemas.microsoft.com/office/drawing/2010/main" w="9525">
+              <a14:hiddenLine xmlns:a14="http://schemas.microsoft.com/office/drawing/2010/main" xmlns="" w="9525">
                 <a:solidFill>
                   <a:srgbClr val="000000"/>
                 </a:solidFill>
@@ -19101,14 +19161,14 @@
           <a:noFill/>
           <a:extLst>
             <a:ext uri="{909E8E84-426E-40dd-AFC4-6F175D3DCCD1}">
-              <a14:hiddenFill xmlns="" xmlns:a14="http://schemas.microsoft.com/office/drawing/2010/main">
+              <a14:hiddenFill xmlns:a14="http://schemas.microsoft.com/office/drawing/2010/main" xmlns="">
                 <a:solidFill>
                   <a:srgbClr val="FFFFFF"/>
                 </a:solidFill>
               </a14:hiddenFill>
             </a:ext>
             <a:ext uri="{91240B29-F687-4f45-9708-019B960494DF}">
-              <a14:hiddenLine xmlns="" xmlns:a14="http://schemas.microsoft.com/office/drawing/2010/main" w="9525">
+              <a14:hiddenLine xmlns:a14="http://schemas.microsoft.com/office/drawing/2010/main" xmlns="" w="9525">
                 <a:solidFill>
                   <a:srgbClr val="000000"/>
                 </a:solidFill>
@@ -19327,14 +19387,14 @@
           </a:ln>
           <a:extLst>
             <a:ext uri="{909E8E84-426E-40dd-AFC4-6F175D3DCCD1}">
-              <a14:hiddenFill xmlns="" xmlns:a14="http://schemas.microsoft.com/office/drawing/2010/main">
+              <a14:hiddenFill xmlns:a14="http://schemas.microsoft.com/office/drawing/2010/main" xmlns="">
                 <a:solidFill>
                   <a:srgbClr val="FFFFFF"/>
                 </a:solidFill>
               </a14:hiddenFill>
             </a:ext>
             <a:ext uri="{91240B29-F687-4f45-9708-019B960494DF}">
-              <a14:hiddenLine xmlns="" xmlns:a14="http://schemas.microsoft.com/office/drawing/2010/main" w="9525">
+              <a14:hiddenLine xmlns:a14="http://schemas.microsoft.com/office/drawing/2010/main" xmlns="" w="9525">
                 <a:solidFill>
                   <a:srgbClr val="000000"/>
                 </a:solidFill>
@@ -20059,14 +20119,14 @@
           </a:ln>
           <a:extLst>
             <a:ext uri="{909E8E84-426E-40dd-AFC4-6F175D3DCCD1}">
-              <a14:hiddenFill xmlns="" xmlns:a14="http://schemas.microsoft.com/office/drawing/2010/main">
+              <a14:hiddenFill xmlns:a14="http://schemas.microsoft.com/office/drawing/2010/main" xmlns="">
                 <a:solidFill>
                   <a:srgbClr val="FFFFFF"/>
                 </a:solidFill>
               </a14:hiddenFill>
             </a:ext>
             <a:ext uri="{91240B29-F687-4f45-9708-019B960494DF}">
-              <a14:hiddenLine xmlns="" xmlns:a14="http://schemas.microsoft.com/office/drawing/2010/main" w="9525">
+              <a14:hiddenLine xmlns:a14="http://schemas.microsoft.com/office/drawing/2010/main" xmlns="" w="9525">
                 <a:solidFill>
                   <a:srgbClr val="000000"/>
                 </a:solidFill>
@@ -20300,14 +20360,14 @@
           <a:noFill/>
           <a:extLst>
             <a:ext uri="{909E8E84-426E-40dd-AFC4-6F175D3DCCD1}">
-              <a14:hiddenFill xmlns="" xmlns:a14="http://schemas.microsoft.com/office/drawing/2010/main">
+              <a14:hiddenFill xmlns:a14="http://schemas.microsoft.com/office/drawing/2010/main" xmlns="">
                 <a:solidFill>
                   <a:srgbClr val="FFFFFF"/>
                 </a:solidFill>
               </a14:hiddenFill>
             </a:ext>
             <a:ext uri="{91240B29-F687-4f45-9708-019B960494DF}">
-              <a14:hiddenLine xmlns="" xmlns:a14="http://schemas.microsoft.com/office/drawing/2010/main" w="9525">
+              <a14:hiddenLine xmlns:a14="http://schemas.microsoft.com/office/drawing/2010/main" xmlns="" w="9525">
                 <a:solidFill>
                   <a:srgbClr val="000000"/>
                 </a:solidFill>
@@ -20526,14 +20586,14 @@
           </a:ln>
           <a:extLst>
             <a:ext uri="{909E8E84-426E-40dd-AFC4-6F175D3DCCD1}">
-              <a14:hiddenFill xmlns="" xmlns:a14="http://schemas.microsoft.com/office/drawing/2010/main">
+              <a14:hiddenFill xmlns:a14="http://schemas.microsoft.com/office/drawing/2010/main" xmlns="">
                 <a:solidFill>
                   <a:srgbClr val="FFFFFF"/>
                 </a:solidFill>
               </a14:hiddenFill>
             </a:ext>
             <a:ext uri="{91240B29-F687-4f45-9708-019B960494DF}">
-              <a14:hiddenLine xmlns="" xmlns:a14="http://schemas.microsoft.com/office/drawing/2010/main" w="9525">
+              <a14:hiddenLine xmlns:a14="http://schemas.microsoft.com/office/drawing/2010/main" xmlns="" w="9525">
                 <a:solidFill>
                   <a:srgbClr val="000000"/>
                 </a:solidFill>
@@ -21105,14 +21165,14 @@
           </a:ln>
           <a:extLst>
             <a:ext uri="{909E8E84-426E-40dd-AFC4-6F175D3DCCD1}">
-              <a14:hiddenFill xmlns="" xmlns:a14="http://schemas.microsoft.com/office/drawing/2010/main">
+              <a14:hiddenFill xmlns:a14="http://schemas.microsoft.com/office/drawing/2010/main" xmlns="">
                 <a:solidFill>
                   <a:srgbClr val="FFFFFF"/>
                 </a:solidFill>
               </a14:hiddenFill>
             </a:ext>
             <a:ext uri="{91240B29-F687-4f45-9708-019B960494DF}">
-              <a14:hiddenLine xmlns="" xmlns:a14="http://schemas.microsoft.com/office/drawing/2010/main" w="9525">
+              <a14:hiddenLine xmlns:a14="http://schemas.microsoft.com/office/drawing/2010/main" xmlns="" w="9525">
                 <a:solidFill>
                   <a:srgbClr val="000000"/>
                 </a:solidFill>
@@ -21346,14 +21406,14 @@
           <a:noFill/>
           <a:extLst>
             <a:ext uri="{909E8E84-426E-40dd-AFC4-6F175D3DCCD1}">
-              <a14:hiddenFill xmlns="" xmlns:a14="http://schemas.microsoft.com/office/drawing/2010/main">
+              <a14:hiddenFill xmlns:a14="http://schemas.microsoft.com/office/drawing/2010/main" xmlns="">
                 <a:solidFill>
                   <a:srgbClr val="FFFFFF"/>
                 </a:solidFill>
               </a14:hiddenFill>
             </a:ext>
             <a:ext uri="{91240B29-F687-4f45-9708-019B960494DF}">
-              <a14:hiddenLine xmlns="" xmlns:a14="http://schemas.microsoft.com/office/drawing/2010/main" w="9525">
+              <a14:hiddenLine xmlns:a14="http://schemas.microsoft.com/office/drawing/2010/main" xmlns="" w="9525">
                 <a:solidFill>
                   <a:srgbClr val="000000"/>
                 </a:solidFill>
@@ -21572,14 +21632,14 @@
           </a:ln>
           <a:extLst>
             <a:ext uri="{909E8E84-426E-40dd-AFC4-6F175D3DCCD1}">
-              <a14:hiddenFill xmlns="" xmlns:a14="http://schemas.microsoft.com/office/drawing/2010/main">
+              <a14:hiddenFill xmlns:a14="http://schemas.microsoft.com/office/drawing/2010/main" xmlns="">
                 <a:solidFill>
                   <a:srgbClr val="FFFFFF"/>
                 </a:solidFill>
               </a14:hiddenFill>
             </a:ext>
             <a:ext uri="{91240B29-F687-4f45-9708-019B960494DF}">
-              <a14:hiddenLine xmlns="" xmlns:a14="http://schemas.microsoft.com/office/drawing/2010/main" w="9525">
+              <a14:hiddenLine xmlns:a14="http://schemas.microsoft.com/office/drawing/2010/main" xmlns="" w="9525">
                 <a:solidFill>
                   <a:srgbClr val="000000"/>
                 </a:solidFill>
@@ -22152,14 +22212,14 @@
           </a:ln>
           <a:extLst>
             <a:ext uri="{909E8E84-426E-40dd-AFC4-6F175D3DCCD1}">
-              <a14:hiddenFill xmlns="" xmlns:a14="http://schemas.microsoft.com/office/drawing/2010/main">
+              <a14:hiddenFill xmlns:a14="http://schemas.microsoft.com/office/drawing/2010/main" xmlns="">
                 <a:solidFill>
                   <a:srgbClr val="FFFFFF"/>
                 </a:solidFill>
               </a14:hiddenFill>
             </a:ext>
             <a:ext uri="{91240B29-F687-4f45-9708-019B960494DF}">
-              <a14:hiddenLine xmlns="" xmlns:a14="http://schemas.microsoft.com/office/drawing/2010/main" w="9525">
+              <a14:hiddenLine xmlns:a14="http://schemas.microsoft.com/office/drawing/2010/main" xmlns="" w="9525">
                 <a:solidFill>
                   <a:srgbClr val="000000"/>
                 </a:solidFill>
@@ -22353,14 +22413,14 @@
           <a:noFill/>
           <a:extLst>
             <a:ext uri="{909E8E84-426E-40dd-AFC4-6F175D3DCCD1}">
-              <a14:hiddenFill xmlns="" xmlns:a14="http://schemas.microsoft.com/office/drawing/2010/main">
+              <a14:hiddenFill xmlns:a14="http://schemas.microsoft.com/office/drawing/2010/main" xmlns="">
                 <a:solidFill>
                   <a:srgbClr val="FFFFFF"/>
                 </a:solidFill>
               </a14:hiddenFill>
             </a:ext>
             <a:ext uri="{91240B29-F687-4f45-9708-019B960494DF}">
-              <a14:hiddenLine xmlns="" xmlns:a14="http://schemas.microsoft.com/office/drawing/2010/main" w="9525">
+              <a14:hiddenLine xmlns:a14="http://schemas.microsoft.com/office/drawing/2010/main" xmlns="" w="9525">
                 <a:solidFill>
                   <a:srgbClr val="000000"/>
                 </a:solidFill>
@@ -22579,14 +22639,14 @@
           </a:ln>
           <a:extLst>
             <a:ext uri="{909E8E84-426E-40dd-AFC4-6F175D3DCCD1}">
-              <a14:hiddenFill xmlns="" xmlns:a14="http://schemas.microsoft.com/office/drawing/2010/main">
+              <a14:hiddenFill xmlns:a14="http://schemas.microsoft.com/office/drawing/2010/main" xmlns="">
                 <a:solidFill>
                   <a:srgbClr val="FFFFFF"/>
                 </a:solidFill>
               </a14:hiddenFill>
             </a:ext>
             <a:ext uri="{91240B29-F687-4f45-9708-019B960494DF}">
-              <a14:hiddenLine xmlns="" xmlns:a14="http://schemas.microsoft.com/office/drawing/2010/main" w="9525">
+              <a14:hiddenLine xmlns:a14="http://schemas.microsoft.com/office/drawing/2010/main" xmlns="" w="9525">
                 <a:solidFill>
                   <a:srgbClr val="000000"/>
                 </a:solidFill>
@@ -23199,14 +23259,14 @@
           </a:ln>
           <a:extLst>
             <a:ext uri="{909E8E84-426E-40dd-AFC4-6F175D3DCCD1}">
-              <a14:hiddenFill xmlns="" xmlns:a14="http://schemas.microsoft.com/office/drawing/2010/main">
+              <a14:hiddenFill xmlns:a14="http://schemas.microsoft.com/office/drawing/2010/main" xmlns="">
                 <a:solidFill>
                   <a:srgbClr val="FFFFFF"/>
                 </a:solidFill>
               </a14:hiddenFill>
             </a:ext>
             <a:ext uri="{91240B29-F687-4f45-9708-019B960494DF}">
-              <a14:hiddenLine xmlns="" xmlns:a14="http://schemas.microsoft.com/office/drawing/2010/main" w="9525">
+              <a14:hiddenLine xmlns:a14="http://schemas.microsoft.com/office/drawing/2010/main" xmlns="" w="9525">
                 <a:solidFill>
                   <a:srgbClr val="000000"/>
                 </a:solidFill>
@@ -23400,14 +23460,14 @@
           <a:noFill/>
           <a:extLst>
             <a:ext uri="{909E8E84-426E-40dd-AFC4-6F175D3DCCD1}">
-              <a14:hiddenFill xmlns="" xmlns:a14="http://schemas.microsoft.com/office/drawing/2010/main">
+              <a14:hiddenFill xmlns:a14="http://schemas.microsoft.com/office/drawing/2010/main" xmlns="">
                 <a:solidFill>
                   <a:srgbClr val="FFFFFF"/>
                 </a:solidFill>
               </a14:hiddenFill>
             </a:ext>
             <a:ext uri="{91240B29-F687-4f45-9708-019B960494DF}">
-              <a14:hiddenLine xmlns="" xmlns:a14="http://schemas.microsoft.com/office/drawing/2010/main" w="9525">
+              <a14:hiddenLine xmlns:a14="http://schemas.microsoft.com/office/drawing/2010/main" xmlns="" w="9525">
                 <a:solidFill>
                   <a:srgbClr val="000000"/>
                 </a:solidFill>
@@ -23626,14 +23686,14 @@
           </a:ln>
           <a:extLst>
             <a:ext uri="{909E8E84-426E-40dd-AFC4-6F175D3DCCD1}">
-              <a14:hiddenFill xmlns="" xmlns:a14="http://schemas.microsoft.com/office/drawing/2010/main">
+              <a14:hiddenFill xmlns:a14="http://schemas.microsoft.com/office/drawing/2010/main" xmlns="">
                 <a:solidFill>
                   <a:srgbClr val="FFFFFF"/>
                 </a:solidFill>
               </a14:hiddenFill>
             </a:ext>
             <a:ext uri="{91240B29-F687-4f45-9708-019B960494DF}">
-              <a14:hiddenLine xmlns="" xmlns:a14="http://schemas.microsoft.com/office/drawing/2010/main" w="9525">
+              <a14:hiddenLine xmlns:a14="http://schemas.microsoft.com/office/drawing/2010/main" xmlns="" w="9525">
                 <a:solidFill>
                   <a:srgbClr val="000000"/>
                 </a:solidFill>
@@ -24167,14 +24227,14 @@
           </a:ln>
           <a:extLst>
             <a:ext uri="{909E8E84-426E-40dd-AFC4-6F175D3DCCD1}">
-              <a14:hiddenFill xmlns="" xmlns:a14="http://schemas.microsoft.com/office/drawing/2010/main">
+              <a14:hiddenFill xmlns:a14="http://schemas.microsoft.com/office/drawing/2010/main" xmlns="">
                 <a:solidFill>
                   <a:srgbClr val="FFFFFF"/>
                 </a:solidFill>
               </a14:hiddenFill>
             </a:ext>
             <a:ext uri="{91240B29-F687-4f45-9708-019B960494DF}">
-              <a14:hiddenLine xmlns="" xmlns:a14="http://schemas.microsoft.com/office/drawing/2010/main" w="9525">
+              <a14:hiddenLine xmlns:a14="http://schemas.microsoft.com/office/drawing/2010/main" xmlns="" w="9525">
                 <a:solidFill>
                   <a:srgbClr val="000000"/>
                 </a:solidFill>
@@ -24368,14 +24428,14 @@
           <a:noFill/>
           <a:extLst>
             <a:ext uri="{909E8E84-426E-40dd-AFC4-6F175D3DCCD1}">
-              <a14:hiddenFill xmlns="" xmlns:a14="http://schemas.microsoft.com/office/drawing/2010/main">
+              <a14:hiddenFill xmlns:a14="http://schemas.microsoft.com/office/drawing/2010/main" xmlns="">
                 <a:solidFill>
                   <a:srgbClr val="FFFFFF"/>
                 </a:solidFill>
               </a14:hiddenFill>
             </a:ext>
             <a:ext uri="{91240B29-F687-4f45-9708-019B960494DF}">
-              <a14:hiddenLine xmlns="" xmlns:a14="http://schemas.microsoft.com/office/drawing/2010/main" w="9525">
+              <a14:hiddenLine xmlns:a14="http://schemas.microsoft.com/office/drawing/2010/main" xmlns="" w="9525">
                 <a:solidFill>
                   <a:srgbClr val="000000"/>
                 </a:solidFill>
@@ -24594,14 +24654,14 @@
           </a:ln>
           <a:extLst>
             <a:ext uri="{909E8E84-426E-40dd-AFC4-6F175D3DCCD1}">
-              <a14:hiddenFill xmlns="" xmlns:a14="http://schemas.microsoft.com/office/drawing/2010/main">
+              <a14:hiddenFill xmlns:a14="http://schemas.microsoft.com/office/drawing/2010/main" xmlns="">
                 <a:solidFill>
                   <a:srgbClr val="FFFFFF"/>
                 </a:solidFill>
               </a14:hiddenFill>
             </a:ext>
             <a:ext uri="{91240B29-F687-4f45-9708-019B960494DF}">
-              <a14:hiddenLine xmlns="" xmlns:a14="http://schemas.microsoft.com/office/drawing/2010/main" w="9525">
+              <a14:hiddenLine xmlns:a14="http://schemas.microsoft.com/office/drawing/2010/main" xmlns="" w="9525">
                 <a:solidFill>
                   <a:srgbClr val="000000"/>
                 </a:solidFill>
@@ -25639,14 +25699,14 @@
           </a:ln>
           <a:extLst>
             <a:ext uri="{909E8E84-426E-40dd-AFC4-6F175D3DCCD1}">
-              <a14:hiddenFill xmlns="" xmlns:a14="http://schemas.microsoft.com/office/drawing/2010/main">
+              <a14:hiddenFill xmlns:a14="http://schemas.microsoft.com/office/drawing/2010/main" xmlns="">
                 <a:solidFill>
                   <a:srgbClr val="FFFFFF"/>
                 </a:solidFill>
               </a14:hiddenFill>
             </a:ext>
             <a:ext uri="{91240B29-F687-4f45-9708-019B960494DF}">
-              <a14:hiddenLine xmlns="" xmlns:a14="http://schemas.microsoft.com/office/drawing/2010/main" w="9525">
+              <a14:hiddenLine xmlns:a14="http://schemas.microsoft.com/office/drawing/2010/main" xmlns="" w="9525">
                 <a:solidFill>
                   <a:srgbClr val="000000"/>
                 </a:solidFill>
@@ -25840,14 +25900,14 @@
           <a:noFill/>
           <a:extLst>
             <a:ext uri="{909E8E84-426E-40dd-AFC4-6F175D3DCCD1}">
-              <a14:hiddenFill xmlns="" xmlns:a14="http://schemas.microsoft.com/office/drawing/2010/main">
+              <a14:hiddenFill xmlns:a14="http://schemas.microsoft.com/office/drawing/2010/main" xmlns="">
                 <a:solidFill>
                   <a:srgbClr val="FFFFFF"/>
                 </a:solidFill>
               </a14:hiddenFill>
             </a:ext>
             <a:ext uri="{91240B29-F687-4f45-9708-019B960494DF}">
-              <a14:hiddenLine xmlns="" xmlns:a14="http://schemas.microsoft.com/office/drawing/2010/main" w="9525">
+              <a14:hiddenLine xmlns:a14="http://schemas.microsoft.com/office/drawing/2010/main" xmlns="" w="9525">
                 <a:solidFill>
                   <a:srgbClr val="000000"/>
                 </a:solidFill>
@@ -26066,14 +26126,14 @@
           </a:ln>
           <a:extLst>
             <a:ext uri="{909E8E84-426E-40dd-AFC4-6F175D3DCCD1}">
-              <a14:hiddenFill xmlns="" xmlns:a14="http://schemas.microsoft.com/office/drawing/2010/main">
+              <a14:hiddenFill xmlns:a14="http://schemas.microsoft.com/office/drawing/2010/main" xmlns="">
                 <a:solidFill>
                   <a:srgbClr val="FFFFFF"/>
                 </a:solidFill>
               </a14:hiddenFill>
             </a:ext>
             <a:ext uri="{91240B29-F687-4f45-9708-019B960494DF}">
-              <a14:hiddenLine xmlns="" xmlns:a14="http://schemas.microsoft.com/office/drawing/2010/main" w="9525">
+              <a14:hiddenLine xmlns:a14="http://schemas.microsoft.com/office/drawing/2010/main" xmlns="" w="9525">
                 <a:solidFill>
                   <a:srgbClr val="000000"/>
                 </a:solidFill>
@@ -26607,14 +26667,14 @@
           </a:ln>
           <a:extLst>
             <a:ext uri="{909E8E84-426E-40dd-AFC4-6F175D3DCCD1}">
-              <a14:hiddenFill xmlns="" xmlns:a14="http://schemas.microsoft.com/office/drawing/2010/main">
+              <a14:hiddenFill xmlns:a14="http://schemas.microsoft.com/office/drawing/2010/main" xmlns="">
                 <a:solidFill>
                   <a:srgbClr val="FFFFFF"/>
                 </a:solidFill>
               </a14:hiddenFill>
             </a:ext>
             <a:ext uri="{91240B29-F687-4f45-9708-019B960494DF}">
-              <a14:hiddenLine xmlns="" xmlns:a14="http://schemas.microsoft.com/office/drawing/2010/main" w="9525">
+              <a14:hiddenLine xmlns:a14="http://schemas.microsoft.com/office/drawing/2010/main" xmlns="" w="9525">
                 <a:solidFill>
                   <a:srgbClr val="000000"/>
                 </a:solidFill>
@@ -26808,14 +26868,14 @@
           <a:noFill/>
           <a:extLst>
             <a:ext uri="{909E8E84-426E-40dd-AFC4-6F175D3DCCD1}">
-              <a14:hiddenFill xmlns="" xmlns:a14="http://schemas.microsoft.com/office/drawing/2010/main">
+              <a14:hiddenFill xmlns:a14="http://schemas.microsoft.com/office/drawing/2010/main" xmlns="">
                 <a:solidFill>
                   <a:srgbClr val="FFFFFF"/>
                 </a:solidFill>
               </a14:hiddenFill>
             </a:ext>
             <a:ext uri="{91240B29-F687-4f45-9708-019B960494DF}">
-              <a14:hiddenLine xmlns="" xmlns:a14="http://schemas.microsoft.com/office/drawing/2010/main" w="9525">
+              <a14:hiddenLine xmlns:a14="http://schemas.microsoft.com/office/drawing/2010/main" xmlns="" w="9525">
                 <a:solidFill>
                   <a:srgbClr val="000000"/>
                 </a:solidFill>
@@ -27034,14 +27094,14 @@
           </a:ln>
           <a:extLst>
             <a:ext uri="{909E8E84-426E-40dd-AFC4-6F175D3DCCD1}">
-              <a14:hiddenFill xmlns="" xmlns:a14="http://schemas.microsoft.com/office/drawing/2010/main">
+              <a14:hiddenFill xmlns:a14="http://schemas.microsoft.com/office/drawing/2010/main" xmlns="">
                 <a:solidFill>
                   <a:srgbClr val="FFFFFF"/>
                 </a:solidFill>
               </a14:hiddenFill>
             </a:ext>
             <a:ext uri="{91240B29-F687-4f45-9708-019B960494DF}">
-              <a14:hiddenLine xmlns="" xmlns:a14="http://schemas.microsoft.com/office/drawing/2010/main" w="9525">
+              <a14:hiddenLine xmlns:a14="http://schemas.microsoft.com/office/drawing/2010/main" xmlns="" w="9525">
                 <a:solidFill>
                   <a:srgbClr val="000000"/>
                 </a:solidFill>
@@ -28341,14 +28401,14 @@
           </a:ln>
           <a:extLst>
             <a:ext uri="{909E8E84-426E-40dd-AFC4-6F175D3DCCD1}">
-              <a14:hiddenFill xmlns="" xmlns:a14="http://schemas.microsoft.com/office/drawing/2010/main">
+              <a14:hiddenFill xmlns:a14="http://schemas.microsoft.com/office/drawing/2010/main" xmlns="">
                 <a:solidFill>
                   <a:srgbClr val="FFFFFF"/>
                 </a:solidFill>
               </a14:hiddenFill>
             </a:ext>
             <a:ext uri="{91240B29-F687-4f45-9708-019B960494DF}">
-              <a14:hiddenLine xmlns="" xmlns:a14="http://schemas.microsoft.com/office/drawing/2010/main" w="9525">
+              <a14:hiddenLine xmlns:a14="http://schemas.microsoft.com/office/drawing/2010/main" xmlns="" w="9525">
                 <a:solidFill>
                   <a:srgbClr val="000000"/>
                 </a:solidFill>
@@ -28542,14 +28602,14 @@
           <a:noFill/>
           <a:extLst>
             <a:ext uri="{909E8E84-426E-40dd-AFC4-6F175D3DCCD1}">
-              <a14:hiddenFill xmlns="" xmlns:a14="http://schemas.microsoft.com/office/drawing/2010/main">
+              <a14:hiddenFill xmlns:a14="http://schemas.microsoft.com/office/drawing/2010/main" xmlns="">
                 <a:solidFill>
                   <a:srgbClr val="FFFFFF"/>
                 </a:solidFill>
               </a14:hiddenFill>
             </a:ext>
             <a:ext uri="{91240B29-F687-4f45-9708-019B960494DF}">
-              <a14:hiddenLine xmlns="" xmlns:a14="http://schemas.microsoft.com/office/drawing/2010/main" w="9525">
+              <a14:hiddenLine xmlns:a14="http://schemas.microsoft.com/office/drawing/2010/main" xmlns="" w="9525">
                 <a:solidFill>
                   <a:srgbClr val="000000"/>
                 </a:solidFill>
@@ -28768,14 +28828,14 @@
           </a:ln>
           <a:extLst>
             <a:ext uri="{909E8E84-426E-40dd-AFC4-6F175D3DCCD1}">
-              <a14:hiddenFill xmlns="" xmlns:a14="http://schemas.microsoft.com/office/drawing/2010/main">
+              <a14:hiddenFill xmlns:a14="http://schemas.microsoft.com/office/drawing/2010/main" xmlns="">
                 <a:solidFill>
                   <a:srgbClr val="FFFFFF"/>
                 </a:solidFill>
               </a14:hiddenFill>
             </a:ext>
             <a:ext uri="{91240B29-F687-4f45-9708-019B960494DF}">
-              <a14:hiddenLine xmlns="" xmlns:a14="http://schemas.microsoft.com/office/drawing/2010/main" w="9525">
+              <a14:hiddenLine xmlns:a14="http://schemas.microsoft.com/office/drawing/2010/main" xmlns="" w="9525">
                 <a:solidFill>
                   <a:srgbClr val="000000"/>
                 </a:solidFill>
@@ -30081,14 +30141,14 @@
           </a:ln>
           <a:extLst>
             <a:ext uri="{909E8E84-426E-40dd-AFC4-6F175D3DCCD1}">
-              <a14:hiddenFill xmlns="" xmlns:a14="http://schemas.microsoft.com/office/drawing/2010/main">
+              <a14:hiddenFill xmlns:a14="http://schemas.microsoft.com/office/drawing/2010/main" xmlns="">
                 <a:solidFill>
                   <a:srgbClr val="FFFFFF"/>
                 </a:solidFill>
               </a14:hiddenFill>
             </a:ext>
             <a:ext uri="{91240B29-F687-4f45-9708-019B960494DF}">
-              <a14:hiddenLine xmlns="" xmlns:a14="http://schemas.microsoft.com/office/drawing/2010/main" w="9525">
+              <a14:hiddenLine xmlns:a14="http://schemas.microsoft.com/office/drawing/2010/main" xmlns="" w="9525">
                 <a:solidFill>
                   <a:srgbClr val="000000"/>
                 </a:solidFill>
@@ -30282,14 +30342,14 @@
           <a:noFill/>
           <a:extLst>
             <a:ext uri="{909E8E84-426E-40dd-AFC4-6F175D3DCCD1}">
-              <a14:hiddenFill xmlns="" xmlns:a14="http://schemas.microsoft.com/office/drawing/2010/main">
+              <a14:hiddenFill xmlns:a14="http://schemas.microsoft.com/office/drawing/2010/main" xmlns="">
                 <a:solidFill>
                   <a:srgbClr val="FFFFFF"/>
                 </a:solidFill>
               </a14:hiddenFill>
             </a:ext>
             <a:ext uri="{91240B29-F687-4f45-9708-019B960494DF}">
-              <a14:hiddenLine xmlns="" xmlns:a14="http://schemas.microsoft.com/office/drawing/2010/main" w="9525">
+              <a14:hiddenLine xmlns:a14="http://schemas.microsoft.com/office/drawing/2010/main" xmlns="" w="9525">
                 <a:solidFill>
                   <a:srgbClr val="000000"/>
                 </a:solidFill>
@@ -30508,14 +30568,14 @@
           </a:ln>
           <a:extLst>
             <a:ext uri="{909E8E84-426E-40dd-AFC4-6F175D3DCCD1}">
-              <a14:hiddenFill xmlns="" xmlns:a14="http://schemas.microsoft.com/office/drawing/2010/main">
+              <a14:hiddenFill xmlns:a14="http://schemas.microsoft.com/office/drawing/2010/main" xmlns="">
                 <a:solidFill>
                   <a:srgbClr val="FFFFFF"/>
                 </a:solidFill>
               </a14:hiddenFill>
             </a:ext>
             <a:ext uri="{91240B29-F687-4f45-9708-019B960494DF}">
-              <a14:hiddenLine xmlns="" xmlns:a14="http://schemas.microsoft.com/office/drawing/2010/main" w="9525">
+              <a14:hiddenLine xmlns:a14="http://schemas.microsoft.com/office/drawing/2010/main" xmlns="" w="9525">
                 <a:solidFill>
                   <a:srgbClr val="000000"/>
                 </a:solidFill>
@@ -31179,14 +31239,14 @@
           </a:ln>
           <a:extLst>
             <a:ext uri="{909E8E84-426E-40dd-AFC4-6F175D3DCCD1}">
-              <a14:hiddenFill xmlns="" xmlns:a14="http://schemas.microsoft.com/office/drawing/2010/main">
+              <a14:hiddenFill xmlns:a14="http://schemas.microsoft.com/office/drawing/2010/main" xmlns="">
                 <a:solidFill>
                   <a:srgbClr val="FFFFFF"/>
                 </a:solidFill>
               </a14:hiddenFill>
             </a:ext>
             <a:ext uri="{91240B29-F687-4f45-9708-019B960494DF}">
-              <a14:hiddenLine xmlns="" xmlns:a14="http://schemas.microsoft.com/office/drawing/2010/main" w="9525">
+              <a14:hiddenLine xmlns:a14="http://schemas.microsoft.com/office/drawing/2010/main" xmlns="" w="9525">
                 <a:solidFill>
                   <a:srgbClr val="000000"/>
                 </a:solidFill>
@@ -31380,14 +31440,14 @@
           <a:noFill/>
           <a:extLst>
             <a:ext uri="{909E8E84-426E-40dd-AFC4-6F175D3DCCD1}">
-              <a14:hiddenFill xmlns="" xmlns:a14="http://schemas.microsoft.com/office/drawing/2010/main">
+              <a14:hiddenFill xmlns:a14="http://schemas.microsoft.com/office/drawing/2010/main" xmlns="">
                 <a:solidFill>
                   <a:srgbClr val="FFFFFF"/>
                 </a:solidFill>
               </a14:hiddenFill>
             </a:ext>
             <a:ext uri="{91240B29-F687-4f45-9708-019B960494DF}">
-              <a14:hiddenLine xmlns="" xmlns:a14="http://schemas.microsoft.com/office/drawing/2010/main" w="9525">
+              <a14:hiddenLine xmlns:a14="http://schemas.microsoft.com/office/drawing/2010/main" xmlns="" w="9525">
                 <a:solidFill>
                   <a:srgbClr val="000000"/>
                 </a:solidFill>
@@ -31606,14 +31666,14 @@
           </a:ln>
           <a:extLst>
             <a:ext uri="{909E8E84-426E-40dd-AFC4-6F175D3DCCD1}">
-              <a14:hiddenFill xmlns="" xmlns:a14="http://schemas.microsoft.com/office/drawing/2010/main">
+              <a14:hiddenFill xmlns:a14="http://schemas.microsoft.com/office/drawing/2010/main" xmlns="">
                 <a:solidFill>
                   <a:srgbClr val="FFFFFF"/>
                 </a:solidFill>
               </a14:hiddenFill>
             </a:ext>
             <a:ext uri="{91240B29-F687-4f45-9708-019B960494DF}">
-              <a14:hiddenLine xmlns="" xmlns:a14="http://schemas.microsoft.com/office/drawing/2010/main" w="9525">
+              <a14:hiddenLine xmlns:a14="http://schemas.microsoft.com/office/drawing/2010/main" xmlns="" w="9525">
                 <a:solidFill>
                   <a:srgbClr val="000000"/>
                 </a:solidFill>
@@ -31625,8 +31685,8 @@
           </a:extLst>
         </p:spPr>
       </p:pic>
-      <mc:AlternateContent xmlns:mc="http://schemas.openxmlformats.org/markup-compatibility/2006" xmlns:a14="http://schemas.microsoft.com/office/drawing/2010/main">
-        <mc:Choice Requires="a14">
+      <mc:AlternateContent xmlns:mc="http://schemas.openxmlformats.org/markup-compatibility/2006">
+        <mc:Choice xmlns:a14="http://schemas.microsoft.com/office/drawing/2010/main" Requires="a14">
           <p:sp>
             <p:nvSpPr>
               <p:cNvPr id="22" name="Subtitle 2">
@@ -32732,7 +32792,7 @@
                 <a:r>
                   <a:rPr lang="zh-CN" altLang="en-US" kern="0" dirty="0">
                     <a:solidFill>
-                      <a:srgbClr val="003366"/>
+                      <a:srgbClr val="FF0000"/>
                     </a:solidFill>
                     <a:latin typeface="仿宋" panose="02010609060101010101" pitchFamily="49" charset="-122"/>
                     <a:ea typeface="仿宋" panose="02010609060101010101" pitchFamily="49" charset="-122"/>
@@ -32746,7 +32806,7 @@
                         <m:ctrlPr>
                           <a:rPr lang="en-US" altLang="zh-CN" i="1" kern="0" dirty="0">
                             <a:solidFill>
-                              <a:srgbClr val="003366"/>
+                              <a:srgbClr val="FF0000"/>
                             </a:solidFill>
                             <a:latin typeface="Cambria Math" panose="02040503050406030204" pitchFamily="18" charset="0"/>
                             <a:ea typeface="仿宋" panose="02010609060101010101" pitchFamily="49" charset="-122"/>
@@ -32757,7 +32817,7 @@
                         <m:r>
                           <a:rPr lang="en-US" altLang="zh-CN" i="1" kern="0" dirty="0">
                             <a:solidFill>
-                              <a:srgbClr val="003366"/>
+                              <a:srgbClr val="FF0000"/>
                             </a:solidFill>
                             <a:latin typeface="Cambria Math" panose="02040503050406030204" pitchFamily="18" charset="0"/>
                             <a:ea typeface="仿宋" panose="02010609060101010101" pitchFamily="49" charset="-122"/>
@@ -32769,7 +32829,7 @@
                         <m:r>
                           <a:rPr lang="en-US" altLang="zh-CN" i="1" kern="0" dirty="0">
                             <a:solidFill>
-                              <a:srgbClr val="003366"/>
+                              <a:srgbClr val="FF0000"/>
                             </a:solidFill>
                             <a:latin typeface="Cambria Math" panose="02040503050406030204" pitchFamily="18" charset="0"/>
                             <a:ea typeface="仿宋" panose="02010609060101010101" pitchFamily="49" charset="-122"/>
@@ -32781,7 +32841,7 @@
                         <m:r>
                           <a:rPr lang="en-US" altLang="zh-CN" i="1" kern="0" dirty="0">
                             <a:solidFill>
-                              <a:srgbClr val="003366"/>
+                              <a:srgbClr val="FF0000"/>
                             </a:solidFill>
                             <a:latin typeface="Cambria Math" panose="02040503050406030204" pitchFamily="18" charset="0"/>
                             <a:ea typeface="仿宋" panose="02010609060101010101" pitchFamily="49" charset="-122"/>
@@ -32793,7 +32853,7 @@
                     <m:r>
                       <a:rPr lang="en-US" altLang="zh-CN" i="1" kern="0" dirty="0">
                         <a:solidFill>
-                          <a:srgbClr val="003366"/>
+                          <a:srgbClr val="FF0000"/>
                         </a:solidFill>
                         <a:latin typeface="Cambria Math" panose="02040503050406030204" pitchFamily="18" charset="0"/>
                         <a:ea typeface="Cambria Math" panose="02040503050406030204" pitchFamily="18" charset="0"/>
@@ -32805,7 +32865,7 @@
                         <m:ctrlPr>
                           <a:rPr lang="en-US" altLang="zh-CN" i="1" kern="0" dirty="0">
                             <a:solidFill>
-                              <a:srgbClr val="003366"/>
+                              <a:srgbClr val="FF0000"/>
                             </a:solidFill>
                             <a:latin typeface="Cambria Math" panose="02040503050406030204" pitchFamily="18" charset="0"/>
                             <a:ea typeface="仿宋" panose="02010609060101010101" pitchFamily="49" charset="-122"/>
@@ -32816,7 +32876,7 @@
                         <m:r>
                           <a:rPr lang="en-US" altLang="zh-CN" i="1" kern="0" dirty="0">
                             <a:solidFill>
-                              <a:srgbClr val="003366"/>
+                              <a:srgbClr val="FF0000"/>
                             </a:solidFill>
                             <a:latin typeface="Cambria Math" panose="02040503050406030204" pitchFamily="18" charset="0"/>
                             <a:ea typeface="仿宋" panose="02010609060101010101" pitchFamily="49" charset="-122"/>
@@ -32828,7 +32888,7 @@
                         <m:r>
                           <a:rPr lang="en-US" altLang="zh-CN" i="1" kern="0" dirty="0">
                             <a:solidFill>
-                              <a:srgbClr val="003366"/>
+                              <a:srgbClr val="FF0000"/>
                             </a:solidFill>
                             <a:latin typeface="Cambria Math" panose="02040503050406030204" pitchFamily="18" charset="0"/>
                             <a:ea typeface="仿宋" panose="02010609060101010101" pitchFamily="49" charset="-122"/>
@@ -32840,7 +32900,7 @@
                         <m:r>
                           <a:rPr lang="en-US" altLang="zh-CN" i="1" kern="0" dirty="0">
                             <a:solidFill>
-                              <a:srgbClr val="003366"/>
+                              <a:srgbClr val="FF0000"/>
                             </a:solidFill>
                             <a:latin typeface="Cambria Math" panose="02040503050406030204" pitchFamily="18" charset="0"/>
                             <a:ea typeface="仿宋" panose="02010609060101010101" pitchFamily="49" charset="-122"/>
@@ -32852,7 +32912,7 @@
                     <m:r>
                       <a:rPr lang="en-US" altLang="zh-CN" i="1" kern="0" dirty="0">
                         <a:solidFill>
-                          <a:srgbClr val="003366"/>
+                          <a:srgbClr val="FF0000"/>
                         </a:solidFill>
                         <a:latin typeface="Cambria Math" panose="02040503050406030204" pitchFamily="18" charset="0"/>
                         <a:ea typeface="仿宋" panose="02010609060101010101" pitchFamily="49" charset="-122"/>
@@ -32864,7 +32924,7 @@
                 <a:r>
                   <a:rPr lang="zh-CN" altLang="en-US" kern="0" dirty="0">
                     <a:solidFill>
-                      <a:srgbClr val="003366"/>
+                      <a:srgbClr val="FF0000"/>
                     </a:solidFill>
                     <a:latin typeface="仿宋" panose="02010609060101010101" pitchFamily="49" charset="-122"/>
                     <a:ea typeface="仿宋" panose="02010609060101010101" pitchFamily="49" charset="-122"/>
@@ -32878,7 +32938,7 @@
                         <m:ctrlPr>
                           <a:rPr lang="en-US" altLang="zh-CN" i="1" kern="0" dirty="0">
                             <a:solidFill>
-                              <a:srgbClr val="003366"/>
+                              <a:srgbClr val="FF0000"/>
                             </a:solidFill>
                             <a:latin typeface="Cambria Math" panose="02040503050406030204" pitchFamily="18" charset="0"/>
                             <a:ea typeface="仿宋" panose="02010609060101010101" pitchFamily="49" charset="-122"/>
@@ -32889,7 +32949,7 @@
                         <m:r>
                           <a:rPr lang="en-US" altLang="zh-CN" i="1" kern="0" dirty="0">
                             <a:solidFill>
-                              <a:srgbClr val="003366"/>
+                              <a:srgbClr val="FF0000"/>
                             </a:solidFill>
                             <a:latin typeface="Cambria Math" panose="02040503050406030204" pitchFamily="18" charset="0"/>
                             <a:ea typeface="仿宋" panose="02010609060101010101" pitchFamily="49" charset="-122"/>
@@ -32901,7 +32961,7 @@
                         <m:r>
                           <a:rPr lang="en-US" altLang="zh-CN" i="1" kern="0" dirty="0">
                             <a:solidFill>
-                              <a:srgbClr val="003366"/>
+                              <a:srgbClr val="FF0000"/>
                             </a:solidFill>
                             <a:latin typeface="Cambria Math" panose="02040503050406030204" pitchFamily="18" charset="0"/>
                             <a:ea typeface="仿宋" panose="02010609060101010101" pitchFamily="49" charset="-122"/>
@@ -32913,7 +32973,7 @@
                         <m:r>
                           <a:rPr lang="en-US" altLang="zh-CN" i="1" kern="0" dirty="0">
                             <a:solidFill>
-                              <a:srgbClr val="003366"/>
+                              <a:srgbClr val="FF0000"/>
                             </a:solidFill>
                             <a:latin typeface="Cambria Math" panose="02040503050406030204" pitchFamily="18" charset="0"/>
                             <a:ea typeface="仿宋" panose="02010609060101010101" pitchFamily="49" charset="-122"/>
@@ -32925,7 +32985,7 @@
                     <m:r>
                       <a:rPr lang="en-US" altLang="zh-CN" i="1" kern="0" dirty="0">
                         <a:solidFill>
-                          <a:srgbClr val="003366"/>
+                          <a:srgbClr val="FF0000"/>
                         </a:solidFill>
                         <a:latin typeface="Cambria Math" panose="02040503050406030204" pitchFamily="18" charset="0"/>
                         <a:ea typeface="Cambria Math" panose="02040503050406030204" pitchFamily="18" charset="0"/>
@@ -32937,7 +32997,7 @@
                         <m:ctrlPr>
                           <a:rPr lang="en-US" altLang="zh-CN" i="1" kern="0" dirty="0">
                             <a:solidFill>
-                              <a:srgbClr val="003366"/>
+                              <a:srgbClr val="FF0000"/>
                             </a:solidFill>
                             <a:latin typeface="Cambria Math" panose="02040503050406030204" pitchFamily="18" charset="0"/>
                             <a:ea typeface="仿宋" panose="02010609060101010101" pitchFamily="49" charset="-122"/>
@@ -32948,7 +33008,7 @@
                         <m:r>
                           <a:rPr lang="en-US" altLang="zh-CN" i="1" kern="0" dirty="0">
                             <a:solidFill>
-                              <a:srgbClr val="003366"/>
+                              <a:srgbClr val="FF0000"/>
                             </a:solidFill>
                             <a:latin typeface="Cambria Math" panose="02040503050406030204" pitchFamily="18" charset="0"/>
                             <a:ea typeface="仿宋" panose="02010609060101010101" pitchFamily="49" charset="-122"/>
@@ -32960,7 +33020,7 @@
                         <m:r>
                           <a:rPr lang="en-US" altLang="zh-CN" i="1" kern="0" dirty="0">
                             <a:solidFill>
-                              <a:srgbClr val="003366"/>
+                              <a:srgbClr val="FF0000"/>
                             </a:solidFill>
                             <a:latin typeface="Cambria Math" panose="02040503050406030204" pitchFamily="18" charset="0"/>
                             <a:ea typeface="仿宋" panose="02010609060101010101" pitchFamily="49" charset="-122"/>
@@ -32972,7 +33032,7 @@
                         <m:r>
                           <a:rPr lang="en-US" altLang="zh-CN" i="1" kern="0" dirty="0">
                             <a:solidFill>
-                              <a:srgbClr val="003366"/>
+                              <a:srgbClr val="FF0000"/>
                             </a:solidFill>
                             <a:latin typeface="Cambria Math" panose="02040503050406030204" pitchFamily="18" charset="0"/>
                             <a:ea typeface="仿宋" panose="02010609060101010101" pitchFamily="49" charset="-122"/>
@@ -32984,7 +33044,7 @@
                     <m:r>
                       <a:rPr lang="en-US" altLang="zh-CN" i="1" kern="0" dirty="0">
                         <a:solidFill>
-                          <a:srgbClr val="003366"/>
+                          <a:srgbClr val="FF0000"/>
                         </a:solidFill>
                         <a:latin typeface="Cambria Math" panose="02040503050406030204" pitchFamily="18" charset="0"/>
                         <a:ea typeface="仿宋" panose="02010609060101010101" pitchFamily="49" charset="-122"/>
@@ -32996,7 +33056,7 @@
                 <a:r>
                   <a:rPr lang="zh-CN" altLang="en-US" kern="0" dirty="0">
                     <a:solidFill>
-                      <a:srgbClr val="003366"/>
+                      <a:srgbClr val="FF0000"/>
                     </a:solidFill>
                     <a:latin typeface="仿宋" panose="02010609060101010101" pitchFamily="49" charset="-122"/>
                     <a:ea typeface="仿宋" panose="02010609060101010101" pitchFamily="49" charset="-122"/>
@@ -33010,7 +33070,7 @@
                         <m:ctrlPr>
                           <a:rPr lang="en-US" altLang="zh-CN" i="1" kern="0" dirty="0">
                             <a:solidFill>
-                              <a:srgbClr val="003366"/>
+                              <a:srgbClr val="FF0000"/>
                             </a:solidFill>
                             <a:latin typeface="Cambria Math" panose="02040503050406030204" pitchFamily="18" charset="0"/>
                             <a:ea typeface="仿宋" panose="02010609060101010101" pitchFamily="49" charset="-122"/>
@@ -33021,7 +33081,7 @@
                         <m:r>
                           <a:rPr lang="en-US" altLang="zh-CN" i="1" kern="0" dirty="0">
                             <a:solidFill>
-                              <a:srgbClr val="003366"/>
+                              <a:srgbClr val="FF0000"/>
                             </a:solidFill>
                             <a:latin typeface="Cambria Math" panose="02040503050406030204" pitchFamily="18" charset="0"/>
                             <a:ea typeface="仿宋" panose="02010609060101010101" pitchFamily="49" charset="-122"/>
@@ -33033,7 +33093,7 @@
                         <m:r>
                           <a:rPr lang="en-US" altLang="zh-CN" i="1" kern="0" dirty="0">
                             <a:solidFill>
-                              <a:srgbClr val="003366"/>
+                              <a:srgbClr val="FF0000"/>
                             </a:solidFill>
                             <a:latin typeface="Cambria Math" panose="02040503050406030204" pitchFamily="18" charset="0"/>
                             <a:ea typeface="仿宋" panose="02010609060101010101" pitchFamily="49" charset="-122"/>
@@ -33045,7 +33105,7 @@
                         <m:r>
                           <a:rPr lang="en-US" altLang="zh-CN" i="1" kern="0" dirty="0">
                             <a:solidFill>
-                              <a:srgbClr val="003366"/>
+                              <a:srgbClr val="FF0000"/>
                             </a:solidFill>
                             <a:latin typeface="Cambria Math" panose="02040503050406030204" pitchFamily="18" charset="0"/>
                             <a:ea typeface="仿宋" panose="02010609060101010101" pitchFamily="49" charset="-122"/>
@@ -33057,7 +33117,7 @@
                     <m:r>
                       <a:rPr lang="zh-CN" altLang="en-US" i="1" kern="0" dirty="0" smtClean="0">
                         <a:solidFill>
-                          <a:srgbClr val="003366"/>
+                          <a:srgbClr val="FF0000"/>
                         </a:solidFill>
                         <a:latin typeface="Cambria Math" panose="02040503050406030204" pitchFamily="18" charset="0"/>
                         <a:ea typeface="Cambria Math" panose="02040503050406030204" pitchFamily="18" charset="0"/>
@@ -33069,7 +33129,7 @@
                         <m:ctrlPr>
                           <a:rPr lang="en-US" altLang="zh-CN" i="1" kern="0" dirty="0">
                             <a:solidFill>
-                              <a:srgbClr val="003366"/>
+                              <a:srgbClr val="FF0000"/>
                             </a:solidFill>
                             <a:latin typeface="Cambria Math" panose="02040503050406030204" pitchFamily="18" charset="0"/>
                             <a:ea typeface="仿宋" panose="02010609060101010101" pitchFamily="49" charset="-122"/>
@@ -33080,7 +33140,7 @@
                         <m:r>
                           <a:rPr lang="en-US" altLang="zh-CN" i="1" kern="0" dirty="0">
                             <a:solidFill>
-                              <a:srgbClr val="003366"/>
+                              <a:srgbClr val="FF0000"/>
                             </a:solidFill>
                             <a:latin typeface="Cambria Math" panose="02040503050406030204" pitchFamily="18" charset="0"/>
                             <a:ea typeface="仿宋" panose="02010609060101010101" pitchFamily="49" charset="-122"/>
@@ -33092,7 +33152,7 @@
                         <m:r>
                           <a:rPr lang="en-US" altLang="zh-CN" i="1" kern="0" dirty="0">
                             <a:solidFill>
-                              <a:srgbClr val="003366"/>
+                              <a:srgbClr val="FF0000"/>
                             </a:solidFill>
                             <a:latin typeface="Cambria Math" panose="02040503050406030204" pitchFamily="18" charset="0"/>
                             <a:ea typeface="仿宋" panose="02010609060101010101" pitchFamily="49" charset="-122"/>
@@ -33104,7 +33164,7 @@
                         <m:r>
                           <a:rPr lang="en-US" altLang="zh-CN" i="1" kern="0" dirty="0">
                             <a:solidFill>
-                              <a:srgbClr val="003366"/>
+                              <a:srgbClr val="FF0000"/>
                             </a:solidFill>
                             <a:latin typeface="Cambria Math" panose="02040503050406030204" pitchFamily="18" charset="0"/>
                             <a:ea typeface="仿宋" panose="02010609060101010101" pitchFamily="49" charset="-122"/>
@@ -33118,7 +33178,7 @@
                 <a:r>
                   <a:rPr lang="zh-CN" altLang="en-US" kern="0" dirty="0">
                     <a:solidFill>
-                      <a:srgbClr val="003366"/>
+                      <a:srgbClr val="FF0000"/>
                     </a:solidFill>
                     <a:latin typeface="仿宋" panose="02010609060101010101" pitchFamily="49" charset="-122"/>
                     <a:ea typeface="仿宋" panose="02010609060101010101" pitchFamily="49" charset="-122"/>
@@ -33132,7 +33192,7 @@
                         <m:ctrlPr>
                           <a:rPr lang="en-US" altLang="zh-CN" i="1" kern="0" dirty="0">
                             <a:solidFill>
-                              <a:srgbClr val="003366"/>
+                              <a:srgbClr val="FF0000"/>
                             </a:solidFill>
                             <a:latin typeface="Cambria Math" panose="02040503050406030204" pitchFamily="18" charset="0"/>
                             <a:ea typeface="仿宋" panose="02010609060101010101" pitchFamily="49" charset="-122"/>
@@ -33143,7 +33203,7 @@
                         <m:r>
                           <a:rPr lang="en-US" altLang="zh-CN" i="1" kern="0" dirty="0">
                             <a:solidFill>
-                              <a:srgbClr val="003366"/>
+                              <a:srgbClr val="FF0000"/>
                             </a:solidFill>
                             <a:latin typeface="Cambria Math" panose="02040503050406030204" pitchFamily="18" charset="0"/>
                             <a:ea typeface="仿宋" panose="02010609060101010101" pitchFamily="49" charset="-122"/>
@@ -33155,7 +33215,7 @@
                         <m:r>
                           <a:rPr lang="en-US" altLang="zh-CN" i="1" kern="0" dirty="0">
                             <a:solidFill>
-                              <a:srgbClr val="003366"/>
+                              <a:srgbClr val="FF0000"/>
                             </a:solidFill>
                             <a:latin typeface="Cambria Math" panose="02040503050406030204" pitchFamily="18" charset="0"/>
                             <a:ea typeface="仿宋" panose="02010609060101010101" pitchFamily="49" charset="-122"/>
@@ -33167,7 +33227,7 @@
                         <m:r>
                           <a:rPr lang="en-US" altLang="zh-CN" i="1" kern="0" dirty="0">
                             <a:solidFill>
-                              <a:srgbClr val="003366"/>
+                              <a:srgbClr val="FF0000"/>
                             </a:solidFill>
                             <a:latin typeface="Cambria Math" panose="02040503050406030204" pitchFamily="18" charset="0"/>
                             <a:ea typeface="仿宋" panose="02010609060101010101" pitchFamily="49" charset="-122"/>
@@ -33179,7 +33239,7 @@
                     <m:r>
                       <a:rPr lang="zh-CN" altLang="en-US" i="1" kern="0" dirty="0">
                         <a:solidFill>
-                          <a:srgbClr val="003366"/>
+                          <a:srgbClr val="FF0000"/>
                         </a:solidFill>
                         <a:latin typeface="Cambria Math" panose="02040503050406030204" pitchFamily="18" charset="0"/>
                         <a:ea typeface="Cambria Math" panose="02040503050406030204" pitchFamily="18" charset="0"/>
@@ -33191,7 +33251,7 @@
                         <m:ctrlPr>
                           <a:rPr lang="en-US" altLang="zh-CN" i="1" kern="0" dirty="0">
                             <a:solidFill>
-                              <a:srgbClr val="003366"/>
+                              <a:srgbClr val="FF0000"/>
                             </a:solidFill>
                             <a:latin typeface="Cambria Math" panose="02040503050406030204" pitchFamily="18" charset="0"/>
                             <a:ea typeface="仿宋" panose="02010609060101010101" pitchFamily="49" charset="-122"/>
@@ -33202,7 +33262,7 @@
                         <m:r>
                           <a:rPr lang="en-US" altLang="zh-CN" i="1" kern="0" dirty="0">
                             <a:solidFill>
-                              <a:srgbClr val="003366"/>
+                              <a:srgbClr val="FF0000"/>
                             </a:solidFill>
                             <a:latin typeface="Cambria Math" panose="02040503050406030204" pitchFamily="18" charset="0"/>
                             <a:ea typeface="仿宋" panose="02010609060101010101" pitchFamily="49" charset="-122"/>
@@ -33214,7 +33274,7 @@
                         <m:r>
                           <a:rPr lang="en-US" altLang="zh-CN" i="1" kern="0" dirty="0">
                             <a:solidFill>
-                              <a:srgbClr val="003366"/>
+                              <a:srgbClr val="FF0000"/>
                             </a:solidFill>
                             <a:latin typeface="Cambria Math" panose="02040503050406030204" pitchFamily="18" charset="0"/>
                             <a:ea typeface="仿宋" panose="02010609060101010101" pitchFamily="49" charset="-122"/>
@@ -33226,7 +33286,7 @@
                         <m:r>
                           <a:rPr lang="en-US" altLang="zh-CN" i="1" kern="0" dirty="0">
                             <a:solidFill>
-                              <a:srgbClr val="003366"/>
+                              <a:srgbClr val="FF0000"/>
                             </a:solidFill>
                             <a:latin typeface="Cambria Math" panose="02040503050406030204" pitchFamily="18" charset="0"/>
                             <a:ea typeface="仿宋" panose="02010609060101010101" pitchFamily="49" charset="-122"/>
@@ -33240,7 +33300,7 @@
                 <a:r>
                   <a:rPr lang="zh-CN" altLang="en-US" kern="0" dirty="0">
                     <a:solidFill>
-                      <a:srgbClr val="003366"/>
+                      <a:srgbClr val="FF0000"/>
                     </a:solidFill>
                     <a:latin typeface="仿宋" panose="02010609060101010101" pitchFamily="49" charset="-122"/>
                     <a:ea typeface="仿宋" panose="02010609060101010101" pitchFamily="49" charset="-122"/>
@@ -33249,7 +33309,7 @@
                 </a:r>
                 <a:endParaRPr lang="en-US" altLang="zh-CN" kern="0" dirty="0">
                   <a:solidFill>
-                    <a:srgbClr val="003366"/>
+                    <a:srgbClr val="FF0000"/>
                   </a:solidFill>
                   <a:latin typeface="仿宋" panose="02010609060101010101" pitchFamily="49" charset="-122"/>
                   <a:ea typeface="仿宋" panose="02010609060101010101" pitchFamily="49" charset="-122"/>
@@ -33266,7 +33326,7 @@
                 <a:r>
                   <a:rPr lang="zh-CN" altLang="en-US" kern="0" dirty="0">
                     <a:solidFill>
-                      <a:srgbClr val="003366"/>
+                      <a:srgbClr val="FF0000"/>
                     </a:solidFill>
                     <a:latin typeface="仿宋" panose="02010609060101010101" pitchFamily="49" charset="-122"/>
                     <a:ea typeface="仿宋" panose="02010609060101010101" pitchFamily="49" charset="-122"/>
@@ -33280,7 +33340,7 @@
                         <m:ctrlPr>
                           <a:rPr lang="en-US" altLang="zh-CN" i="1" kern="0" dirty="0">
                             <a:solidFill>
-                              <a:srgbClr val="003366"/>
+                              <a:srgbClr val="FF0000"/>
                             </a:solidFill>
                             <a:latin typeface="Cambria Math" panose="02040503050406030204" pitchFamily="18" charset="0"/>
                             <a:ea typeface="仿宋" panose="02010609060101010101" pitchFamily="49" charset="-122"/>
@@ -33291,7 +33351,7 @@
                         <m:r>
                           <a:rPr lang="en-US" altLang="zh-CN" i="1" kern="0" dirty="0">
                             <a:solidFill>
-                              <a:srgbClr val="003366"/>
+                              <a:srgbClr val="FF0000"/>
                             </a:solidFill>
                             <a:latin typeface="Cambria Math" panose="02040503050406030204" pitchFamily="18" charset="0"/>
                             <a:ea typeface="仿宋" panose="02010609060101010101" pitchFamily="49" charset="-122"/>
@@ -33303,7 +33363,7 @@
                         <m:r>
                           <a:rPr lang="en-US" altLang="zh-CN" b="0" i="1" kern="0" dirty="0" smtClean="0">
                             <a:solidFill>
-                              <a:srgbClr val="003366"/>
+                              <a:srgbClr val="FF0000"/>
                             </a:solidFill>
                             <a:latin typeface="Cambria Math" panose="02040503050406030204" pitchFamily="18" charset="0"/>
                             <a:ea typeface="仿宋" panose="02010609060101010101" pitchFamily="49" charset="-122"/>
@@ -33315,7 +33375,7 @@
                         <m:r>
                           <a:rPr lang="en-US" altLang="zh-CN" b="0" i="1" kern="0" dirty="0" smtClean="0">
                             <a:solidFill>
-                              <a:srgbClr val="003366"/>
+                              <a:srgbClr val="FF0000"/>
                             </a:solidFill>
                             <a:latin typeface="Cambria Math" panose="02040503050406030204" pitchFamily="18" charset="0"/>
                             <a:ea typeface="仿宋" panose="02010609060101010101" pitchFamily="49" charset="-122"/>
@@ -33327,7 +33387,7 @@
                     <m:r>
                       <a:rPr lang="zh-CN" altLang="en-US" i="1" kern="0" dirty="0">
                         <a:solidFill>
-                          <a:srgbClr val="003366"/>
+                          <a:srgbClr val="FF0000"/>
                         </a:solidFill>
                         <a:latin typeface="Cambria Math" panose="02040503050406030204" pitchFamily="18" charset="0"/>
                         <a:ea typeface="Cambria Math" panose="02040503050406030204" pitchFamily="18" charset="0"/>
@@ -33339,7 +33399,7 @@
                         <m:ctrlPr>
                           <a:rPr lang="en-US" altLang="zh-CN" i="1" kern="0" dirty="0">
                             <a:solidFill>
-                              <a:srgbClr val="003366"/>
+                              <a:srgbClr val="FF0000"/>
                             </a:solidFill>
                             <a:latin typeface="Cambria Math" panose="02040503050406030204" pitchFamily="18" charset="0"/>
                             <a:ea typeface="仿宋" panose="02010609060101010101" pitchFamily="49" charset="-122"/>
@@ -33350,7 +33410,7 @@
                         <m:r>
                           <a:rPr lang="en-US" altLang="zh-CN" i="1" kern="0" dirty="0">
                             <a:solidFill>
-                              <a:srgbClr val="003366"/>
+                              <a:srgbClr val="FF0000"/>
                             </a:solidFill>
                             <a:latin typeface="Cambria Math" panose="02040503050406030204" pitchFamily="18" charset="0"/>
                             <a:ea typeface="仿宋" panose="02010609060101010101" pitchFamily="49" charset="-122"/>
@@ -33362,7 +33422,7 @@
                         <m:r>
                           <a:rPr lang="en-US" altLang="zh-CN" b="0" i="1" kern="0" dirty="0" smtClean="0">
                             <a:solidFill>
-                              <a:srgbClr val="003366"/>
+                              <a:srgbClr val="FF0000"/>
                             </a:solidFill>
                             <a:latin typeface="Cambria Math" panose="02040503050406030204" pitchFamily="18" charset="0"/>
                             <a:ea typeface="仿宋" panose="02010609060101010101" pitchFamily="49" charset="-122"/>
@@ -33374,7 +33434,7 @@
                         <m:r>
                           <a:rPr lang="en-US" altLang="zh-CN" b="0" i="1" kern="0" dirty="0" smtClean="0">
                             <a:solidFill>
-                              <a:srgbClr val="003366"/>
+                              <a:srgbClr val="FF0000"/>
                             </a:solidFill>
                             <a:latin typeface="Cambria Math" panose="02040503050406030204" pitchFamily="18" charset="0"/>
                             <a:ea typeface="仿宋" panose="02010609060101010101" pitchFamily="49" charset="-122"/>
@@ -33386,7 +33446,7 @@
                     <m:r>
                       <a:rPr lang="en-US" altLang="zh-CN" i="1" kern="0" dirty="0">
                         <a:solidFill>
-                          <a:srgbClr val="003366"/>
+                          <a:srgbClr val="FF0000"/>
                         </a:solidFill>
                         <a:latin typeface="Cambria Math" panose="02040503050406030204" pitchFamily="18" charset="0"/>
                         <a:ea typeface="仿宋" panose="02010609060101010101" pitchFamily="49" charset="-122"/>
@@ -33398,7 +33458,7 @@
                 <a:r>
                   <a:rPr lang="zh-CN" altLang="en-US" kern="0" dirty="0">
                     <a:solidFill>
-                      <a:srgbClr val="003366"/>
+                      <a:srgbClr val="FF0000"/>
                     </a:solidFill>
                     <a:latin typeface="仿宋" panose="02010609060101010101" pitchFamily="49" charset="-122"/>
                     <a:ea typeface="仿宋" panose="02010609060101010101" pitchFamily="49" charset="-122"/>
@@ -33408,7 +33468,7 @@
                 <a:r>
                   <a:rPr lang="en-US" altLang="zh-CN" kern="0" dirty="0">
                     <a:solidFill>
-                      <a:srgbClr val="003366"/>
+                      <a:srgbClr val="FF0000"/>
                     </a:solidFill>
                     <a:ea typeface="仿宋" panose="02010609060101010101" pitchFamily="49" charset="-122"/>
                   </a:rPr>
@@ -33421,7 +33481,7 @@
                         <m:ctrlPr>
                           <a:rPr lang="en-US" altLang="zh-CN" i="1" kern="0" dirty="0">
                             <a:solidFill>
-                              <a:srgbClr val="003366"/>
+                              <a:srgbClr val="FF0000"/>
                             </a:solidFill>
                             <a:latin typeface="Cambria Math" panose="02040503050406030204" pitchFamily="18" charset="0"/>
                             <a:ea typeface="仿宋" panose="02010609060101010101" pitchFamily="49" charset="-122"/>
@@ -33432,7 +33492,7 @@
                         <m:r>
                           <a:rPr lang="en-US" altLang="zh-CN" i="1" kern="0" dirty="0">
                             <a:solidFill>
-                              <a:srgbClr val="003366"/>
+                              <a:srgbClr val="FF0000"/>
                             </a:solidFill>
                             <a:latin typeface="Cambria Math" panose="02040503050406030204" pitchFamily="18" charset="0"/>
                             <a:ea typeface="仿宋" panose="02010609060101010101" pitchFamily="49" charset="-122"/>
@@ -33444,7 +33504,7 @@
                         <m:r>
                           <a:rPr lang="en-US" altLang="zh-CN" b="0" i="1" kern="0" dirty="0" smtClean="0">
                             <a:solidFill>
-                              <a:srgbClr val="003366"/>
+                              <a:srgbClr val="FF0000"/>
                             </a:solidFill>
                             <a:latin typeface="Cambria Math" panose="02040503050406030204" pitchFamily="18" charset="0"/>
                             <a:ea typeface="仿宋" panose="02010609060101010101" pitchFamily="49" charset="-122"/>
@@ -33456,7 +33516,7 @@
                         <m:r>
                           <a:rPr lang="en-US" altLang="zh-CN" b="0" i="1" kern="0" dirty="0" smtClean="0">
                             <a:solidFill>
-                              <a:srgbClr val="003366"/>
+                              <a:srgbClr val="FF0000"/>
                             </a:solidFill>
                             <a:latin typeface="Cambria Math" panose="02040503050406030204" pitchFamily="18" charset="0"/>
                             <a:ea typeface="仿宋" panose="02010609060101010101" pitchFamily="49" charset="-122"/>
@@ -33468,7 +33528,7 @@
                     <m:r>
                       <a:rPr lang="zh-CN" altLang="en-US" i="1" kern="0" dirty="0">
                         <a:solidFill>
-                          <a:srgbClr val="003366"/>
+                          <a:srgbClr val="FF0000"/>
                         </a:solidFill>
                         <a:latin typeface="Cambria Math" panose="02040503050406030204" pitchFamily="18" charset="0"/>
                         <a:ea typeface="Cambria Math" panose="02040503050406030204" pitchFamily="18" charset="0"/>
@@ -33480,7 +33540,7 @@
                         <m:ctrlPr>
                           <a:rPr lang="en-US" altLang="zh-CN" i="1" kern="0" dirty="0">
                             <a:solidFill>
-                              <a:srgbClr val="003366"/>
+                              <a:srgbClr val="FF0000"/>
                             </a:solidFill>
                             <a:latin typeface="Cambria Math" panose="02040503050406030204" pitchFamily="18" charset="0"/>
                             <a:ea typeface="仿宋" panose="02010609060101010101" pitchFamily="49" charset="-122"/>
@@ -33491,7 +33551,7 @@
                         <m:r>
                           <a:rPr lang="en-US" altLang="zh-CN" i="1" kern="0" dirty="0">
                             <a:solidFill>
-                              <a:srgbClr val="003366"/>
+                              <a:srgbClr val="FF0000"/>
                             </a:solidFill>
                             <a:latin typeface="Cambria Math" panose="02040503050406030204" pitchFamily="18" charset="0"/>
                             <a:ea typeface="仿宋" panose="02010609060101010101" pitchFamily="49" charset="-122"/>
@@ -33503,7 +33563,7 @@
                         <m:r>
                           <a:rPr lang="en-US" altLang="zh-CN" b="0" i="1" kern="0" dirty="0" smtClean="0">
                             <a:solidFill>
-                              <a:srgbClr val="003366"/>
+                              <a:srgbClr val="FF0000"/>
                             </a:solidFill>
                             <a:latin typeface="Cambria Math" panose="02040503050406030204" pitchFamily="18" charset="0"/>
                             <a:ea typeface="仿宋" panose="02010609060101010101" pitchFamily="49" charset="-122"/>
@@ -33515,7 +33575,7 @@
                         <m:r>
                           <a:rPr lang="en-US" altLang="zh-CN" b="0" i="1" kern="0" dirty="0" smtClean="0">
                             <a:solidFill>
-                              <a:srgbClr val="003366"/>
+                              <a:srgbClr val="FF0000"/>
                             </a:solidFill>
                             <a:latin typeface="Cambria Math" panose="02040503050406030204" pitchFamily="18" charset="0"/>
                             <a:ea typeface="仿宋" panose="02010609060101010101" pitchFamily="49" charset="-122"/>
@@ -33527,7 +33587,7 @@
                     <m:r>
                       <a:rPr lang="en-US" altLang="zh-CN" i="1" kern="0" dirty="0">
                         <a:solidFill>
-                          <a:srgbClr val="003366"/>
+                          <a:srgbClr val="FF0000"/>
                         </a:solidFill>
                         <a:latin typeface="Cambria Math" panose="02040503050406030204" pitchFamily="18" charset="0"/>
                         <a:ea typeface="仿宋" panose="02010609060101010101" pitchFamily="49" charset="-122"/>
@@ -33539,7 +33599,7 @@
                 <a:r>
                   <a:rPr lang="zh-CN" altLang="en-US" kern="0" dirty="0">
                     <a:solidFill>
-                      <a:srgbClr val="003366"/>
+                      <a:srgbClr val="FF0000"/>
                     </a:solidFill>
                     <a:latin typeface="仿宋" panose="02010609060101010101" pitchFamily="49" charset="-122"/>
                     <a:ea typeface="仿宋" panose="02010609060101010101" pitchFamily="49" charset="-122"/>
@@ -33553,7 +33613,7 @@
                         <m:ctrlPr>
                           <a:rPr lang="en-US" altLang="zh-CN" i="1" kern="0" dirty="0">
                             <a:solidFill>
-                              <a:srgbClr val="003366"/>
+                              <a:srgbClr val="FF0000"/>
                             </a:solidFill>
                             <a:latin typeface="Cambria Math" panose="02040503050406030204" pitchFamily="18" charset="0"/>
                             <a:ea typeface="仿宋" panose="02010609060101010101" pitchFamily="49" charset="-122"/>
@@ -33564,7 +33624,7 @@
                         <m:r>
                           <a:rPr lang="en-US" altLang="zh-CN" i="1" kern="0" dirty="0">
                             <a:solidFill>
-                              <a:srgbClr val="003366"/>
+                              <a:srgbClr val="FF0000"/>
                             </a:solidFill>
                             <a:latin typeface="Cambria Math" panose="02040503050406030204" pitchFamily="18" charset="0"/>
                             <a:ea typeface="仿宋" panose="02010609060101010101" pitchFamily="49" charset="-122"/>
@@ -33576,7 +33636,7 @@
                         <m:r>
                           <a:rPr lang="en-US" altLang="zh-CN" i="1" kern="0" dirty="0">
                             <a:solidFill>
-                              <a:srgbClr val="003366"/>
+                              <a:srgbClr val="FF0000"/>
                             </a:solidFill>
                             <a:latin typeface="Cambria Math" panose="02040503050406030204" pitchFamily="18" charset="0"/>
                             <a:ea typeface="仿宋" panose="02010609060101010101" pitchFamily="49" charset="-122"/>
@@ -33588,7 +33648,7 @@
                         <m:r>
                           <a:rPr lang="en-US" altLang="zh-CN" i="1" kern="0" dirty="0">
                             <a:solidFill>
-                              <a:srgbClr val="003366"/>
+                              <a:srgbClr val="FF0000"/>
                             </a:solidFill>
                             <a:latin typeface="Cambria Math" panose="02040503050406030204" pitchFamily="18" charset="0"/>
                             <a:ea typeface="仿宋" panose="02010609060101010101" pitchFamily="49" charset="-122"/>
@@ -33600,7 +33660,7 @@
                     <m:r>
                       <a:rPr lang="zh-CN" altLang="en-US" i="1" kern="0" dirty="0" smtClean="0">
                         <a:solidFill>
-                          <a:srgbClr val="003366"/>
+                          <a:srgbClr val="FF0000"/>
                         </a:solidFill>
                         <a:latin typeface="Cambria Math" panose="02040503050406030204" pitchFamily="18" charset="0"/>
                         <a:ea typeface="Cambria Math" panose="02040503050406030204" pitchFamily="18" charset="0"/>
@@ -33612,7 +33672,7 @@
                         <m:ctrlPr>
                           <a:rPr lang="en-US" altLang="zh-CN" i="1" kern="0" dirty="0">
                             <a:solidFill>
-                              <a:srgbClr val="003366"/>
+                              <a:srgbClr val="FF0000"/>
                             </a:solidFill>
                             <a:latin typeface="Cambria Math" panose="02040503050406030204" pitchFamily="18" charset="0"/>
                             <a:ea typeface="仿宋" panose="02010609060101010101" pitchFamily="49" charset="-122"/>
@@ -33623,7 +33683,7 @@
                         <m:r>
                           <a:rPr lang="en-US" altLang="zh-CN" i="1" kern="0" dirty="0">
                             <a:solidFill>
-                              <a:srgbClr val="003366"/>
+                              <a:srgbClr val="FF0000"/>
                             </a:solidFill>
                             <a:latin typeface="Cambria Math" panose="02040503050406030204" pitchFamily="18" charset="0"/>
                             <a:ea typeface="仿宋" panose="02010609060101010101" pitchFamily="49" charset="-122"/>
@@ -33635,7 +33695,7 @@
                         <m:r>
                           <a:rPr lang="en-US" altLang="zh-CN" i="1" kern="0" dirty="0">
                             <a:solidFill>
-                              <a:srgbClr val="003366"/>
+                              <a:srgbClr val="FF0000"/>
                             </a:solidFill>
                             <a:latin typeface="Cambria Math" panose="02040503050406030204" pitchFamily="18" charset="0"/>
                             <a:ea typeface="仿宋" panose="02010609060101010101" pitchFamily="49" charset="-122"/>
@@ -33647,7 +33707,7 @@
                         <m:r>
                           <a:rPr lang="en-US" altLang="zh-CN" i="1" kern="0" dirty="0">
                             <a:solidFill>
-                              <a:srgbClr val="003366"/>
+                              <a:srgbClr val="FF0000"/>
                             </a:solidFill>
                             <a:latin typeface="Cambria Math" panose="02040503050406030204" pitchFamily="18" charset="0"/>
                             <a:ea typeface="仿宋" panose="02010609060101010101" pitchFamily="49" charset="-122"/>
@@ -33659,7 +33719,7 @@
                     <m:r>
                       <a:rPr lang="en-US" altLang="zh-CN" i="1" kern="0" dirty="0">
                         <a:solidFill>
-                          <a:srgbClr val="003366"/>
+                          <a:srgbClr val="FF0000"/>
                         </a:solidFill>
                         <a:latin typeface="Cambria Math" panose="02040503050406030204" pitchFamily="18" charset="0"/>
                         <a:ea typeface="仿宋" panose="02010609060101010101" pitchFamily="49" charset="-122"/>
@@ -33671,7 +33731,7 @@
                 <a:r>
                   <a:rPr lang="zh-CN" altLang="en-US" kern="0" dirty="0">
                     <a:solidFill>
-                      <a:srgbClr val="003366"/>
+                      <a:srgbClr val="FF0000"/>
                     </a:solidFill>
                     <a:latin typeface="仿宋" panose="02010609060101010101" pitchFamily="49" charset="-122"/>
                     <a:ea typeface="仿宋" panose="02010609060101010101" pitchFamily="49" charset="-122"/>
@@ -33683,7 +33743,7 @@
                     <m:r>
                       <a:rPr lang="zh-CN" altLang="en-US" i="1" kern="0" dirty="0">
                         <a:solidFill>
-                          <a:srgbClr val="003366"/>
+                          <a:srgbClr val="FF0000"/>
                         </a:solidFill>
                         <a:latin typeface="Cambria Math" panose="02040503050406030204" pitchFamily="18" charset="0"/>
                         <a:ea typeface="Cambria Math" panose="02040503050406030204" pitchFamily="18" charset="0"/>
@@ -33695,7 +33755,7 @@
                 <a:r>
                   <a:rPr lang="zh-CN" altLang="en-US" kern="0" dirty="0">
                     <a:solidFill>
-                      <a:srgbClr val="003366"/>
+                      <a:srgbClr val="FF0000"/>
                     </a:solidFill>
                     <a:latin typeface="仿宋" panose="02010609060101010101" pitchFamily="49" charset="-122"/>
                     <a:ea typeface="仿宋" panose="02010609060101010101" pitchFamily="49" charset="-122"/>
@@ -33704,7 +33764,7 @@
                 </a:r>
                 <a:endParaRPr lang="en-US" altLang="zh-CN" kern="0" dirty="0">
                   <a:solidFill>
-                    <a:srgbClr val="003366"/>
+                    <a:srgbClr val="FF0000"/>
                   </a:solidFill>
                   <a:latin typeface="仿宋" panose="02010609060101010101" pitchFamily="49" charset="-122"/>
                   <a:ea typeface="仿宋" panose="02010609060101010101" pitchFamily="49" charset="-122"/>
@@ -33761,7 +33821,7 @@
             </p:txBody>
           </p:sp>
         </mc:Choice>
-        <mc:Fallback xmlns="">
+        <mc:Fallback>
           <p:sp>
             <p:nvSpPr>
               <p:cNvPr id="22" name="Subtitle 2">
@@ -33910,14 +33970,14 @@
           </a:ln>
           <a:extLst>
             <a:ext uri="{909E8E84-426E-40dd-AFC4-6F175D3DCCD1}">
-              <a14:hiddenFill xmlns="" xmlns:a14="http://schemas.microsoft.com/office/drawing/2010/main">
+              <a14:hiddenFill xmlns:a14="http://schemas.microsoft.com/office/drawing/2010/main" xmlns="">
                 <a:solidFill>
                   <a:srgbClr val="FFFFFF"/>
                 </a:solidFill>
               </a14:hiddenFill>
             </a:ext>
             <a:ext uri="{91240B29-F687-4f45-9708-019B960494DF}">
-              <a14:hiddenLine xmlns="" xmlns:a14="http://schemas.microsoft.com/office/drawing/2010/main" w="9525">
+              <a14:hiddenLine xmlns:a14="http://schemas.microsoft.com/office/drawing/2010/main" xmlns="" w="9525">
                 <a:solidFill>
                   <a:srgbClr val="000000"/>
                 </a:solidFill>
@@ -34111,14 +34171,14 @@
           <a:noFill/>
           <a:extLst>
             <a:ext uri="{909E8E84-426E-40dd-AFC4-6F175D3DCCD1}">
-              <a14:hiddenFill xmlns="" xmlns:a14="http://schemas.microsoft.com/office/drawing/2010/main">
+              <a14:hiddenFill xmlns:a14="http://schemas.microsoft.com/office/drawing/2010/main" xmlns="">
                 <a:solidFill>
                   <a:srgbClr val="FFFFFF"/>
                 </a:solidFill>
               </a14:hiddenFill>
             </a:ext>
             <a:ext uri="{91240B29-F687-4f45-9708-019B960494DF}">
-              <a14:hiddenLine xmlns="" xmlns:a14="http://schemas.microsoft.com/office/drawing/2010/main" w="9525">
+              <a14:hiddenLine xmlns:a14="http://schemas.microsoft.com/office/drawing/2010/main" xmlns="" w="9525">
                 <a:solidFill>
                   <a:srgbClr val="000000"/>
                 </a:solidFill>
@@ -34337,14 +34397,14 @@
           </a:ln>
           <a:extLst>
             <a:ext uri="{909E8E84-426E-40dd-AFC4-6F175D3DCCD1}">
-              <a14:hiddenFill xmlns="" xmlns:a14="http://schemas.microsoft.com/office/drawing/2010/main">
+              <a14:hiddenFill xmlns:a14="http://schemas.microsoft.com/office/drawing/2010/main" xmlns="">
                 <a:solidFill>
                   <a:srgbClr val="FFFFFF"/>
                 </a:solidFill>
               </a14:hiddenFill>
             </a:ext>
             <a:ext uri="{91240B29-F687-4f45-9708-019B960494DF}">
-              <a14:hiddenLine xmlns="" xmlns:a14="http://schemas.microsoft.com/office/drawing/2010/main" w="9525">
+              <a14:hiddenLine xmlns:a14="http://schemas.microsoft.com/office/drawing/2010/main" xmlns="" w="9525">
                 <a:solidFill>
                   <a:srgbClr val="000000"/>
                 </a:solidFill>
@@ -36585,14 +36645,14 @@
           </a:ln>
           <a:extLst>
             <a:ext uri="{909E8E84-426E-40dd-AFC4-6F175D3DCCD1}">
-              <a14:hiddenFill xmlns="" xmlns:a14="http://schemas.microsoft.com/office/drawing/2010/main">
+              <a14:hiddenFill xmlns:a14="http://schemas.microsoft.com/office/drawing/2010/main" xmlns="">
                 <a:solidFill>
                   <a:srgbClr val="FFFFFF"/>
                 </a:solidFill>
               </a14:hiddenFill>
             </a:ext>
             <a:ext uri="{91240B29-F687-4f45-9708-019B960494DF}">
-              <a14:hiddenLine xmlns="" xmlns:a14="http://schemas.microsoft.com/office/drawing/2010/main" w="9525">
+              <a14:hiddenLine xmlns:a14="http://schemas.microsoft.com/office/drawing/2010/main" xmlns="" w="9525">
                 <a:solidFill>
                   <a:srgbClr val="000000"/>
                 </a:solidFill>
@@ -36786,14 +36846,14 @@
           <a:noFill/>
           <a:extLst>
             <a:ext uri="{909E8E84-426E-40dd-AFC4-6F175D3DCCD1}">
-              <a14:hiddenFill xmlns="" xmlns:a14="http://schemas.microsoft.com/office/drawing/2010/main">
+              <a14:hiddenFill xmlns:a14="http://schemas.microsoft.com/office/drawing/2010/main" xmlns="">
                 <a:solidFill>
                   <a:srgbClr val="FFFFFF"/>
                 </a:solidFill>
               </a14:hiddenFill>
             </a:ext>
             <a:ext uri="{91240B29-F687-4f45-9708-019B960494DF}">
-              <a14:hiddenLine xmlns="" xmlns:a14="http://schemas.microsoft.com/office/drawing/2010/main" w="9525">
+              <a14:hiddenLine xmlns:a14="http://schemas.microsoft.com/office/drawing/2010/main" xmlns="" w="9525">
                 <a:solidFill>
                   <a:srgbClr val="000000"/>
                 </a:solidFill>
@@ -37012,14 +37072,14 @@
           </a:ln>
           <a:extLst>
             <a:ext uri="{909E8E84-426E-40dd-AFC4-6F175D3DCCD1}">
-              <a14:hiddenFill xmlns="" xmlns:a14="http://schemas.microsoft.com/office/drawing/2010/main">
+              <a14:hiddenFill xmlns:a14="http://schemas.microsoft.com/office/drawing/2010/main" xmlns="">
                 <a:solidFill>
                   <a:srgbClr val="FFFFFF"/>
                 </a:solidFill>
               </a14:hiddenFill>
             </a:ext>
             <a:ext uri="{91240B29-F687-4f45-9708-019B960494DF}">
-              <a14:hiddenLine xmlns="" xmlns:a14="http://schemas.microsoft.com/office/drawing/2010/main" w="9525">
+              <a14:hiddenLine xmlns:a14="http://schemas.microsoft.com/office/drawing/2010/main" xmlns="" w="9525">
                 <a:solidFill>
                   <a:srgbClr val="000000"/>
                 </a:solidFill>
@@ -40343,14 +40403,14 @@
           </a:ln>
           <a:extLst>
             <a:ext uri="{909E8E84-426E-40dd-AFC4-6F175D3DCCD1}">
-              <a14:hiddenFill xmlns="" xmlns:a14="http://schemas.microsoft.com/office/drawing/2010/main">
+              <a14:hiddenFill xmlns:a14="http://schemas.microsoft.com/office/drawing/2010/main" xmlns="">
                 <a:solidFill>
                   <a:srgbClr val="FFFFFF"/>
                 </a:solidFill>
               </a14:hiddenFill>
             </a:ext>
             <a:ext uri="{91240B29-F687-4f45-9708-019B960494DF}">
-              <a14:hiddenLine xmlns="" xmlns:a14="http://schemas.microsoft.com/office/drawing/2010/main" w="9525">
+              <a14:hiddenLine xmlns:a14="http://schemas.microsoft.com/office/drawing/2010/main" xmlns="" w="9525">
                 <a:solidFill>
                   <a:srgbClr val="000000"/>
                 </a:solidFill>
@@ -40544,14 +40604,14 @@
           <a:noFill/>
           <a:extLst>
             <a:ext uri="{909E8E84-426E-40dd-AFC4-6F175D3DCCD1}">
-              <a14:hiddenFill xmlns="" xmlns:a14="http://schemas.microsoft.com/office/drawing/2010/main">
+              <a14:hiddenFill xmlns:a14="http://schemas.microsoft.com/office/drawing/2010/main" xmlns="">
                 <a:solidFill>
                   <a:srgbClr val="FFFFFF"/>
                 </a:solidFill>
               </a14:hiddenFill>
             </a:ext>
             <a:ext uri="{91240B29-F687-4f45-9708-019B960494DF}">
-              <a14:hiddenLine xmlns="" xmlns:a14="http://schemas.microsoft.com/office/drawing/2010/main" w="9525">
+              <a14:hiddenLine xmlns:a14="http://schemas.microsoft.com/office/drawing/2010/main" xmlns="" w="9525">
                 <a:solidFill>
                   <a:srgbClr val="000000"/>
                 </a:solidFill>
@@ -40770,14 +40830,14 @@
           </a:ln>
           <a:extLst>
             <a:ext uri="{909E8E84-426E-40dd-AFC4-6F175D3DCCD1}">
-              <a14:hiddenFill xmlns="" xmlns:a14="http://schemas.microsoft.com/office/drawing/2010/main">
+              <a14:hiddenFill xmlns:a14="http://schemas.microsoft.com/office/drawing/2010/main" xmlns="">
                 <a:solidFill>
                   <a:srgbClr val="FFFFFF"/>
                 </a:solidFill>
               </a14:hiddenFill>
             </a:ext>
             <a:ext uri="{91240B29-F687-4f45-9708-019B960494DF}">
-              <a14:hiddenLine xmlns="" xmlns:a14="http://schemas.microsoft.com/office/drawing/2010/main" w="9525">
+              <a14:hiddenLine xmlns:a14="http://schemas.microsoft.com/office/drawing/2010/main" xmlns="" w="9525">
                 <a:solidFill>
                   <a:srgbClr val="000000"/>
                 </a:solidFill>

--- a/分布式计算/课件/02. 基本模型与进程间通信.pptx
+++ b/分布式计算/课件/02. 基本模型与进程间通信.pptx
@@ -291,7 +291,7 @@
               <a:pPr>
                 <a:defRPr/>
               </a:pPr>
-              <a:t>2019/3/19</a:t>
+              <a:t>2019/3/20</a:t>
             </a:fld>
             <a:endParaRPr lang="zh-CN" altLang="en-US"/>
           </a:p>
@@ -509,7 +509,7 @@
               <a:pPr>
                 <a:defRPr/>
               </a:pPr>
-              <a:t>2019/3/19</a:t>
+              <a:t>2019/3/20</a:t>
             </a:fld>
             <a:endParaRPr lang="zh-CN" altLang="en-US"/>
           </a:p>
@@ -869,7 +869,7 @@
           </a:ln>
           <a:extLst>
             <a:ext uri="{909E8E84-426E-40dd-AFC4-6F175D3DCCD1}">
-              <a14:hiddenFill xmlns:a14="http://schemas.microsoft.com/office/drawing/2010/main" xmlns="">
+              <a14:hiddenFill xmlns="" xmlns:a14="http://schemas.microsoft.com/office/drawing/2010/main">
                 <a:solidFill>
                   <a:srgbClr val="FFFFFF"/>
                 </a:solidFill>
@@ -892,14 +892,14 @@
           <a:noFill/>
           <a:extLst>
             <a:ext uri="{909E8E84-426E-40dd-AFC4-6F175D3DCCD1}">
-              <a14:hiddenFill xmlns:a14="http://schemas.microsoft.com/office/drawing/2010/main" xmlns="">
+              <a14:hiddenFill xmlns="" xmlns:a14="http://schemas.microsoft.com/office/drawing/2010/main">
                 <a:solidFill>
                   <a:srgbClr val="FFFFFF"/>
                 </a:solidFill>
               </a14:hiddenFill>
             </a:ext>
             <a:ext uri="{91240B29-F687-4f45-9708-019B960494DF}">
-              <a14:hiddenLine xmlns:a14="http://schemas.microsoft.com/office/drawing/2010/main" xmlns="" w="9525">
+              <a14:hiddenLine xmlns="" xmlns:a14="http://schemas.microsoft.com/office/drawing/2010/main" w="9525">
                 <a:solidFill>
                   <a:srgbClr val="000000"/>
                 </a:solidFill>
@@ -1115,7 +1115,7 @@
           </a:ln>
           <a:extLst>
             <a:ext uri="{909E8E84-426E-40dd-AFC4-6F175D3DCCD1}">
-              <a14:hiddenFill xmlns:a14="http://schemas.microsoft.com/office/drawing/2010/main" xmlns="">
+              <a14:hiddenFill xmlns="" xmlns:a14="http://schemas.microsoft.com/office/drawing/2010/main">
                 <a:solidFill>
                   <a:srgbClr val="FFFFFF"/>
                 </a:solidFill>
@@ -1138,14 +1138,14 @@
           <a:noFill/>
           <a:extLst>
             <a:ext uri="{909E8E84-426E-40dd-AFC4-6F175D3DCCD1}">
-              <a14:hiddenFill xmlns:a14="http://schemas.microsoft.com/office/drawing/2010/main" xmlns="">
+              <a14:hiddenFill xmlns="" xmlns:a14="http://schemas.microsoft.com/office/drawing/2010/main">
                 <a:solidFill>
                   <a:srgbClr val="FFFFFF"/>
                 </a:solidFill>
               </a14:hiddenFill>
             </a:ext>
             <a:ext uri="{91240B29-F687-4f45-9708-019B960494DF}">
-              <a14:hiddenLine xmlns:a14="http://schemas.microsoft.com/office/drawing/2010/main" xmlns="" w="9525">
+              <a14:hiddenLine xmlns="" xmlns:a14="http://schemas.microsoft.com/office/drawing/2010/main" w="9525">
                 <a:solidFill>
                   <a:srgbClr val="000000"/>
                 </a:solidFill>
@@ -1361,7 +1361,7 @@
           </a:ln>
           <a:extLst>
             <a:ext uri="{909E8E84-426E-40dd-AFC4-6F175D3DCCD1}">
-              <a14:hiddenFill xmlns:a14="http://schemas.microsoft.com/office/drawing/2010/main" xmlns="">
+              <a14:hiddenFill xmlns="" xmlns:a14="http://schemas.microsoft.com/office/drawing/2010/main">
                 <a:solidFill>
                   <a:srgbClr val="FFFFFF"/>
                 </a:solidFill>
@@ -1384,14 +1384,14 @@
           <a:noFill/>
           <a:extLst>
             <a:ext uri="{909E8E84-426E-40dd-AFC4-6F175D3DCCD1}">
-              <a14:hiddenFill xmlns:a14="http://schemas.microsoft.com/office/drawing/2010/main" xmlns="">
+              <a14:hiddenFill xmlns="" xmlns:a14="http://schemas.microsoft.com/office/drawing/2010/main">
                 <a:solidFill>
                   <a:srgbClr val="FFFFFF"/>
                 </a:solidFill>
               </a14:hiddenFill>
             </a:ext>
             <a:ext uri="{91240B29-F687-4f45-9708-019B960494DF}">
-              <a14:hiddenLine xmlns:a14="http://schemas.microsoft.com/office/drawing/2010/main" xmlns="" w="9525">
+              <a14:hiddenLine xmlns="" xmlns:a14="http://schemas.microsoft.com/office/drawing/2010/main" w="9525">
                 <a:solidFill>
                   <a:srgbClr val="000000"/>
                 </a:solidFill>
@@ -1607,7 +1607,7 @@
           </a:ln>
           <a:extLst>
             <a:ext uri="{909E8E84-426E-40dd-AFC4-6F175D3DCCD1}">
-              <a14:hiddenFill xmlns:a14="http://schemas.microsoft.com/office/drawing/2010/main" xmlns="">
+              <a14:hiddenFill xmlns="" xmlns:a14="http://schemas.microsoft.com/office/drawing/2010/main">
                 <a:solidFill>
                   <a:srgbClr val="FFFFFF"/>
                 </a:solidFill>
@@ -1630,14 +1630,14 @@
           <a:noFill/>
           <a:extLst>
             <a:ext uri="{909E8E84-426E-40dd-AFC4-6F175D3DCCD1}">
-              <a14:hiddenFill xmlns:a14="http://schemas.microsoft.com/office/drawing/2010/main" xmlns="">
+              <a14:hiddenFill xmlns="" xmlns:a14="http://schemas.microsoft.com/office/drawing/2010/main">
                 <a:solidFill>
                   <a:srgbClr val="FFFFFF"/>
                 </a:solidFill>
               </a14:hiddenFill>
             </a:ext>
             <a:ext uri="{91240B29-F687-4f45-9708-019B960494DF}">
-              <a14:hiddenLine xmlns:a14="http://schemas.microsoft.com/office/drawing/2010/main" xmlns="" w="9525">
+              <a14:hiddenLine xmlns="" xmlns:a14="http://schemas.microsoft.com/office/drawing/2010/main" w="9525">
                 <a:solidFill>
                   <a:srgbClr val="000000"/>
                 </a:solidFill>
@@ -1853,7 +1853,7 @@
           </a:ln>
           <a:extLst>
             <a:ext uri="{909E8E84-426E-40dd-AFC4-6F175D3DCCD1}">
-              <a14:hiddenFill xmlns:a14="http://schemas.microsoft.com/office/drawing/2010/main" xmlns="">
+              <a14:hiddenFill xmlns="" xmlns:a14="http://schemas.microsoft.com/office/drawing/2010/main">
                 <a:solidFill>
                   <a:srgbClr val="FFFFFF"/>
                 </a:solidFill>
@@ -1876,14 +1876,14 @@
           <a:noFill/>
           <a:extLst>
             <a:ext uri="{909E8E84-426E-40dd-AFC4-6F175D3DCCD1}">
-              <a14:hiddenFill xmlns:a14="http://schemas.microsoft.com/office/drawing/2010/main" xmlns="">
+              <a14:hiddenFill xmlns="" xmlns:a14="http://schemas.microsoft.com/office/drawing/2010/main">
                 <a:solidFill>
                   <a:srgbClr val="FFFFFF"/>
                 </a:solidFill>
               </a14:hiddenFill>
             </a:ext>
             <a:ext uri="{91240B29-F687-4f45-9708-019B960494DF}">
-              <a14:hiddenLine xmlns:a14="http://schemas.microsoft.com/office/drawing/2010/main" xmlns="" w="9525">
+              <a14:hiddenLine xmlns="" xmlns:a14="http://schemas.microsoft.com/office/drawing/2010/main" w="9525">
                 <a:solidFill>
                   <a:srgbClr val="000000"/>
                 </a:solidFill>
@@ -2099,7 +2099,7 @@
           </a:ln>
           <a:extLst>
             <a:ext uri="{909E8E84-426E-40dd-AFC4-6F175D3DCCD1}">
-              <a14:hiddenFill xmlns:a14="http://schemas.microsoft.com/office/drawing/2010/main" xmlns="">
+              <a14:hiddenFill xmlns="" xmlns:a14="http://schemas.microsoft.com/office/drawing/2010/main">
                 <a:solidFill>
                   <a:srgbClr val="FFFFFF"/>
                 </a:solidFill>
@@ -2122,14 +2122,14 @@
           <a:noFill/>
           <a:extLst>
             <a:ext uri="{909E8E84-426E-40dd-AFC4-6F175D3DCCD1}">
-              <a14:hiddenFill xmlns:a14="http://schemas.microsoft.com/office/drawing/2010/main" xmlns="">
+              <a14:hiddenFill xmlns="" xmlns:a14="http://schemas.microsoft.com/office/drawing/2010/main">
                 <a:solidFill>
                   <a:srgbClr val="FFFFFF"/>
                 </a:solidFill>
               </a14:hiddenFill>
             </a:ext>
             <a:ext uri="{91240B29-F687-4f45-9708-019B960494DF}">
-              <a14:hiddenLine xmlns:a14="http://schemas.microsoft.com/office/drawing/2010/main" xmlns="" w="9525">
+              <a14:hiddenLine xmlns="" xmlns:a14="http://schemas.microsoft.com/office/drawing/2010/main" w="9525">
                 <a:solidFill>
                   <a:srgbClr val="000000"/>
                 </a:solidFill>
@@ -2345,7 +2345,7 @@
           </a:ln>
           <a:extLst>
             <a:ext uri="{909E8E84-426E-40dd-AFC4-6F175D3DCCD1}">
-              <a14:hiddenFill xmlns:a14="http://schemas.microsoft.com/office/drawing/2010/main" xmlns="">
+              <a14:hiddenFill xmlns="" xmlns:a14="http://schemas.microsoft.com/office/drawing/2010/main">
                 <a:solidFill>
                   <a:srgbClr val="FFFFFF"/>
                 </a:solidFill>
@@ -2368,14 +2368,14 @@
           <a:noFill/>
           <a:extLst>
             <a:ext uri="{909E8E84-426E-40dd-AFC4-6F175D3DCCD1}">
-              <a14:hiddenFill xmlns:a14="http://schemas.microsoft.com/office/drawing/2010/main" xmlns="">
+              <a14:hiddenFill xmlns="" xmlns:a14="http://schemas.microsoft.com/office/drawing/2010/main">
                 <a:solidFill>
                   <a:srgbClr val="FFFFFF"/>
                 </a:solidFill>
               </a14:hiddenFill>
             </a:ext>
             <a:ext uri="{91240B29-F687-4f45-9708-019B960494DF}">
-              <a14:hiddenLine xmlns:a14="http://schemas.microsoft.com/office/drawing/2010/main" xmlns="" w="9525">
+              <a14:hiddenLine xmlns="" xmlns:a14="http://schemas.microsoft.com/office/drawing/2010/main" w="9525">
                 <a:solidFill>
                   <a:srgbClr val="000000"/>
                 </a:solidFill>
@@ -2591,7 +2591,7 @@
           </a:ln>
           <a:extLst>
             <a:ext uri="{909E8E84-426E-40dd-AFC4-6F175D3DCCD1}">
-              <a14:hiddenFill xmlns:a14="http://schemas.microsoft.com/office/drawing/2010/main" xmlns="">
+              <a14:hiddenFill xmlns="" xmlns:a14="http://schemas.microsoft.com/office/drawing/2010/main">
                 <a:solidFill>
                   <a:srgbClr val="FFFFFF"/>
                 </a:solidFill>
@@ -2614,14 +2614,14 @@
           <a:noFill/>
           <a:extLst>
             <a:ext uri="{909E8E84-426E-40dd-AFC4-6F175D3DCCD1}">
-              <a14:hiddenFill xmlns:a14="http://schemas.microsoft.com/office/drawing/2010/main" xmlns="">
+              <a14:hiddenFill xmlns="" xmlns:a14="http://schemas.microsoft.com/office/drawing/2010/main">
                 <a:solidFill>
                   <a:srgbClr val="FFFFFF"/>
                 </a:solidFill>
               </a14:hiddenFill>
             </a:ext>
             <a:ext uri="{91240B29-F687-4f45-9708-019B960494DF}">
-              <a14:hiddenLine xmlns:a14="http://schemas.microsoft.com/office/drawing/2010/main" xmlns="" w="9525">
+              <a14:hiddenLine xmlns="" xmlns:a14="http://schemas.microsoft.com/office/drawing/2010/main" w="9525">
                 <a:solidFill>
                   <a:srgbClr val="000000"/>
                 </a:solidFill>
@@ -2837,7 +2837,7 @@
           </a:ln>
           <a:extLst>
             <a:ext uri="{909E8E84-426E-40dd-AFC4-6F175D3DCCD1}">
-              <a14:hiddenFill xmlns:a14="http://schemas.microsoft.com/office/drawing/2010/main" xmlns="">
+              <a14:hiddenFill xmlns="" xmlns:a14="http://schemas.microsoft.com/office/drawing/2010/main">
                 <a:solidFill>
                   <a:srgbClr val="FFFFFF"/>
                 </a:solidFill>
@@ -2860,14 +2860,14 @@
           <a:noFill/>
           <a:extLst>
             <a:ext uri="{909E8E84-426E-40dd-AFC4-6F175D3DCCD1}">
-              <a14:hiddenFill xmlns:a14="http://schemas.microsoft.com/office/drawing/2010/main" xmlns="">
+              <a14:hiddenFill xmlns="" xmlns:a14="http://schemas.microsoft.com/office/drawing/2010/main">
                 <a:solidFill>
                   <a:srgbClr val="FFFFFF"/>
                 </a:solidFill>
               </a14:hiddenFill>
             </a:ext>
             <a:ext uri="{91240B29-F687-4f45-9708-019B960494DF}">
-              <a14:hiddenLine xmlns:a14="http://schemas.microsoft.com/office/drawing/2010/main" xmlns="" w="9525">
+              <a14:hiddenLine xmlns="" xmlns:a14="http://schemas.microsoft.com/office/drawing/2010/main" w="9525">
                 <a:solidFill>
                   <a:srgbClr val="000000"/>
                 </a:solidFill>
@@ -3087,7 +3087,7 @@
           </a:ln>
           <a:extLst>
             <a:ext uri="{909E8E84-426E-40dd-AFC4-6F175D3DCCD1}">
-              <a14:hiddenFill xmlns:a14="http://schemas.microsoft.com/office/drawing/2010/main" xmlns="">
+              <a14:hiddenFill xmlns="" xmlns:a14="http://schemas.microsoft.com/office/drawing/2010/main">
                 <a:solidFill>
                   <a:srgbClr val="FFFFFF"/>
                 </a:solidFill>
@@ -3110,14 +3110,14 @@
           <a:noFill/>
           <a:extLst>
             <a:ext uri="{909E8E84-426E-40dd-AFC4-6F175D3DCCD1}">
-              <a14:hiddenFill xmlns:a14="http://schemas.microsoft.com/office/drawing/2010/main" xmlns="">
+              <a14:hiddenFill xmlns="" xmlns:a14="http://schemas.microsoft.com/office/drawing/2010/main">
                 <a:solidFill>
                   <a:srgbClr val="FFFFFF"/>
                 </a:solidFill>
               </a14:hiddenFill>
             </a:ext>
             <a:ext uri="{91240B29-F687-4f45-9708-019B960494DF}">
-              <a14:hiddenLine xmlns:a14="http://schemas.microsoft.com/office/drawing/2010/main" xmlns="" w="9525">
+              <a14:hiddenLine xmlns="" xmlns:a14="http://schemas.microsoft.com/office/drawing/2010/main" w="9525">
                 <a:solidFill>
                   <a:srgbClr val="000000"/>
                 </a:solidFill>
@@ -3333,7 +3333,7 @@
           </a:ln>
           <a:extLst>
             <a:ext uri="{909E8E84-426E-40dd-AFC4-6F175D3DCCD1}">
-              <a14:hiddenFill xmlns:a14="http://schemas.microsoft.com/office/drawing/2010/main" xmlns="">
+              <a14:hiddenFill xmlns="" xmlns:a14="http://schemas.microsoft.com/office/drawing/2010/main">
                 <a:solidFill>
                   <a:srgbClr val="FFFFFF"/>
                 </a:solidFill>
@@ -3356,14 +3356,14 @@
           <a:noFill/>
           <a:extLst>
             <a:ext uri="{909E8E84-426E-40dd-AFC4-6F175D3DCCD1}">
-              <a14:hiddenFill xmlns:a14="http://schemas.microsoft.com/office/drawing/2010/main" xmlns="">
+              <a14:hiddenFill xmlns="" xmlns:a14="http://schemas.microsoft.com/office/drawing/2010/main">
                 <a:solidFill>
                   <a:srgbClr val="FFFFFF"/>
                 </a:solidFill>
               </a14:hiddenFill>
             </a:ext>
             <a:ext uri="{91240B29-F687-4f45-9708-019B960494DF}">
-              <a14:hiddenLine xmlns:a14="http://schemas.microsoft.com/office/drawing/2010/main" xmlns="" w="9525">
+              <a14:hiddenLine xmlns="" xmlns:a14="http://schemas.microsoft.com/office/drawing/2010/main" w="9525">
                 <a:solidFill>
                   <a:srgbClr val="000000"/>
                 </a:solidFill>
@@ -3579,7 +3579,7 @@
           </a:ln>
           <a:extLst>
             <a:ext uri="{909E8E84-426E-40dd-AFC4-6F175D3DCCD1}">
-              <a14:hiddenFill xmlns:a14="http://schemas.microsoft.com/office/drawing/2010/main" xmlns="">
+              <a14:hiddenFill xmlns="" xmlns:a14="http://schemas.microsoft.com/office/drawing/2010/main">
                 <a:solidFill>
                   <a:srgbClr val="FFFFFF"/>
                 </a:solidFill>
@@ -3602,14 +3602,14 @@
           <a:noFill/>
           <a:extLst>
             <a:ext uri="{909E8E84-426E-40dd-AFC4-6F175D3DCCD1}">
-              <a14:hiddenFill xmlns:a14="http://schemas.microsoft.com/office/drawing/2010/main" xmlns="">
+              <a14:hiddenFill xmlns="" xmlns:a14="http://schemas.microsoft.com/office/drawing/2010/main">
                 <a:solidFill>
                   <a:srgbClr val="FFFFFF"/>
                 </a:solidFill>
               </a14:hiddenFill>
             </a:ext>
             <a:ext uri="{91240B29-F687-4f45-9708-019B960494DF}">
-              <a14:hiddenLine xmlns:a14="http://schemas.microsoft.com/office/drawing/2010/main" xmlns="" w="9525">
+              <a14:hiddenLine xmlns="" xmlns:a14="http://schemas.microsoft.com/office/drawing/2010/main" w="9525">
                 <a:solidFill>
                   <a:srgbClr val="000000"/>
                 </a:solidFill>
@@ -3825,7 +3825,7 @@
           </a:ln>
           <a:extLst>
             <a:ext uri="{909E8E84-426E-40dd-AFC4-6F175D3DCCD1}">
-              <a14:hiddenFill xmlns:a14="http://schemas.microsoft.com/office/drawing/2010/main" xmlns="">
+              <a14:hiddenFill xmlns="" xmlns:a14="http://schemas.microsoft.com/office/drawing/2010/main">
                 <a:solidFill>
                   <a:srgbClr val="FFFFFF"/>
                 </a:solidFill>
@@ -3848,14 +3848,14 @@
           <a:noFill/>
           <a:extLst>
             <a:ext uri="{909E8E84-426E-40dd-AFC4-6F175D3DCCD1}">
-              <a14:hiddenFill xmlns:a14="http://schemas.microsoft.com/office/drawing/2010/main" xmlns="">
+              <a14:hiddenFill xmlns="" xmlns:a14="http://schemas.microsoft.com/office/drawing/2010/main">
                 <a:solidFill>
                   <a:srgbClr val="FFFFFF"/>
                 </a:solidFill>
               </a14:hiddenFill>
             </a:ext>
             <a:ext uri="{91240B29-F687-4f45-9708-019B960494DF}">
-              <a14:hiddenLine xmlns:a14="http://schemas.microsoft.com/office/drawing/2010/main" xmlns="" w="9525">
+              <a14:hiddenLine xmlns="" xmlns:a14="http://schemas.microsoft.com/office/drawing/2010/main" w="9525">
                 <a:solidFill>
                   <a:srgbClr val="000000"/>
                 </a:solidFill>
@@ -4071,7 +4071,7 @@
           </a:ln>
           <a:extLst>
             <a:ext uri="{909E8E84-426E-40dd-AFC4-6F175D3DCCD1}">
-              <a14:hiddenFill xmlns:a14="http://schemas.microsoft.com/office/drawing/2010/main" xmlns="">
+              <a14:hiddenFill xmlns="" xmlns:a14="http://schemas.microsoft.com/office/drawing/2010/main">
                 <a:solidFill>
                   <a:srgbClr val="FFFFFF"/>
                 </a:solidFill>
@@ -4094,14 +4094,14 @@
           <a:noFill/>
           <a:extLst>
             <a:ext uri="{909E8E84-426E-40dd-AFC4-6F175D3DCCD1}">
-              <a14:hiddenFill xmlns:a14="http://schemas.microsoft.com/office/drawing/2010/main" xmlns="">
+              <a14:hiddenFill xmlns="" xmlns:a14="http://schemas.microsoft.com/office/drawing/2010/main">
                 <a:solidFill>
                   <a:srgbClr val="FFFFFF"/>
                 </a:solidFill>
               </a14:hiddenFill>
             </a:ext>
             <a:ext uri="{91240B29-F687-4f45-9708-019B960494DF}">
-              <a14:hiddenLine xmlns:a14="http://schemas.microsoft.com/office/drawing/2010/main" xmlns="" w="9525">
+              <a14:hiddenLine xmlns="" xmlns:a14="http://schemas.microsoft.com/office/drawing/2010/main" w="9525">
                 <a:solidFill>
                   <a:srgbClr val="000000"/>
                 </a:solidFill>
@@ -4317,7 +4317,7 @@
           </a:ln>
           <a:extLst>
             <a:ext uri="{909E8E84-426E-40dd-AFC4-6F175D3DCCD1}">
-              <a14:hiddenFill xmlns:a14="http://schemas.microsoft.com/office/drawing/2010/main" xmlns="">
+              <a14:hiddenFill xmlns="" xmlns:a14="http://schemas.microsoft.com/office/drawing/2010/main">
                 <a:solidFill>
                   <a:srgbClr val="FFFFFF"/>
                 </a:solidFill>
@@ -4340,14 +4340,14 @@
           <a:noFill/>
           <a:extLst>
             <a:ext uri="{909E8E84-426E-40dd-AFC4-6F175D3DCCD1}">
-              <a14:hiddenFill xmlns:a14="http://schemas.microsoft.com/office/drawing/2010/main" xmlns="">
+              <a14:hiddenFill xmlns="" xmlns:a14="http://schemas.microsoft.com/office/drawing/2010/main">
                 <a:solidFill>
                   <a:srgbClr val="FFFFFF"/>
                 </a:solidFill>
               </a14:hiddenFill>
             </a:ext>
             <a:ext uri="{91240B29-F687-4f45-9708-019B960494DF}">
-              <a14:hiddenLine xmlns:a14="http://schemas.microsoft.com/office/drawing/2010/main" xmlns="" w="9525">
+              <a14:hiddenLine xmlns="" xmlns:a14="http://schemas.microsoft.com/office/drawing/2010/main" w="9525">
                 <a:solidFill>
                   <a:srgbClr val="000000"/>
                 </a:solidFill>
@@ -4563,7 +4563,7 @@
           </a:ln>
           <a:extLst>
             <a:ext uri="{909E8E84-426E-40dd-AFC4-6F175D3DCCD1}">
-              <a14:hiddenFill xmlns:a14="http://schemas.microsoft.com/office/drawing/2010/main" xmlns="">
+              <a14:hiddenFill xmlns="" xmlns:a14="http://schemas.microsoft.com/office/drawing/2010/main">
                 <a:solidFill>
                   <a:srgbClr val="FFFFFF"/>
                 </a:solidFill>
@@ -4586,14 +4586,14 @@
           <a:noFill/>
           <a:extLst>
             <a:ext uri="{909E8E84-426E-40dd-AFC4-6F175D3DCCD1}">
-              <a14:hiddenFill xmlns:a14="http://schemas.microsoft.com/office/drawing/2010/main" xmlns="">
+              <a14:hiddenFill xmlns="" xmlns:a14="http://schemas.microsoft.com/office/drawing/2010/main">
                 <a:solidFill>
                   <a:srgbClr val="FFFFFF"/>
                 </a:solidFill>
               </a14:hiddenFill>
             </a:ext>
             <a:ext uri="{91240B29-F687-4f45-9708-019B960494DF}">
-              <a14:hiddenLine xmlns:a14="http://schemas.microsoft.com/office/drawing/2010/main" xmlns="" w="9525">
+              <a14:hiddenLine xmlns="" xmlns:a14="http://schemas.microsoft.com/office/drawing/2010/main" w="9525">
                 <a:solidFill>
                   <a:srgbClr val="000000"/>
                 </a:solidFill>
@@ -4809,7 +4809,7 @@
           </a:ln>
           <a:extLst>
             <a:ext uri="{909E8E84-426E-40dd-AFC4-6F175D3DCCD1}">
-              <a14:hiddenFill xmlns:a14="http://schemas.microsoft.com/office/drawing/2010/main" xmlns="">
+              <a14:hiddenFill xmlns="" xmlns:a14="http://schemas.microsoft.com/office/drawing/2010/main">
                 <a:solidFill>
                   <a:srgbClr val="FFFFFF"/>
                 </a:solidFill>
@@ -4832,14 +4832,14 @@
           <a:noFill/>
           <a:extLst>
             <a:ext uri="{909E8E84-426E-40dd-AFC4-6F175D3DCCD1}">
-              <a14:hiddenFill xmlns:a14="http://schemas.microsoft.com/office/drawing/2010/main" xmlns="">
+              <a14:hiddenFill xmlns="" xmlns:a14="http://schemas.microsoft.com/office/drawing/2010/main">
                 <a:solidFill>
                   <a:srgbClr val="FFFFFF"/>
                 </a:solidFill>
               </a14:hiddenFill>
             </a:ext>
             <a:ext uri="{91240B29-F687-4f45-9708-019B960494DF}">
-              <a14:hiddenLine xmlns:a14="http://schemas.microsoft.com/office/drawing/2010/main" xmlns="" w="9525">
+              <a14:hiddenLine xmlns="" xmlns:a14="http://schemas.microsoft.com/office/drawing/2010/main" w="9525">
                 <a:solidFill>
                   <a:srgbClr val="000000"/>
                 </a:solidFill>
@@ -5055,7 +5055,7 @@
           </a:ln>
           <a:extLst>
             <a:ext uri="{909E8E84-426E-40dd-AFC4-6F175D3DCCD1}">
-              <a14:hiddenFill xmlns:a14="http://schemas.microsoft.com/office/drawing/2010/main" xmlns="">
+              <a14:hiddenFill xmlns="" xmlns:a14="http://schemas.microsoft.com/office/drawing/2010/main">
                 <a:solidFill>
                   <a:srgbClr val="FFFFFF"/>
                 </a:solidFill>
@@ -5078,14 +5078,14 @@
           <a:noFill/>
           <a:extLst>
             <a:ext uri="{909E8E84-426E-40dd-AFC4-6F175D3DCCD1}">
-              <a14:hiddenFill xmlns:a14="http://schemas.microsoft.com/office/drawing/2010/main" xmlns="">
+              <a14:hiddenFill xmlns="" xmlns:a14="http://schemas.microsoft.com/office/drawing/2010/main">
                 <a:solidFill>
                   <a:srgbClr val="FFFFFF"/>
                 </a:solidFill>
               </a14:hiddenFill>
             </a:ext>
             <a:ext uri="{91240B29-F687-4f45-9708-019B960494DF}">
-              <a14:hiddenLine xmlns:a14="http://schemas.microsoft.com/office/drawing/2010/main" xmlns="" w="9525">
+              <a14:hiddenLine xmlns="" xmlns:a14="http://schemas.microsoft.com/office/drawing/2010/main" w="9525">
                 <a:solidFill>
                   <a:srgbClr val="000000"/>
                 </a:solidFill>
@@ -5301,7 +5301,7 @@
           </a:ln>
           <a:extLst>
             <a:ext uri="{909E8E84-426E-40dd-AFC4-6F175D3DCCD1}">
-              <a14:hiddenFill xmlns:a14="http://schemas.microsoft.com/office/drawing/2010/main" xmlns="">
+              <a14:hiddenFill xmlns="" xmlns:a14="http://schemas.microsoft.com/office/drawing/2010/main">
                 <a:solidFill>
                   <a:srgbClr val="FFFFFF"/>
                 </a:solidFill>
@@ -5324,14 +5324,14 @@
           <a:noFill/>
           <a:extLst>
             <a:ext uri="{909E8E84-426E-40dd-AFC4-6F175D3DCCD1}">
-              <a14:hiddenFill xmlns:a14="http://schemas.microsoft.com/office/drawing/2010/main" xmlns="">
+              <a14:hiddenFill xmlns="" xmlns:a14="http://schemas.microsoft.com/office/drawing/2010/main">
                 <a:solidFill>
                   <a:srgbClr val="FFFFFF"/>
                 </a:solidFill>
               </a14:hiddenFill>
             </a:ext>
             <a:ext uri="{91240B29-F687-4f45-9708-019B960494DF}">
-              <a14:hiddenLine xmlns:a14="http://schemas.microsoft.com/office/drawing/2010/main" xmlns="" w="9525">
+              <a14:hiddenLine xmlns="" xmlns:a14="http://schemas.microsoft.com/office/drawing/2010/main" w="9525">
                 <a:solidFill>
                   <a:srgbClr val="000000"/>
                 </a:solidFill>
@@ -5550,7 +5550,7 @@
           </a:ln>
           <a:extLst>
             <a:ext uri="{909E8E84-426E-40dd-AFC4-6F175D3DCCD1}">
-              <a14:hiddenFill xmlns:a14="http://schemas.microsoft.com/office/drawing/2010/main" xmlns="">
+              <a14:hiddenFill xmlns="" xmlns:a14="http://schemas.microsoft.com/office/drawing/2010/main">
                 <a:solidFill>
                   <a:srgbClr val="FFFFFF"/>
                 </a:solidFill>
@@ -5573,14 +5573,14 @@
           <a:noFill/>
           <a:extLst>
             <a:ext uri="{909E8E84-426E-40dd-AFC4-6F175D3DCCD1}">
-              <a14:hiddenFill xmlns:a14="http://schemas.microsoft.com/office/drawing/2010/main" xmlns="">
+              <a14:hiddenFill xmlns="" xmlns:a14="http://schemas.microsoft.com/office/drawing/2010/main">
                 <a:solidFill>
                   <a:srgbClr val="FFFFFF"/>
                 </a:solidFill>
               </a14:hiddenFill>
             </a:ext>
             <a:ext uri="{91240B29-F687-4f45-9708-019B960494DF}">
-              <a14:hiddenLine xmlns:a14="http://schemas.microsoft.com/office/drawing/2010/main" xmlns="" w="9525">
+              <a14:hiddenLine xmlns="" xmlns:a14="http://schemas.microsoft.com/office/drawing/2010/main" w="9525">
                 <a:solidFill>
                   <a:srgbClr val="000000"/>
                 </a:solidFill>
@@ -8522,14 +8522,14 @@
           </a:ln>
           <a:extLst>
             <a:ext uri="{909E8E84-426E-40dd-AFC4-6F175D3DCCD1}">
-              <a14:hiddenFill xmlns:a14="http://schemas.microsoft.com/office/drawing/2010/main" xmlns="">
+              <a14:hiddenFill xmlns="" xmlns:a14="http://schemas.microsoft.com/office/drawing/2010/main">
                 <a:solidFill>
                   <a:srgbClr val="FFFFFF"/>
                 </a:solidFill>
               </a14:hiddenFill>
             </a:ext>
             <a:ext uri="{91240B29-F687-4f45-9708-019B960494DF}">
-              <a14:hiddenLine xmlns:a14="http://schemas.microsoft.com/office/drawing/2010/main" xmlns="" w="9525">
+              <a14:hiddenLine xmlns="" xmlns:a14="http://schemas.microsoft.com/office/drawing/2010/main" w="9525">
                 <a:solidFill>
                   <a:srgbClr val="000000"/>
                 </a:solidFill>
@@ -8580,14 +8580,14 @@
           </a:ln>
           <a:extLst>
             <a:ext uri="{909E8E84-426E-40dd-AFC4-6F175D3DCCD1}">
-              <a14:hiddenFill xmlns:a14="http://schemas.microsoft.com/office/drawing/2010/main" xmlns="">
+              <a14:hiddenFill xmlns="" xmlns:a14="http://schemas.microsoft.com/office/drawing/2010/main">
                 <a:solidFill>
                   <a:srgbClr val="FFFFFF"/>
                 </a:solidFill>
               </a14:hiddenFill>
             </a:ext>
             <a:ext uri="{91240B29-F687-4f45-9708-019B960494DF}">
-              <a14:hiddenLine xmlns:a14="http://schemas.microsoft.com/office/drawing/2010/main" xmlns="" w="9525">
+              <a14:hiddenLine xmlns="" xmlns:a14="http://schemas.microsoft.com/office/drawing/2010/main" w="9525">
                 <a:solidFill>
                   <a:srgbClr val="000000"/>
                 </a:solidFill>
@@ -9235,14 +9235,14 @@
           </a:ln>
           <a:extLst>
             <a:ext uri="{909E8E84-426E-40dd-AFC4-6F175D3DCCD1}">
-              <a14:hiddenFill xmlns:a14="http://schemas.microsoft.com/office/drawing/2010/main" xmlns="">
+              <a14:hiddenFill xmlns="" xmlns:a14="http://schemas.microsoft.com/office/drawing/2010/main">
                 <a:solidFill>
                   <a:srgbClr val="FFFFFF"/>
                 </a:solidFill>
               </a14:hiddenFill>
             </a:ext>
             <a:ext uri="{91240B29-F687-4f45-9708-019B960494DF}">
-              <a14:hiddenLine xmlns:a14="http://schemas.microsoft.com/office/drawing/2010/main" xmlns="" w="9525">
+              <a14:hiddenLine xmlns="" xmlns:a14="http://schemas.microsoft.com/office/drawing/2010/main" w="9525">
                 <a:solidFill>
                   <a:srgbClr val="000000"/>
                 </a:solidFill>
@@ -9406,14 +9406,14 @@
           </a:ln>
           <a:extLst>
             <a:ext uri="{909E8E84-426E-40dd-AFC4-6F175D3DCCD1}">
-              <a14:hiddenFill xmlns:a14="http://schemas.microsoft.com/office/drawing/2010/main" xmlns="">
+              <a14:hiddenFill xmlns="" xmlns:a14="http://schemas.microsoft.com/office/drawing/2010/main">
                 <a:solidFill>
                   <a:srgbClr val="FFFFFF"/>
                 </a:solidFill>
               </a14:hiddenFill>
             </a:ext>
             <a:ext uri="{91240B29-F687-4f45-9708-019B960494DF}">
-              <a14:hiddenLine xmlns:a14="http://schemas.microsoft.com/office/drawing/2010/main" xmlns="" w="9525">
+              <a14:hiddenLine xmlns="" xmlns:a14="http://schemas.microsoft.com/office/drawing/2010/main" w="9525">
                 <a:solidFill>
                   <a:srgbClr val="000000"/>
                 </a:solidFill>
@@ -9599,14 +9599,14 @@
           </a:ln>
           <a:extLst>
             <a:ext uri="{909E8E84-426E-40dd-AFC4-6F175D3DCCD1}">
-              <a14:hiddenFill xmlns:a14="http://schemas.microsoft.com/office/drawing/2010/main" xmlns="">
+              <a14:hiddenFill xmlns="" xmlns:a14="http://schemas.microsoft.com/office/drawing/2010/main">
                 <a:solidFill>
                   <a:srgbClr val="FFFFFF"/>
                 </a:solidFill>
               </a14:hiddenFill>
             </a:ext>
             <a:ext uri="{91240B29-F687-4f45-9708-019B960494DF}">
-              <a14:hiddenLine xmlns:a14="http://schemas.microsoft.com/office/drawing/2010/main" xmlns="" w="9525">
+              <a14:hiddenLine xmlns="" xmlns:a14="http://schemas.microsoft.com/office/drawing/2010/main" w="9525">
                 <a:solidFill>
                   <a:srgbClr val="000000"/>
                 </a:solidFill>
@@ -9653,14 +9653,14 @@
           </a:ln>
           <a:extLst>
             <a:ext uri="{909E8E84-426E-40dd-AFC4-6F175D3DCCD1}">
-              <a14:hiddenFill xmlns:a14="http://schemas.microsoft.com/office/drawing/2010/main" xmlns="">
+              <a14:hiddenFill xmlns="" xmlns:a14="http://schemas.microsoft.com/office/drawing/2010/main">
                 <a:solidFill>
                   <a:srgbClr val="FFFFFF"/>
                 </a:solidFill>
               </a14:hiddenFill>
             </a:ext>
             <a:ext uri="{91240B29-F687-4f45-9708-019B960494DF}">
-              <a14:hiddenLine xmlns:a14="http://schemas.microsoft.com/office/drawing/2010/main" xmlns="" w="9525">
+              <a14:hiddenLine xmlns="" xmlns:a14="http://schemas.microsoft.com/office/drawing/2010/main" w="9525">
                 <a:solidFill>
                   <a:srgbClr val="000000"/>
                 </a:solidFill>
@@ -9802,14 +9802,14 @@
           </a:ln>
           <a:extLst>
             <a:ext uri="{909E8E84-426E-40dd-AFC4-6F175D3DCCD1}">
-              <a14:hiddenFill xmlns="" xmlns:a14="http://schemas.microsoft.com/office/drawing/2010/main">
+              <a14:hiddenFill xmlns:a14="http://schemas.microsoft.com/office/drawing/2010/main" xmlns="">
                 <a:solidFill>
                   <a:srgbClr val="FFFFFF"/>
                 </a:solidFill>
               </a14:hiddenFill>
             </a:ext>
             <a:ext uri="{91240B29-F687-4f45-9708-019B960494DF}">
-              <a14:hiddenLine xmlns="" xmlns:a14="http://schemas.microsoft.com/office/drawing/2010/main" w="9525">
+              <a14:hiddenLine xmlns:a14="http://schemas.microsoft.com/office/drawing/2010/main" xmlns="" w="9525">
                 <a:solidFill>
                   <a:srgbClr val="000000"/>
                 </a:solidFill>
@@ -10055,14 +10055,14 @@
           </a:ln>
           <a:extLst>
             <a:ext uri="{909E8E84-426E-40dd-AFC4-6F175D3DCCD1}">
-              <a14:hiddenFill xmlns:a14="http://schemas.microsoft.com/office/drawing/2010/main" xmlns="">
+              <a14:hiddenFill xmlns="" xmlns:a14="http://schemas.microsoft.com/office/drawing/2010/main">
                 <a:solidFill>
                   <a:srgbClr val="FFFFFF"/>
                 </a:solidFill>
               </a14:hiddenFill>
             </a:ext>
             <a:ext uri="{91240B29-F687-4f45-9708-019B960494DF}">
-              <a14:hiddenLine xmlns:a14="http://schemas.microsoft.com/office/drawing/2010/main" xmlns="" w="9525">
+              <a14:hiddenLine xmlns="" xmlns:a14="http://schemas.microsoft.com/office/drawing/2010/main" w="9525">
                 <a:solidFill>
                   <a:srgbClr val="000000"/>
                 </a:solidFill>
@@ -10256,14 +10256,14 @@
           <a:noFill/>
           <a:extLst>
             <a:ext uri="{909E8E84-426E-40dd-AFC4-6F175D3DCCD1}">
-              <a14:hiddenFill xmlns:a14="http://schemas.microsoft.com/office/drawing/2010/main" xmlns="">
+              <a14:hiddenFill xmlns="" xmlns:a14="http://schemas.microsoft.com/office/drawing/2010/main">
                 <a:solidFill>
                   <a:srgbClr val="FFFFFF"/>
                 </a:solidFill>
               </a14:hiddenFill>
             </a:ext>
             <a:ext uri="{91240B29-F687-4f45-9708-019B960494DF}">
-              <a14:hiddenLine xmlns:a14="http://schemas.microsoft.com/office/drawing/2010/main" xmlns="" w="9525">
+              <a14:hiddenLine xmlns="" xmlns:a14="http://schemas.microsoft.com/office/drawing/2010/main" w="9525">
                 <a:solidFill>
                   <a:srgbClr val="000000"/>
                 </a:solidFill>
@@ -10482,14 +10482,14 @@
           </a:ln>
           <a:extLst>
             <a:ext uri="{909E8E84-426E-40dd-AFC4-6F175D3DCCD1}">
-              <a14:hiddenFill xmlns:a14="http://schemas.microsoft.com/office/drawing/2010/main" xmlns="">
+              <a14:hiddenFill xmlns="" xmlns:a14="http://schemas.microsoft.com/office/drawing/2010/main">
                 <a:solidFill>
                   <a:srgbClr val="FFFFFF"/>
                 </a:solidFill>
               </a14:hiddenFill>
             </a:ext>
             <a:ext uri="{91240B29-F687-4f45-9708-019B960494DF}">
-              <a14:hiddenLine xmlns:a14="http://schemas.microsoft.com/office/drawing/2010/main" xmlns="" w="9525">
+              <a14:hiddenLine xmlns="" xmlns:a14="http://schemas.microsoft.com/office/drawing/2010/main" w="9525">
                 <a:solidFill>
                   <a:srgbClr val="000000"/>
                 </a:solidFill>
@@ -12757,14 +12757,14 @@
           </a:ln>
           <a:extLst>
             <a:ext uri="{909E8E84-426E-40dd-AFC4-6F175D3DCCD1}">
-              <a14:hiddenFill xmlns:a14="http://schemas.microsoft.com/office/drawing/2010/main" xmlns="">
+              <a14:hiddenFill xmlns="" xmlns:a14="http://schemas.microsoft.com/office/drawing/2010/main">
                 <a:solidFill>
                   <a:srgbClr val="FFFFFF"/>
                 </a:solidFill>
               </a14:hiddenFill>
             </a:ext>
             <a:ext uri="{91240B29-F687-4f45-9708-019B960494DF}">
-              <a14:hiddenLine xmlns:a14="http://schemas.microsoft.com/office/drawing/2010/main" xmlns="" w="9525">
+              <a14:hiddenLine xmlns="" xmlns:a14="http://schemas.microsoft.com/office/drawing/2010/main" w="9525">
                 <a:solidFill>
                   <a:srgbClr val="000000"/>
                 </a:solidFill>
@@ -12958,14 +12958,14 @@
           <a:noFill/>
           <a:extLst>
             <a:ext uri="{909E8E84-426E-40dd-AFC4-6F175D3DCCD1}">
-              <a14:hiddenFill xmlns:a14="http://schemas.microsoft.com/office/drawing/2010/main" xmlns="">
+              <a14:hiddenFill xmlns="" xmlns:a14="http://schemas.microsoft.com/office/drawing/2010/main">
                 <a:solidFill>
                   <a:srgbClr val="FFFFFF"/>
                 </a:solidFill>
               </a14:hiddenFill>
             </a:ext>
             <a:ext uri="{91240B29-F687-4f45-9708-019B960494DF}">
-              <a14:hiddenLine xmlns:a14="http://schemas.microsoft.com/office/drawing/2010/main" xmlns="" w="9525">
+              <a14:hiddenLine xmlns="" xmlns:a14="http://schemas.microsoft.com/office/drawing/2010/main" w="9525">
                 <a:solidFill>
                   <a:srgbClr val="000000"/>
                 </a:solidFill>
@@ -13184,14 +13184,14 @@
           </a:ln>
           <a:extLst>
             <a:ext uri="{909E8E84-426E-40dd-AFC4-6F175D3DCCD1}">
-              <a14:hiddenFill xmlns:a14="http://schemas.microsoft.com/office/drawing/2010/main" xmlns="">
+              <a14:hiddenFill xmlns="" xmlns:a14="http://schemas.microsoft.com/office/drawing/2010/main">
                 <a:solidFill>
                   <a:srgbClr val="FFFFFF"/>
                 </a:solidFill>
               </a14:hiddenFill>
             </a:ext>
             <a:ext uri="{91240B29-F687-4f45-9708-019B960494DF}">
-              <a14:hiddenLine xmlns:a14="http://schemas.microsoft.com/office/drawing/2010/main" xmlns="" w="9525">
+              <a14:hiddenLine xmlns="" xmlns:a14="http://schemas.microsoft.com/office/drawing/2010/main" w="9525">
                 <a:solidFill>
                   <a:srgbClr val="000000"/>
                 </a:solidFill>
@@ -13203,8 +13203,8 @@
           </a:extLst>
         </p:spPr>
       </p:pic>
-      <mc:AlternateContent xmlns:mc="http://schemas.openxmlformats.org/markup-compatibility/2006">
-        <mc:Choice xmlns:a14="http://schemas.microsoft.com/office/drawing/2010/main" Requires="a14">
+      <mc:AlternateContent xmlns:mc="http://schemas.openxmlformats.org/markup-compatibility/2006" xmlns:a14="http://schemas.microsoft.com/office/drawing/2010/main">
+        <mc:Choice Requires="a14">
           <p:sp>
             <p:nvSpPr>
               <p:cNvPr id="22" name="Subtitle 2">
@@ -13887,7 +13887,7 @@
             </p:txBody>
           </p:sp>
         </mc:Choice>
-        <mc:Fallback>
+        <mc:Fallback xmlns="">
           <p:sp>
             <p:nvSpPr>
               <p:cNvPr id="22" name="Subtitle 2">
@@ -14036,14 +14036,14 @@
           </a:ln>
           <a:extLst>
             <a:ext uri="{909E8E84-426E-40dd-AFC4-6F175D3DCCD1}">
-              <a14:hiddenFill xmlns:a14="http://schemas.microsoft.com/office/drawing/2010/main" xmlns="">
+              <a14:hiddenFill xmlns="" xmlns:a14="http://schemas.microsoft.com/office/drawing/2010/main">
                 <a:solidFill>
                   <a:srgbClr val="FFFFFF"/>
                 </a:solidFill>
               </a14:hiddenFill>
             </a:ext>
             <a:ext uri="{91240B29-F687-4f45-9708-019B960494DF}">
-              <a14:hiddenLine xmlns:a14="http://schemas.microsoft.com/office/drawing/2010/main" xmlns="" w="9525">
+              <a14:hiddenLine xmlns="" xmlns:a14="http://schemas.microsoft.com/office/drawing/2010/main" w="9525">
                 <a:solidFill>
                   <a:srgbClr val="000000"/>
                 </a:solidFill>
@@ -14237,14 +14237,14 @@
           <a:noFill/>
           <a:extLst>
             <a:ext uri="{909E8E84-426E-40dd-AFC4-6F175D3DCCD1}">
-              <a14:hiddenFill xmlns:a14="http://schemas.microsoft.com/office/drawing/2010/main" xmlns="">
+              <a14:hiddenFill xmlns="" xmlns:a14="http://schemas.microsoft.com/office/drawing/2010/main">
                 <a:solidFill>
                   <a:srgbClr val="FFFFFF"/>
                 </a:solidFill>
               </a14:hiddenFill>
             </a:ext>
             <a:ext uri="{91240B29-F687-4f45-9708-019B960494DF}">
-              <a14:hiddenLine xmlns:a14="http://schemas.microsoft.com/office/drawing/2010/main" xmlns="" w="9525">
+              <a14:hiddenLine xmlns="" xmlns:a14="http://schemas.microsoft.com/office/drawing/2010/main" w="9525">
                 <a:solidFill>
                   <a:srgbClr val="000000"/>
                 </a:solidFill>
@@ -14463,14 +14463,14 @@
           </a:ln>
           <a:extLst>
             <a:ext uri="{909E8E84-426E-40dd-AFC4-6F175D3DCCD1}">
-              <a14:hiddenFill xmlns:a14="http://schemas.microsoft.com/office/drawing/2010/main" xmlns="">
+              <a14:hiddenFill xmlns="" xmlns:a14="http://schemas.microsoft.com/office/drawing/2010/main">
                 <a:solidFill>
                   <a:srgbClr val="FFFFFF"/>
                 </a:solidFill>
               </a14:hiddenFill>
             </a:ext>
             <a:ext uri="{91240B29-F687-4f45-9708-019B960494DF}">
-              <a14:hiddenLine xmlns:a14="http://schemas.microsoft.com/office/drawing/2010/main" xmlns="" w="9525">
+              <a14:hiddenLine xmlns="" xmlns:a14="http://schemas.microsoft.com/office/drawing/2010/main" w="9525">
                 <a:solidFill>
                   <a:srgbClr val="000000"/>
                 </a:solidFill>
@@ -15004,14 +15004,14 @@
           </a:ln>
           <a:extLst>
             <a:ext uri="{909E8E84-426E-40dd-AFC4-6F175D3DCCD1}">
-              <a14:hiddenFill xmlns:a14="http://schemas.microsoft.com/office/drawing/2010/main" xmlns="">
+              <a14:hiddenFill xmlns="" xmlns:a14="http://schemas.microsoft.com/office/drawing/2010/main">
                 <a:solidFill>
                   <a:srgbClr val="FFFFFF"/>
                 </a:solidFill>
               </a14:hiddenFill>
             </a:ext>
             <a:ext uri="{91240B29-F687-4f45-9708-019B960494DF}">
-              <a14:hiddenLine xmlns:a14="http://schemas.microsoft.com/office/drawing/2010/main" xmlns="" w="9525">
+              <a14:hiddenLine xmlns="" xmlns:a14="http://schemas.microsoft.com/office/drawing/2010/main" w="9525">
                 <a:solidFill>
                   <a:srgbClr val="000000"/>
                 </a:solidFill>
@@ -15205,14 +15205,14 @@
           <a:noFill/>
           <a:extLst>
             <a:ext uri="{909E8E84-426E-40dd-AFC4-6F175D3DCCD1}">
-              <a14:hiddenFill xmlns:a14="http://schemas.microsoft.com/office/drawing/2010/main" xmlns="">
+              <a14:hiddenFill xmlns="" xmlns:a14="http://schemas.microsoft.com/office/drawing/2010/main">
                 <a:solidFill>
                   <a:srgbClr val="FFFFFF"/>
                 </a:solidFill>
               </a14:hiddenFill>
             </a:ext>
             <a:ext uri="{91240B29-F687-4f45-9708-019B960494DF}">
-              <a14:hiddenLine xmlns:a14="http://schemas.microsoft.com/office/drawing/2010/main" xmlns="" w="9525">
+              <a14:hiddenLine xmlns="" xmlns:a14="http://schemas.microsoft.com/office/drawing/2010/main" w="9525">
                 <a:solidFill>
                   <a:srgbClr val="000000"/>
                 </a:solidFill>
@@ -15431,14 +15431,14 @@
           </a:ln>
           <a:extLst>
             <a:ext uri="{909E8E84-426E-40dd-AFC4-6F175D3DCCD1}">
-              <a14:hiddenFill xmlns:a14="http://schemas.microsoft.com/office/drawing/2010/main" xmlns="">
+              <a14:hiddenFill xmlns="" xmlns:a14="http://schemas.microsoft.com/office/drawing/2010/main">
                 <a:solidFill>
                   <a:srgbClr val="FFFFFF"/>
                 </a:solidFill>
               </a14:hiddenFill>
             </a:ext>
             <a:ext uri="{91240B29-F687-4f45-9708-019B960494DF}">
-              <a14:hiddenLine xmlns:a14="http://schemas.microsoft.com/office/drawing/2010/main" xmlns="" w="9525">
+              <a14:hiddenLine xmlns="" xmlns:a14="http://schemas.microsoft.com/office/drawing/2010/main" w="9525">
                 <a:solidFill>
                   <a:srgbClr val="000000"/>
                 </a:solidFill>
@@ -16777,14 +16777,14 @@
           </a:ln>
           <a:extLst>
             <a:ext uri="{909E8E84-426E-40dd-AFC4-6F175D3DCCD1}">
-              <a14:hiddenFill xmlns:a14="http://schemas.microsoft.com/office/drawing/2010/main" xmlns="">
+              <a14:hiddenFill xmlns="" xmlns:a14="http://schemas.microsoft.com/office/drawing/2010/main">
                 <a:solidFill>
                   <a:srgbClr val="FFFFFF"/>
                 </a:solidFill>
               </a14:hiddenFill>
             </a:ext>
             <a:ext uri="{91240B29-F687-4f45-9708-019B960494DF}">
-              <a14:hiddenLine xmlns:a14="http://schemas.microsoft.com/office/drawing/2010/main" xmlns="" w="9525">
+              <a14:hiddenLine xmlns="" xmlns:a14="http://schemas.microsoft.com/office/drawing/2010/main" w="9525">
                 <a:solidFill>
                   <a:srgbClr val="000000"/>
                 </a:solidFill>
@@ -16978,14 +16978,14 @@
           <a:noFill/>
           <a:extLst>
             <a:ext uri="{909E8E84-426E-40dd-AFC4-6F175D3DCCD1}">
-              <a14:hiddenFill xmlns:a14="http://schemas.microsoft.com/office/drawing/2010/main" xmlns="">
+              <a14:hiddenFill xmlns="" xmlns:a14="http://schemas.microsoft.com/office/drawing/2010/main">
                 <a:solidFill>
                   <a:srgbClr val="FFFFFF"/>
                 </a:solidFill>
               </a14:hiddenFill>
             </a:ext>
             <a:ext uri="{91240B29-F687-4f45-9708-019B960494DF}">
-              <a14:hiddenLine xmlns:a14="http://schemas.microsoft.com/office/drawing/2010/main" xmlns="" w="9525">
+              <a14:hiddenLine xmlns="" xmlns:a14="http://schemas.microsoft.com/office/drawing/2010/main" w="9525">
                 <a:solidFill>
                   <a:srgbClr val="000000"/>
                 </a:solidFill>
@@ -17204,14 +17204,14 @@
           </a:ln>
           <a:extLst>
             <a:ext uri="{909E8E84-426E-40dd-AFC4-6F175D3DCCD1}">
-              <a14:hiddenFill xmlns:a14="http://schemas.microsoft.com/office/drawing/2010/main" xmlns="">
+              <a14:hiddenFill xmlns="" xmlns:a14="http://schemas.microsoft.com/office/drawing/2010/main">
                 <a:solidFill>
                   <a:srgbClr val="FFFFFF"/>
                 </a:solidFill>
               </a14:hiddenFill>
             </a:ext>
             <a:ext uri="{91240B29-F687-4f45-9708-019B960494DF}">
-              <a14:hiddenLine xmlns:a14="http://schemas.microsoft.com/office/drawing/2010/main" xmlns="" w="9525">
+              <a14:hiddenLine xmlns="" xmlns:a14="http://schemas.microsoft.com/office/drawing/2010/main" w="9525">
                 <a:solidFill>
                   <a:srgbClr val="000000"/>
                 </a:solidFill>
@@ -17841,14 +17841,14 @@
           </a:ln>
           <a:extLst>
             <a:ext uri="{909E8E84-426E-40dd-AFC4-6F175D3DCCD1}">
-              <a14:hiddenFill xmlns:a14="http://schemas.microsoft.com/office/drawing/2010/main" xmlns="">
+              <a14:hiddenFill xmlns="" xmlns:a14="http://schemas.microsoft.com/office/drawing/2010/main">
                 <a:solidFill>
                   <a:srgbClr val="FFFFFF"/>
                 </a:solidFill>
               </a14:hiddenFill>
             </a:ext>
             <a:ext uri="{91240B29-F687-4f45-9708-019B960494DF}">
-              <a14:hiddenLine xmlns:a14="http://schemas.microsoft.com/office/drawing/2010/main" xmlns="" w="9525">
+              <a14:hiddenLine xmlns="" xmlns:a14="http://schemas.microsoft.com/office/drawing/2010/main" w="9525">
                 <a:solidFill>
                   <a:srgbClr val="000000"/>
                 </a:solidFill>
@@ -18042,14 +18042,14 @@
           <a:noFill/>
           <a:extLst>
             <a:ext uri="{909E8E84-426E-40dd-AFC4-6F175D3DCCD1}">
-              <a14:hiddenFill xmlns:a14="http://schemas.microsoft.com/office/drawing/2010/main" xmlns="">
+              <a14:hiddenFill xmlns="" xmlns:a14="http://schemas.microsoft.com/office/drawing/2010/main">
                 <a:solidFill>
                   <a:srgbClr val="FFFFFF"/>
                 </a:solidFill>
               </a14:hiddenFill>
             </a:ext>
             <a:ext uri="{91240B29-F687-4f45-9708-019B960494DF}">
-              <a14:hiddenLine xmlns:a14="http://schemas.microsoft.com/office/drawing/2010/main" xmlns="" w="9525">
+              <a14:hiddenLine xmlns="" xmlns:a14="http://schemas.microsoft.com/office/drawing/2010/main" w="9525">
                 <a:solidFill>
                   <a:srgbClr val="000000"/>
                 </a:solidFill>
@@ -18268,14 +18268,14 @@
           </a:ln>
           <a:extLst>
             <a:ext uri="{909E8E84-426E-40dd-AFC4-6F175D3DCCD1}">
-              <a14:hiddenFill xmlns:a14="http://schemas.microsoft.com/office/drawing/2010/main" xmlns="">
+              <a14:hiddenFill xmlns="" xmlns:a14="http://schemas.microsoft.com/office/drawing/2010/main">
                 <a:solidFill>
                   <a:srgbClr val="FFFFFF"/>
                 </a:solidFill>
               </a14:hiddenFill>
             </a:ext>
             <a:ext uri="{91240B29-F687-4f45-9708-019B960494DF}">
-              <a14:hiddenLine xmlns:a14="http://schemas.microsoft.com/office/drawing/2010/main" xmlns="" w="9525">
+              <a14:hiddenLine xmlns="" xmlns:a14="http://schemas.microsoft.com/office/drawing/2010/main" w="9525">
                 <a:solidFill>
                   <a:srgbClr val="000000"/>
                 </a:solidFill>
@@ -18920,14 +18920,14 @@
           </a:ln>
           <a:extLst>
             <a:ext uri="{909E8E84-426E-40dd-AFC4-6F175D3DCCD1}">
-              <a14:hiddenFill xmlns:a14="http://schemas.microsoft.com/office/drawing/2010/main" xmlns="">
+              <a14:hiddenFill xmlns="" xmlns:a14="http://schemas.microsoft.com/office/drawing/2010/main">
                 <a:solidFill>
                   <a:srgbClr val="FFFFFF"/>
                 </a:solidFill>
               </a14:hiddenFill>
             </a:ext>
             <a:ext uri="{91240B29-F687-4f45-9708-019B960494DF}">
-              <a14:hiddenLine xmlns:a14="http://schemas.microsoft.com/office/drawing/2010/main" xmlns="" w="9525">
+              <a14:hiddenLine xmlns="" xmlns:a14="http://schemas.microsoft.com/office/drawing/2010/main" w="9525">
                 <a:solidFill>
                   <a:srgbClr val="000000"/>
                 </a:solidFill>
@@ -19161,14 +19161,14 @@
           <a:noFill/>
           <a:extLst>
             <a:ext uri="{909E8E84-426E-40dd-AFC4-6F175D3DCCD1}">
-              <a14:hiddenFill xmlns:a14="http://schemas.microsoft.com/office/drawing/2010/main" xmlns="">
+              <a14:hiddenFill xmlns="" xmlns:a14="http://schemas.microsoft.com/office/drawing/2010/main">
                 <a:solidFill>
                   <a:srgbClr val="FFFFFF"/>
                 </a:solidFill>
               </a14:hiddenFill>
             </a:ext>
             <a:ext uri="{91240B29-F687-4f45-9708-019B960494DF}">
-              <a14:hiddenLine xmlns:a14="http://schemas.microsoft.com/office/drawing/2010/main" xmlns="" w="9525">
+              <a14:hiddenLine xmlns="" xmlns:a14="http://schemas.microsoft.com/office/drawing/2010/main" w="9525">
                 <a:solidFill>
                   <a:srgbClr val="000000"/>
                 </a:solidFill>
@@ -19387,14 +19387,14 @@
           </a:ln>
           <a:extLst>
             <a:ext uri="{909E8E84-426E-40dd-AFC4-6F175D3DCCD1}">
-              <a14:hiddenFill xmlns:a14="http://schemas.microsoft.com/office/drawing/2010/main" xmlns="">
+              <a14:hiddenFill xmlns="" xmlns:a14="http://schemas.microsoft.com/office/drawing/2010/main">
                 <a:solidFill>
                   <a:srgbClr val="FFFFFF"/>
                 </a:solidFill>
               </a14:hiddenFill>
             </a:ext>
             <a:ext uri="{91240B29-F687-4f45-9708-019B960494DF}">
-              <a14:hiddenLine xmlns:a14="http://schemas.microsoft.com/office/drawing/2010/main" xmlns="" w="9525">
+              <a14:hiddenLine xmlns="" xmlns:a14="http://schemas.microsoft.com/office/drawing/2010/main" w="9525">
                 <a:solidFill>
                   <a:srgbClr val="000000"/>
                 </a:solidFill>
@@ -20119,14 +20119,14 @@
           </a:ln>
           <a:extLst>
             <a:ext uri="{909E8E84-426E-40dd-AFC4-6F175D3DCCD1}">
-              <a14:hiddenFill xmlns:a14="http://schemas.microsoft.com/office/drawing/2010/main" xmlns="">
+              <a14:hiddenFill xmlns="" xmlns:a14="http://schemas.microsoft.com/office/drawing/2010/main">
                 <a:solidFill>
                   <a:srgbClr val="FFFFFF"/>
                 </a:solidFill>
               </a14:hiddenFill>
             </a:ext>
             <a:ext uri="{91240B29-F687-4f45-9708-019B960494DF}">
-              <a14:hiddenLine xmlns:a14="http://schemas.microsoft.com/office/drawing/2010/main" xmlns="" w="9525">
+              <a14:hiddenLine xmlns="" xmlns:a14="http://schemas.microsoft.com/office/drawing/2010/main" w="9525">
                 <a:solidFill>
                   <a:srgbClr val="000000"/>
                 </a:solidFill>
@@ -20360,14 +20360,14 @@
           <a:noFill/>
           <a:extLst>
             <a:ext uri="{909E8E84-426E-40dd-AFC4-6F175D3DCCD1}">
-              <a14:hiddenFill xmlns:a14="http://schemas.microsoft.com/office/drawing/2010/main" xmlns="">
+              <a14:hiddenFill xmlns="" xmlns:a14="http://schemas.microsoft.com/office/drawing/2010/main">
                 <a:solidFill>
                   <a:srgbClr val="FFFFFF"/>
                 </a:solidFill>
               </a14:hiddenFill>
             </a:ext>
             <a:ext uri="{91240B29-F687-4f45-9708-019B960494DF}">
-              <a14:hiddenLine xmlns:a14="http://schemas.microsoft.com/office/drawing/2010/main" xmlns="" w="9525">
+              <a14:hiddenLine xmlns="" xmlns:a14="http://schemas.microsoft.com/office/drawing/2010/main" w="9525">
                 <a:solidFill>
                   <a:srgbClr val="000000"/>
                 </a:solidFill>
@@ -20586,14 +20586,14 @@
           </a:ln>
           <a:extLst>
             <a:ext uri="{909E8E84-426E-40dd-AFC4-6F175D3DCCD1}">
-              <a14:hiddenFill xmlns:a14="http://schemas.microsoft.com/office/drawing/2010/main" xmlns="">
+              <a14:hiddenFill xmlns="" xmlns:a14="http://schemas.microsoft.com/office/drawing/2010/main">
                 <a:solidFill>
                   <a:srgbClr val="FFFFFF"/>
                 </a:solidFill>
               </a14:hiddenFill>
             </a:ext>
             <a:ext uri="{91240B29-F687-4f45-9708-019B960494DF}">
-              <a14:hiddenLine xmlns:a14="http://schemas.microsoft.com/office/drawing/2010/main" xmlns="" w="9525">
+              <a14:hiddenLine xmlns="" xmlns:a14="http://schemas.microsoft.com/office/drawing/2010/main" w="9525">
                 <a:solidFill>
                   <a:srgbClr val="000000"/>
                 </a:solidFill>
@@ -21165,14 +21165,14 @@
           </a:ln>
           <a:extLst>
             <a:ext uri="{909E8E84-426E-40dd-AFC4-6F175D3DCCD1}">
-              <a14:hiddenFill xmlns:a14="http://schemas.microsoft.com/office/drawing/2010/main" xmlns="">
+              <a14:hiddenFill xmlns="" xmlns:a14="http://schemas.microsoft.com/office/drawing/2010/main">
                 <a:solidFill>
                   <a:srgbClr val="FFFFFF"/>
                 </a:solidFill>
               </a14:hiddenFill>
             </a:ext>
             <a:ext uri="{91240B29-F687-4f45-9708-019B960494DF}">
-              <a14:hiddenLine xmlns:a14="http://schemas.microsoft.com/office/drawing/2010/main" xmlns="" w="9525">
+              <a14:hiddenLine xmlns="" xmlns:a14="http://schemas.microsoft.com/office/drawing/2010/main" w="9525">
                 <a:solidFill>
                   <a:srgbClr val="000000"/>
                 </a:solidFill>
@@ -21406,14 +21406,14 @@
           <a:noFill/>
           <a:extLst>
             <a:ext uri="{909E8E84-426E-40dd-AFC4-6F175D3DCCD1}">
-              <a14:hiddenFill xmlns:a14="http://schemas.microsoft.com/office/drawing/2010/main" xmlns="">
+              <a14:hiddenFill xmlns="" xmlns:a14="http://schemas.microsoft.com/office/drawing/2010/main">
                 <a:solidFill>
                   <a:srgbClr val="FFFFFF"/>
                 </a:solidFill>
               </a14:hiddenFill>
             </a:ext>
             <a:ext uri="{91240B29-F687-4f45-9708-019B960494DF}">
-              <a14:hiddenLine xmlns:a14="http://schemas.microsoft.com/office/drawing/2010/main" xmlns="" w="9525">
+              <a14:hiddenLine xmlns="" xmlns:a14="http://schemas.microsoft.com/office/drawing/2010/main" w="9525">
                 <a:solidFill>
                   <a:srgbClr val="000000"/>
                 </a:solidFill>
@@ -21632,14 +21632,14 @@
           </a:ln>
           <a:extLst>
             <a:ext uri="{909E8E84-426E-40dd-AFC4-6F175D3DCCD1}">
-              <a14:hiddenFill xmlns:a14="http://schemas.microsoft.com/office/drawing/2010/main" xmlns="">
+              <a14:hiddenFill xmlns="" xmlns:a14="http://schemas.microsoft.com/office/drawing/2010/main">
                 <a:solidFill>
                   <a:srgbClr val="FFFFFF"/>
                 </a:solidFill>
               </a14:hiddenFill>
             </a:ext>
             <a:ext uri="{91240B29-F687-4f45-9708-019B960494DF}">
-              <a14:hiddenLine xmlns:a14="http://schemas.microsoft.com/office/drawing/2010/main" xmlns="" w="9525">
+              <a14:hiddenLine xmlns="" xmlns:a14="http://schemas.microsoft.com/office/drawing/2010/main" w="9525">
                 <a:solidFill>
                   <a:srgbClr val="000000"/>
                 </a:solidFill>
@@ -22212,14 +22212,14 @@
           </a:ln>
           <a:extLst>
             <a:ext uri="{909E8E84-426E-40dd-AFC4-6F175D3DCCD1}">
-              <a14:hiddenFill xmlns:a14="http://schemas.microsoft.com/office/drawing/2010/main" xmlns="">
+              <a14:hiddenFill xmlns="" xmlns:a14="http://schemas.microsoft.com/office/drawing/2010/main">
                 <a:solidFill>
                   <a:srgbClr val="FFFFFF"/>
                 </a:solidFill>
               </a14:hiddenFill>
             </a:ext>
             <a:ext uri="{91240B29-F687-4f45-9708-019B960494DF}">
-              <a14:hiddenLine xmlns:a14="http://schemas.microsoft.com/office/drawing/2010/main" xmlns="" w="9525">
+              <a14:hiddenLine xmlns="" xmlns:a14="http://schemas.microsoft.com/office/drawing/2010/main" w="9525">
                 <a:solidFill>
                   <a:srgbClr val="000000"/>
                 </a:solidFill>
@@ -22413,14 +22413,14 @@
           <a:noFill/>
           <a:extLst>
             <a:ext uri="{909E8E84-426E-40dd-AFC4-6F175D3DCCD1}">
-              <a14:hiddenFill xmlns:a14="http://schemas.microsoft.com/office/drawing/2010/main" xmlns="">
+              <a14:hiddenFill xmlns="" xmlns:a14="http://schemas.microsoft.com/office/drawing/2010/main">
                 <a:solidFill>
                   <a:srgbClr val="FFFFFF"/>
                 </a:solidFill>
               </a14:hiddenFill>
             </a:ext>
             <a:ext uri="{91240B29-F687-4f45-9708-019B960494DF}">
-              <a14:hiddenLine xmlns:a14="http://schemas.microsoft.com/office/drawing/2010/main" xmlns="" w="9525">
+              <a14:hiddenLine xmlns="" xmlns:a14="http://schemas.microsoft.com/office/drawing/2010/main" w="9525">
                 <a:solidFill>
                   <a:srgbClr val="000000"/>
                 </a:solidFill>
@@ -22639,14 +22639,14 @@
           </a:ln>
           <a:extLst>
             <a:ext uri="{909E8E84-426E-40dd-AFC4-6F175D3DCCD1}">
-              <a14:hiddenFill xmlns:a14="http://schemas.microsoft.com/office/drawing/2010/main" xmlns="">
+              <a14:hiddenFill xmlns="" xmlns:a14="http://schemas.microsoft.com/office/drawing/2010/main">
                 <a:solidFill>
                   <a:srgbClr val="FFFFFF"/>
                 </a:solidFill>
               </a14:hiddenFill>
             </a:ext>
             <a:ext uri="{91240B29-F687-4f45-9708-019B960494DF}">
-              <a14:hiddenLine xmlns:a14="http://schemas.microsoft.com/office/drawing/2010/main" xmlns="" w="9525">
+              <a14:hiddenLine xmlns="" xmlns:a14="http://schemas.microsoft.com/office/drawing/2010/main" w="9525">
                 <a:solidFill>
                   <a:srgbClr val="000000"/>
                 </a:solidFill>
@@ -23259,14 +23259,14 @@
           </a:ln>
           <a:extLst>
             <a:ext uri="{909E8E84-426E-40dd-AFC4-6F175D3DCCD1}">
-              <a14:hiddenFill xmlns:a14="http://schemas.microsoft.com/office/drawing/2010/main" xmlns="">
+              <a14:hiddenFill xmlns="" xmlns:a14="http://schemas.microsoft.com/office/drawing/2010/main">
                 <a:solidFill>
                   <a:srgbClr val="FFFFFF"/>
                 </a:solidFill>
               </a14:hiddenFill>
             </a:ext>
             <a:ext uri="{91240B29-F687-4f45-9708-019B960494DF}">
-              <a14:hiddenLine xmlns:a14="http://schemas.microsoft.com/office/drawing/2010/main" xmlns="" w="9525">
+              <a14:hiddenLine xmlns="" xmlns:a14="http://schemas.microsoft.com/office/drawing/2010/main" w="9525">
                 <a:solidFill>
                   <a:srgbClr val="000000"/>
                 </a:solidFill>
@@ -23460,14 +23460,14 @@
           <a:noFill/>
           <a:extLst>
             <a:ext uri="{909E8E84-426E-40dd-AFC4-6F175D3DCCD1}">
-              <a14:hiddenFill xmlns:a14="http://schemas.microsoft.com/office/drawing/2010/main" xmlns="">
+              <a14:hiddenFill xmlns="" xmlns:a14="http://schemas.microsoft.com/office/drawing/2010/main">
                 <a:solidFill>
                   <a:srgbClr val="FFFFFF"/>
                 </a:solidFill>
               </a14:hiddenFill>
             </a:ext>
             <a:ext uri="{91240B29-F687-4f45-9708-019B960494DF}">
-              <a14:hiddenLine xmlns:a14="http://schemas.microsoft.com/office/drawing/2010/main" xmlns="" w="9525">
+              <a14:hiddenLine xmlns="" xmlns:a14="http://schemas.microsoft.com/office/drawing/2010/main" w="9525">
                 <a:solidFill>
                   <a:srgbClr val="000000"/>
                 </a:solidFill>
@@ -23686,14 +23686,14 @@
           </a:ln>
           <a:extLst>
             <a:ext uri="{909E8E84-426E-40dd-AFC4-6F175D3DCCD1}">
-              <a14:hiddenFill xmlns:a14="http://schemas.microsoft.com/office/drawing/2010/main" xmlns="">
+              <a14:hiddenFill xmlns="" xmlns:a14="http://schemas.microsoft.com/office/drawing/2010/main">
                 <a:solidFill>
                   <a:srgbClr val="FFFFFF"/>
                 </a:solidFill>
               </a14:hiddenFill>
             </a:ext>
             <a:ext uri="{91240B29-F687-4f45-9708-019B960494DF}">
-              <a14:hiddenLine xmlns:a14="http://schemas.microsoft.com/office/drawing/2010/main" xmlns="" w="9525">
+              <a14:hiddenLine xmlns="" xmlns:a14="http://schemas.microsoft.com/office/drawing/2010/main" w="9525">
                 <a:solidFill>
                   <a:srgbClr val="000000"/>
                 </a:solidFill>
@@ -24227,14 +24227,14 @@
           </a:ln>
           <a:extLst>
             <a:ext uri="{909E8E84-426E-40dd-AFC4-6F175D3DCCD1}">
-              <a14:hiddenFill xmlns:a14="http://schemas.microsoft.com/office/drawing/2010/main" xmlns="">
+              <a14:hiddenFill xmlns="" xmlns:a14="http://schemas.microsoft.com/office/drawing/2010/main">
                 <a:solidFill>
                   <a:srgbClr val="FFFFFF"/>
                 </a:solidFill>
               </a14:hiddenFill>
             </a:ext>
             <a:ext uri="{91240B29-F687-4f45-9708-019B960494DF}">
-              <a14:hiddenLine xmlns:a14="http://schemas.microsoft.com/office/drawing/2010/main" xmlns="" w="9525">
+              <a14:hiddenLine xmlns="" xmlns:a14="http://schemas.microsoft.com/office/drawing/2010/main" w="9525">
                 <a:solidFill>
                   <a:srgbClr val="000000"/>
                 </a:solidFill>
@@ -24428,14 +24428,14 @@
           <a:noFill/>
           <a:extLst>
             <a:ext uri="{909E8E84-426E-40dd-AFC4-6F175D3DCCD1}">
-              <a14:hiddenFill xmlns:a14="http://schemas.microsoft.com/office/drawing/2010/main" xmlns="">
+              <a14:hiddenFill xmlns="" xmlns:a14="http://schemas.microsoft.com/office/drawing/2010/main">
                 <a:solidFill>
                   <a:srgbClr val="FFFFFF"/>
                 </a:solidFill>
               </a14:hiddenFill>
             </a:ext>
             <a:ext uri="{91240B29-F687-4f45-9708-019B960494DF}">
-              <a14:hiddenLine xmlns:a14="http://schemas.microsoft.com/office/drawing/2010/main" xmlns="" w="9525">
+              <a14:hiddenLine xmlns="" xmlns:a14="http://schemas.microsoft.com/office/drawing/2010/main" w="9525">
                 <a:solidFill>
                   <a:srgbClr val="000000"/>
                 </a:solidFill>
@@ -24654,14 +24654,14 @@
           </a:ln>
           <a:extLst>
             <a:ext uri="{909E8E84-426E-40dd-AFC4-6F175D3DCCD1}">
-              <a14:hiddenFill xmlns:a14="http://schemas.microsoft.com/office/drawing/2010/main" xmlns="">
+              <a14:hiddenFill xmlns="" xmlns:a14="http://schemas.microsoft.com/office/drawing/2010/main">
                 <a:solidFill>
                   <a:srgbClr val="FFFFFF"/>
                 </a:solidFill>
               </a14:hiddenFill>
             </a:ext>
             <a:ext uri="{91240B29-F687-4f45-9708-019B960494DF}">
-              <a14:hiddenLine xmlns:a14="http://schemas.microsoft.com/office/drawing/2010/main" xmlns="" w="9525">
+              <a14:hiddenLine xmlns="" xmlns:a14="http://schemas.microsoft.com/office/drawing/2010/main" w="9525">
                 <a:solidFill>
                   <a:srgbClr val="000000"/>
                 </a:solidFill>
@@ -25699,14 +25699,14 @@
           </a:ln>
           <a:extLst>
             <a:ext uri="{909E8E84-426E-40dd-AFC4-6F175D3DCCD1}">
-              <a14:hiddenFill xmlns:a14="http://schemas.microsoft.com/office/drawing/2010/main" xmlns="">
+              <a14:hiddenFill xmlns="" xmlns:a14="http://schemas.microsoft.com/office/drawing/2010/main">
                 <a:solidFill>
                   <a:srgbClr val="FFFFFF"/>
                 </a:solidFill>
               </a14:hiddenFill>
             </a:ext>
             <a:ext uri="{91240B29-F687-4f45-9708-019B960494DF}">
-              <a14:hiddenLine xmlns:a14="http://schemas.microsoft.com/office/drawing/2010/main" xmlns="" w="9525">
+              <a14:hiddenLine xmlns="" xmlns:a14="http://schemas.microsoft.com/office/drawing/2010/main" w="9525">
                 <a:solidFill>
                   <a:srgbClr val="000000"/>
                 </a:solidFill>
@@ -25900,14 +25900,14 @@
           <a:noFill/>
           <a:extLst>
             <a:ext uri="{909E8E84-426E-40dd-AFC4-6F175D3DCCD1}">
-              <a14:hiddenFill xmlns:a14="http://schemas.microsoft.com/office/drawing/2010/main" xmlns="">
+              <a14:hiddenFill xmlns="" xmlns:a14="http://schemas.microsoft.com/office/drawing/2010/main">
                 <a:solidFill>
                   <a:srgbClr val="FFFFFF"/>
                 </a:solidFill>
               </a14:hiddenFill>
             </a:ext>
             <a:ext uri="{91240B29-F687-4f45-9708-019B960494DF}">
-              <a14:hiddenLine xmlns:a14="http://schemas.microsoft.com/office/drawing/2010/main" xmlns="" w="9525">
+              <a14:hiddenLine xmlns="" xmlns:a14="http://schemas.microsoft.com/office/drawing/2010/main" w="9525">
                 <a:solidFill>
                   <a:srgbClr val="000000"/>
                 </a:solidFill>
@@ -26126,14 +26126,14 @@
           </a:ln>
           <a:extLst>
             <a:ext uri="{909E8E84-426E-40dd-AFC4-6F175D3DCCD1}">
-              <a14:hiddenFill xmlns:a14="http://schemas.microsoft.com/office/drawing/2010/main" xmlns="">
+              <a14:hiddenFill xmlns="" xmlns:a14="http://schemas.microsoft.com/office/drawing/2010/main">
                 <a:solidFill>
                   <a:srgbClr val="FFFFFF"/>
                 </a:solidFill>
               </a14:hiddenFill>
             </a:ext>
             <a:ext uri="{91240B29-F687-4f45-9708-019B960494DF}">
-              <a14:hiddenLine xmlns:a14="http://schemas.microsoft.com/office/drawing/2010/main" xmlns="" w="9525">
+              <a14:hiddenLine xmlns="" xmlns:a14="http://schemas.microsoft.com/office/drawing/2010/main" w="9525">
                 <a:solidFill>
                   <a:srgbClr val="000000"/>
                 </a:solidFill>
@@ -26667,14 +26667,14 @@
           </a:ln>
           <a:extLst>
             <a:ext uri="{909E8E84-426E-40dd-AFC4-6F175D3DCCD1}">
-              <a14:hiddenFill xmlns:a14="http://schemas.microsoft.com/office/drawing/2010/main" xmlns="">
+              <a14:hiddenFill xmlns="" xmlns:a14="http://schemas.microsoft.com/office/drawing/2010/main">
                 <a:solidFill>
                   <a:srgbClr val="FFFFFF"/>
                 </a:solidFill>
               </a14:hiddenFill>
             </a:ext>
             <a:ext uri="{91240B29-F687-4f45-9708-019B960494DF}">
-              <a14:hiddenLine xmlns:a14="http://schemas.microsoft.com/office/drawing/2010/main" xmlns="" w="9525">
+              <a14:hiddenLine xmlns="" xmlns:a14="http://schemas.microsoft.com/office/drawing/2010/main" w="9525">
                 <a:solidFill>
                   <a:srgbClr val="000000"/>
                 </a:solidFill>
@@ -26868,14 +26868,14 @@
           <a:noFill/>
           <a:extLst>
             <a:ext uri="{909E8E84-426E-40dd-AFC4-6F175D3DCCD1}">
-              <a14:hiddenFill xmlns:a14="http://schemas.microsoft.com/office/drawing/2010/main" xmlns="">
+              <a14:hiddenFill xmlns="" xmlns:a14="http://schemas.microsoft.com/office/drawing/2010/main">
                 <a:solidFill>
                   <a:srgbClr val="FFFFFF"/>
                 </a:solidFill>
               </a14:hiddenFill>
             </a:ext>
             <a:ext uri="{91240B29-F687-4f45-9708-019B960494DF}">
-              <a14:hiddenLine xmlns:a14="http://schemas.microsoft.com/office/drawing/2010/main" xmlns="" w="9525">
+              <a14:hiddenLine xmlns="" xmlns:a14="http://schemas.microsoft.com/office/drawing/2010/main" w="9525">
                 <a:solidFill>
                   <a:srgbClr val="000000"/>
                 </a:solidFill>
@@ -27094,14 +27094,14 @@
           </a:ln>
           <a:extLst>
             <a:ext uri="{909E8E84-426E-40dd-AFC4-6F175D3DCCD1}">
-              <a14:hiddenFill xmlns:a14="http://schemas.microsoft.com/office/drawing/2010/main" xmlns="">
+              <a14:hiddenFill xmlns="" xmlns:a14="http://schemas.microsoft.com/office/drawing/2010/main">
                 <a:solidFill>
                   <a:srgbClr val="FFFFFF"/>
                 </a:solidFill>
               </a14:hiddenFill>
             </a:ext>
             <a:ext uri="{91240B29-F687-4f45-9708-019B960494DF}">
-              <a14:hiddenLine xmlns:a14="http://schemas.microsoft.com/office/drawing/2010/main" xmlns="" w="9525">
+              <a14:hiddenLine xmlns="" xmlns:a14="http://schemas.microsoft.com/office/drawing/2010/main" w="9525">
                 <a:solidFill>
                   <a:srgbClr val="000000"/>
                 </a:solidFill>
@@ -28401,14 +28401,14 @@
           </a:ln>
           <a:extLst>
             <a:ext uri="{909E8E84-426E-40dd-AFC4-6F175D3DCCD1}">
-              <a14:hiddenFill xmlns:a14="http://schemas.microsoft.com/office/drawing/2010/main" xmlns="">
+              <a14:hiddenFill xmlns="" xmlns:a14="http://schemas.microsoft.com/office/drawing/2010/main">
                 <a:solidFill>
                   <a:srgbClr val="FFFFFF"/>
                 </a:solidFill>
               </a14:hiddenFill>
             </a:ext>
             <a:ext uri="{91240B29-F687-4f45-9708-019B960494DF}">
-              <a14:hiddenLine xmlns:a14="http://schemas.microsoft.com/office/drawing/2010/main" xmlns="" w="9525">
+              <a14:hiddenLine xmlns="" xmlns:a14="http://schemas.microsoft.com/office/drawing/2010/main" w="9525">
                 <a:solidFill>
                   <a:srgbClr val="000000"/>
                 </a:solidFill>
@@ -28602,14 +28602,14 @@
           <a:noFill/>
           <a:extLst>
             <a:ext uri="{909E8E84-426E-40dd-AFC4-6F175D3DCCD1}">
-              <a14:hiddenFill xmlns:a14="http://schemas.microsoft.com/office/drawing/2010/main" xmlns="">
+              <a14:hiddenFill xmlns="" xmlns:a14="http://schemas.microsoft.com/office/drawing/2010/main">
                 <a:solidFill>
                   <a:srgbClr val="FFFFFF"/>
                 </a:solidFill>
               </a14:hiddenFill>
             </a:ext>
             <a:ext uri="{91240B29-F687-4f45-9708-019B960494DF}">
-              <a14:hiddenLine xmlns:a14="http://schemas.microsoft.com/office/drawing/2010/main" xmlns="" w="9525">
+              <a14:hiddenLine xmlns="" xmlns:a14="http://schemas.microsoft.com/office/drawing/2010/main" w="9525">
                 <a:solidFill>
                   <a:srgbClr val="000000"/>
                 </a:solidFill>
@@ -28828,14 +28828,14 @@
           </a:ln>
           <a:extLst>
             <a:ext uri="{909E8E84-426E-40dd-AFC4-6F175D3DCCD1}">
-              <a14:hiddenFill xmlns:a14="http://schemas.microsoft.com/office/drawing/2010/main" xmlns="">
+              <a14:hiddenFill xmlns="" xmlns:a14="http://schemas.microsoft.com/office/drawing/2010/main">
                 <a:solidFill>
                   <a:srgbClr val="FFFFFF"/>
                 </a:solidFill>
               </a14:hiddenFill>
             </a:ext>
             <a:ext uri="{91240B29-F687-4f45-9708-019B960494DF}">
-              <a14:hiddenLine xmlns:a14="http://schemas.microsoft.com/office/drawing/2010/main" xmlns="" w="9525">
+              <a14:hiddenLine xmlns="" xmlns:a14="http://schemas.microsoft.com/office/drawing/2010/main" w="9525">
                 <a:solidFill>
                   <a:srgbClr val="000000"/>
                 </a:solidFill>
@@ -30141,14 +30141,14 @@
           </a:ln>
           <a:extLst>
             <a:ext uri="{909E8E84-426E-40dd-AFC4-6F175D3DCCD1}">
-              <a14:hiddenFill xmlns:a14="http://schemas.microsoft.com/office/drawing/2010/main" xmlns="">
+              <a14:hiddenFill xmlns="" xmlns:a14="http://schemas.microsoft.com/office/drawing/2010/main">
                 <a:solidFill>
                   <a:srgbClr val="FFFFFF"/>
                 </a:solidFill>
               </a14:hiddenFill>
             </a:ext>
             <a:ext uri="{91240B29-F687-4f45-9708-019B960494DF}">
-              <a14:hiddenLine xmlns:a14="http://schemas.microsoft.com/office/drawing/2010/main" xmlns="" w="9525">
+              <a14:hiddenLine xmlns="" xmlns:a14="http://schemas.microsoft.com/office/drawing/2010/main" w="9525">
                 <a:solidFill>
                   <a:srgbClr val="000000"/>
                 </a:solidFill>
@@ -30342,14 +30342,14 @@
           <a:noFill/>
           <a:extLst>
             <a:ext uri="{909E8E84-426E-40dd-AFC4-6F175D3DCCD1}">
-              <a14:hiddenFill xmlns:a14="http://schemas.microsoft.com/office/drawing/2010/main" xmlns="">
+              <a14:hiddenFill xmlns="" xmlns:a14="http://schemas.microsoft.com/office/drawing/2010/main">
                 <a:solidFill>
                   <a:srgbClr val="FFFFFF"/>
                 </a:solidFill>
               </a14:hiddenFill>
             </a:ext>
             <a:ext uri="{91240B29-F687-4f45-9708-019B960494DF}">
-              <a14:hiddenLine xmlns:a14="http://schemas.microsoft.com/office/drawing/2010/main" xmlns="" w="9525">
+              <a14:hiddenLine xmlns="" xmlns:a14="http://schemas.microsoft.com/office/drawing/2010/main" w="9525">
                 <a:solidFill>
                   <a:srgbClr val="000000"/>
                 </a:solidFill>
@@ -30568,14 +30568,14 @@
           </a:ln>
           <a:extLst>
             <a:ext uri="{909E8E84-426E-40dd-AFC4-6F175D3DCCD1}">
-              <a14:hiddenFill xmlns:a14="http://schemas.microsoft.com/office/drawing/2010/main" xmlns="">
+              <a14:hiddenFill xmlns="" xmlns:a14="http://schemas.microsoft.com/office/drawing/2010/main">
                 <a:solidFill>
                   <a:srgbClr val="FFFFFF"/>
                 </a:solidFill>
               </a14:hiddenFill>
             </a:ext>
             <a:ext uri="{91240B29-F687-4f45-9708-019B960494DF}">
-              <a14:hiddenLine xmlns:a14="http://schemas.microsoft.com/office/drawing/2010/main" xmlns="" w="9525">
+              <a14:hiddenLine xmlns="" xmlns:a14="http://schemas.microsoft.com/office/drawing/2010/main" w="9525">
                 <a:solidFill>
                   <a:srgbClr val="000000"/>
                 </a:solidFill>
@@ -31239,14 +31239,14 @@
           </a:ln>
           <a:extLst>
             <a:ext uri="{909E8E84-426E-40dd-AFC4-6F175D3DCCD1}">
-              <a14:hiddenFill xmlns:a14="http://schemas.microsoft.com/office/drawing/2010/main" xmlns="">
+              <a14:hiddenFill xmlns="" xmlns:a14="http://schemas.microsoft.com/office/drawing/2010/main">
                 <a:solidFill>
                   <a:srgbClr val="FFFFFF"/>
                 </a:solidFill>
               </a14:hiddenFill>
             </a:ext>
             <a:ext uri="{91240B29-F687-4f45-9708-019B960494DF}">
-              <a14:hiddenLine xmlns:a14="http://schemas.microsoft.com/office/drawing/2010/main" xmlns="" w="9525">
+              <a14:hiddenLine xmlns="" xmlns:a14="http://schemas.microsoft.com/office/drawing/2010/main" w="9525">
                 <a:solidFill>
                   <a:srgbClr val="000000"/>
                 </a:solidFill>
@@ -31440,14 +31440,14 @@
           <a:noFill/>
           <a:extLst>
             <a:ext uri="{909E8E84-426E-40dd-AFC4-6F175D3DCCD1}">
-              <a14:hiddenFill xmlns:a14="http://schemas.microsoft.com/office/drawing/2010/main" xmlns="">
+              <a14:hiddenFill xmlns="" xmlns:a14="http://schemas.microsoft.com/office/drawing/2010/main">
                 <a:solidFill>
                   <a:srgbClr val="FFFFFF"/>
                 </a:solidFill>
               </a14:hiddenFill>
             </a:ext>
             <a:ext uri="{91240B29-F687-4f45-9708-019B960494DF}">
-              <a14:hiddenLine xmlns:a14="http://schemas.microsoft.com/office/drawing/2010/main" xmlns="" w="9525">
+              <a14:hiddenLine xmlns="" xmlns:a14="http://schemas.microsoft.com/office/drawing/2010/main" w="9525">
                 <a:solidFill>
                   <a:srgbClr val="000000"/>
                 </a:solidFill>
@@ -31666,14 +31666,14 @@
           </a:ln>
           <a:extLst>
             <a:ext uri="{909E8E84-426E-40dd-AFC4-6F175D3DCCD1}">
-              <a14:hiddenFill xmlns:a14="http://schemas.microsoft.com/office/drawing/2010/main" xmlns="">
+              <a14:hiddenFill xmlns="" xmlns:a14="http://schemas.microsoft.com/office/drawing/2010/main">
                 <a:solidFill>
                   <a:srgbClr val="FFFFFF"/>
                 </a:solidFill>
               </a14:hiddenFill>
             </a:ext>
             <a:ext uri="{91240B29-F687-4f45-9708-019B960494DF}">
-              <a14:hiddenLine xmlns:a14="http://schemas.microsoft.com/office/drawing/2010/main" xmlns="" w="9525">
+              <a14:hiddenLine xmlns="" xmlns:a14="http://schemas.microsoft.com/office/drawing/2010/main" w="9525">
                 <a:solidFill>
                   <a:srgbClr val="000000"/>
                 </a:solidFill>
@@ -31685,8 +31685,8 @@
           </a:extLst>
         </p:spPr>
       </p:pic>
-      <mc:AlternateContent xmlns:mc="http://schemas.openxmlformats.org/markup-compatibility/2006">
-        <mc:Choice xmlns:a14="http://schemas.microsoft.com/office/drawing/2010/main" Requires="a14">
+      <mc:AlternateContent xmlns:mc="http://schemas.openxmlformats.org/markup-compatibility/2006" xmlns:a14="http://schemas.microsoft.com/office/drawing/2010/main">
+        <mc:Choice Requires="a14">
           <p:sp>
             <p:nvSpPr>
               <p:cNvPr id="22" name="Subtitle 2">
@@ -33821,7 +33821,7 @@
             </p:txBody>
           </p:sp>
         </mc:Choice>
-        <mc:Fallback>
+        <mc:Fallback xmlns="">
           <p:sp>
             <p:nvSpPr>
               <p:cNvPr id="22" name="Subtitle 2">
@@ -33970,14 +33970,14 @@
           </a:ln>
           <a:extLst>
             <a:ext uri="{909E8E84-426E-40dd-AFC4-6F175D3DCCD1}">
-              <a14:hiddenFill xmlns:a14="http://schemas.microsoft.com/office/drawing/2010/main" xmlns="">
+              <a14:hiddenFill xmlns="" xmlns:a14="http://schemas.microsoft.com/office/drawing/2010/main">
                 <a:solidFill>
                   <a:srgbClr val="FFFFFF"/>
                 </a:solidFill>
               </a14:hiddenFill>
             </a:ext>
             <a:ext uri="{91240B29-F687-4f45-9708-019B960494DF}">
-              <a14:hiddenLine xmlns:a14="http://schemas.microsoft.com/office/drawing/2010/main" xmlns="" w="9525">
+              <a14:hiddenLine xmlns="" xmlns:a14="http://schemas.microsoft.com/office/drawing/2010/main" w="9525">
                 <a:solidFill>
                   <a:srgbClr val="000000"/>
                 </a:solidFill>
@@ -34171,14 +34171,14 @@
           <a:noFill/>
           <a:extLst>
             <a:ext uri="{909E8E84-426E-40dd-AFC4-6F175D3DCCD1}">
-              <a14:hiddenFill xmlns:a14="http://schemas.microsoft.com/office/drawing/2010/main" xmlns="">
+              <a14:hiddenFill xmlns="" xmlns:a14="http://schemas.microsoft.com/office/drawing/2010/main">
                 <a:solidFill>
                   <a:srgbClr val="FFFFFF"/>
                 </a:solidFill>
               </a14:hiddenFill>
             </a:ext>
             <a:ext uri="{91240B29-F687-4f45-9708-019B960494DF}">
-              <a14:hiddenLine xmlns:a14="http://schemas.microsoft.com/office/drawing/2010/main" xmlns="" w="9525">
+              <a14:hiddenLine xmlns="" xmlns:a14="http://schemas.microsoft.com/office/drawing/2010/main" w="9525">
                 <a:solidFill>
                   <a:srgbClr val="000000"/>
                 </a:solidFill>
@@ -34397,14 +34397,14 @@
           </a:ln>
           <a:extLst>
             <a:ext uri="{909E8E84-426E-40dd-AFC4-6F175D3DCCD1}">
-              <a14:hiddenFill xmlns:a14="http://schemas.microsoft.com/office/drawing/2010/main" xmlns="">
+              <a14:hiddenFill xmlns="" xmlns:a14="http://schemas.microsoft.com/office/drawing/2010/main">
                 <a:solidFill>
                   <a:srgbClr val="FFFFFF"/>
                 </a:solidFill>
               </a14:hiddenFill>
             </a:ext>
             <a:ext uri="{91240B29-F687-4f45-9708-019B960494DF}">
-              <a14:hiddenLine xmlns:a14="http://schemas.microsoft.com/office/drawing/2010/main" xmlns="" w="9525">
+              <a14:hiddenLine xmlns="" xmlns:a14="http://schemas.microsoft.com/office/drawing/2010/main" w="9525">
                 <a:solidFill>
                   <a:srgbClr val="000000"/>
                 </a:solidFill>
@@ -36645,14 +36645,14 @@
           </a:ln>
           <a:extLst>
             <a:ext uri="{909E8E84-426E-40dd-AFC4-6F175D3DCCD1}">
-              <a14:hiddenFill xmlns:a14="http://schemas.microsoft.com/office/drawing/2010/main" xmlns="">
+              <a14:hiddenFill xmlns="" xmlns:a14="http://schemas.microsoft.com/office/drawing/2010/main">
                 <a:solidFill>
                   <a:srgbClr val="FFFFFF"/>
                 </a:solidFill>
               </a14:hiddenFill>
             </a:ext>
             <a:ext uri="{91240B29-F687-4f45-9708-019B960494DF}">
-              <a14:hiddenLine xmlns:a14="http://schemas.microsoft.com/office/drawing/2010/main" xmlns="" w="9525">
+              <a14:hiddenLine xmlns="" xmlns:a14="http://schemas.microsoft.com/office/drawing/2010/main" w="9525">
                 <a:solidFill>
                   <a:srgbClr val="000000"/>
                 </a:solidFill>
@@ -36846,14 +36846,14 @@
           <a:noFill/>
           <a:extLst>
             <a:ext uri="{909E8E84-426E-40dd-AFC4-6F175D3DCCD1}">
-              <a14:hiddenFill xmlns:a14="http://schemas.microsoft.com/office/drawing/2010/main" xmlns="">
+              <a14:hiddenFill xmlns="" xmlns:a14="http://schemas.microsoft.com/office/drawing/2010/main">
                 <a:solidFill>
                   <a:srgbClr val="FFFFFF"/>
                 </a:solidFill>
               </a14:hiddenFill>
             </a:ext>
             <a:ext uri="{91240B29-F687-4f45-9708-019B960494DF}">
-              <a14:hiddenLine xmlns:a14="http://schemas.microsoft.com/office/drawing/2010/main" xmlns="" w="9525">
+              <a14:hiddenLine xmlns="" xmlns:a14="http://schemas.microsoft.com/office/drawing/2010/main" w="9525">
                 <a:solidFill>
                   <a:srgbClr val="000000"/>
                 </a:solidFill>
@@ -37072,14 +37072,14 @@
           </a:ln>
           <a:extLst>
             <a:ext uri="{909E8E84-426E-40dd-AFC4-6F175D3DCCD1}">
-              <a14:hiddenFill xmlns:a14="http://schemas.microsoft.com/office/drawing/2010/main" xmlns="">
+              <a14:hiddenFill xmlns="" xmlns:a14="http://schemas.microsoft.com/office/drawing/2010/main">
                 <a:solidFill>
                   <a:srgbClr val="FFFFFF"/>
                 </a:solidFill>
               </a14:hiddenFill>
             </a:ext>
             <a:ext uri="{91240B29-F687-4f45-9708-019B960494DF}">
-              <a14:hiddenLine xmlns:a14="http://schemas.microsoft.com/office/drawing/2010/main" xmlns="" w="9525">
+              <a14:hiddenLine xmlns="" xmlns:a14="http://schemas.microsoft.com/office/drawing/2010/main" w="9525">
                 <a:solidFill>
                   <a:srgbClr val="000000"/>
                 </a:solidFill>
@@ -40403,14 +40403,14 @@
           </a:ln>
           <a:extLst>
             <a:ext uri="{909E8E84-426E-40dd-AFC4-6F175D3DCCD1}">
-              <a14:hiddenFill xmlns:a14="http://schemas.microsoft.com/office/drawing/2010/main" xmlns="">
+              <a14:hiddenFill xmlns="" xmlns:a14="http://schemas.microsoft.com/office/drawing/2010/main">
                 <a:solidFill>
                   <a:srgbClr val="FFFFFF"/>
                 </a:solidFill>
               </a14:hiddenFill>
             </a:ext>
             <a:ext uri="{91240B29-F687-4f45-9708-019B960494DF}">
-              <a14:hiddenLine xmlns:a14="http://schemas.microsoft.com/office/drawing/2010/main" xmlns="" w="9525">
+              <a14:hiddenLine xmlns="" xmlns:a14="http://schemas.microsoft.com/office/drawing/2010/main" w="9525">
                 <a:solidFill>
                   <a:srgbClr val="000000"/>
                 </a:solidFill>
@@ -40604,14 +40604,14 @@
           <a:noFill/>
           <a:extLst>
             <a:ext uri="{909E8E84-426E-40dd-AFC4-6F175D3DCCD1}">
-              <a14:hiddenFill xmlns:a14="http://schemas.microsoft.com/office/drawing/2010/main" xmlns="">
+              <a14:hiddenFill xmlns="" xmlns:a14="http://schemas.microsoft.com/office/drawing/2010/main">
                 <a:solidFill>
                   <a:srgbClr val="FFFFFF"/>
                 </a:solidFill>
               </a14:hiddenFill>
             </a:ext>
             <a:ext uri="{91240B29-F687-4f45-9708-019B960494DF}">
-              <a14:hiddenLine xmlns:a14="http://schemas.microsoft.com/office/drawing/2010/main" xmlns="" w="9525">
+              <a14:hiddenLine xmlns="" xmlns:a14="http://schemas.microsoft.com/office/drawing/2010/main" w="9525">
                 <a:solidFill>
                   <a:srgbClr val="000000"/>
                 </a:solidFill>
@@ -40830,14 +40830,14 @@
           </a:ln>
           <a:extLst>
             <a:ext uri="{909E8E84-426E-40dd-AFC4-6F175D3DCCD1}">
-              <a14:hiddenFill xmlns:a14="http://schemas.microsoft.com/office/drawing/2010/main" xmlns="">
+              <a14:hiddenFill xmlns="" xmlns:a14="http://schemas.microsoft.com/office/drawing/2010/main">
                 <a:solidFill>
                   <a:srgbClr val="FFFFFF"/>
                 </a:solidFill>
               </a14:hiddenFill>
             </a:ext>
             <a:ext uri="{91240B29-F687-4f45-9708-019B960494DF}">
-              <a14:hiddenLine xmlns:a14="http://schemas.microsoft.com/office/drawing/2010/main" xmlns="" w="9525">
+              <a14:hiddenLine xmlns="" xmlns:a14="http://schemas.microsoft.com/office/drawing/2010/main" w="9525">
                 <a:solidFill>
                   <a:srgbClr val="000000"/>
                 </a:solidFill>

--- a/分布式计算/课件/02. 基本模型与进程间通信.pptx
+++ b/分布式计算/课件/02. 基本模型与进程间通信.pptx
@@ -291,7 +291,7 @@
               <a:pPr>
                 <a:defRPr/>
               </a:pPr>
-              <a:t>2019/3/10</a:t>
+              <a:t>2019/3/20</a:t>
             </a:fld>
             <a:endParaRPr lang="zh-CN" altLang="en-US"/>
           </a:p>
@@ -509,7 +509,7 @@
               <a:pPr>
                 <a:defRPr/>
               </a:pPr>
-              <a:t>2019/3/10</a:t>
+              <a:t>2019/3/20</a:t>
             </a:fld>
             <a:endParaRPr lang="zh-CN" altLang="en-US"/>
           </a:p>
@@ -13647,7 +13647,7 @@
                 <a:r>
                   <a:rPr lang="zh-CN" altLang="en-US" kern="0" dirty="0">
                     <a:solidFill>
-                      <a:srgbClr val="003366"/>
+                      <a:srgbClr val="FF0000"/>
                     </a:solidFill>
                     <a:ea typeface="仿宋" panose="02010609060101010101" pitchFamily="49" charset="-122"/>
                   </a:rPr>
@@ -13656,7 +13656,7 @@
                 <a:r>
                   <a:rPr lang="en-US" altLang="zh-CN" kern="0" dirty="0">
                     <a:solidFill>
-                      <a:srgbClr val="003366"/>
+                      <a:srgbClr val="FF0000"/>
                     </a:solidFill>
                     <a:ea typeface="仿宋" panose="02010609060101010101" pitchFamily="49" charset="-122"/>
                   </a:rPr>
@@ -13665,7 +13665,7 @@
                 <a:r>
                   <a:rPr lang="zh-CN" altLang="en-US" kern="0" dirty="0">
                     <a:solidFill>
-                      <a:srgbClr val="003366"/>
+                      <a:srgbClr val="FF0000"/>
                     </a:solidFill>
                     <a:ea typeface="仿宋" panose="02010609060101010101" pitchFamily="49" charset="-122"/>
                   </a:rPr>
@@ -13674,7 +13674,7 @@
                 <a:r>
                   <a:rPr lang="en-US" altLang="zh-CN" kern="0" dirty="0">
                     <a:solidFill>
-                      <a:srgbClr val="003366"/>
+                      <a:srgbClr val="FF0000"/>
                     </a:solidFill>
                     <a:ea typeface="仿宋" panose="02010609060101010101" pitchFamily="49" charset="-122"/>
                   </a:rPr>
@@ -13683,7 +13683,7 @@
                 <a:r>
                   <a:rPr lang="zh-CN" altLang="en-US" kern="0" dirty="0">
                     <a:solidFill>
-                      <a:srgbClr val="003366"/>
+                      <a:srgbClr val="FF0000"/>
                     </a:solidFill>
                     <a:ea typeface="仿宋" panose="02010609060101010101" pitchFamily="49" charset="-122"/>
                   </a:rPr>
@@ -13691,7 +13691,67 @@
                 </a:r>
                 <a:endParaRPr lang="en-US" altLang="zh-CN" kern="0" dirty="0">
                   <a:solidFill>
-                    <a:srgbClr val="003366"/>
+                    <a:srgbClr val="FF0000"/>
+                  </a:solidFill>
+                  <a:ea typeface="仿宋" panose="02010609060101010101" pitchFamily="49" charset="-122"/>
+                </a:endParaRPr>
+              </a:p>
+              <a:p>
+                <a:pPr lvl="2" eaLnBrk="1" hangingPunct="1">
+                  <a:buClr>
+                    <a:srgbClr val="006666"/>
+                  </a:buClr>
+                  <a:buFont typeface="Wingdings" panose="05000000000000000000" pitchFamily="2" charset="2"/>
+                  <a:buChar char="u"/>
+                </a:pPr>
+                <a:r>
+                  <a:rPr lang="zh-CN" altLang="en-US" kern="0" dirty="0">
+                    <a:solidFill>
+                      <a:srgbClr val="FF0000"/>
+                    </a:solidFill>
+                    <a:ea typeface="仿宋" panose="02010609060101010101" pitchFamily="49" charset="-122"/>
+                  </a:rPr>
+                  <a:t>为什么发送操作在</a:t>
+                </a:r>
+                <a:r>
+                  <a:rPr lang="en-US" altLang="zh-CN" kern="0" dirty="0">
+                    <a:solidFill>
+                      <a:srgbClr val="FF0000"/>
+                    </a:solidFill>
+                    <a:ea typeface="仿宋" panose="02010609060101010101" pitchFamily="49" charset="-122"/>
+                  </a:rPr>
+                  <a:t>PAST</a:t>
+                </a:r>
+                <a:r>
+                  <a:rPr lang="zh-CN" altLang="en-US" kern="0" dirty="0">
+                    <a:solidFill>
+                      <a:srgbClr val="FF0000"/>
+                    </a:solidFill>
+                    <a:ea typeface="仿宋" panose="02010609060101010101" pitchFamily="49" charset="-122"/>
+                  </a:rPr>
+                  <a:t>、接收操作在</a:t>
+                </a:r>
+                <a:r>
+                  <a:rPr lang="en-US" altLang="zh-CN" kern="0" dirty="0">
+                    <a:solidFill>
+                      <a:srgbClr val="FF0000"/>
+                    </a:solidFill>
+                    <a:ea typeface="仿宋" panose="02010609060101010101" pitchFamily="49" charset="-122"/>
+                  </a:rPr>
+                  <a:t>FUTURE</a:t>
+                </a:r>
+                <a:r>
+                  <a:rPr lang="zh-CN" altLang="en-US" kern="0" dirty="0">
+                    <a:solidFill>
+                      <a:srgbClr val="FF0000"/>
+                    </a:solidFill>
+                    <a:ea typeface="仿宋" panose="02010609060101010101" pitchFamily="49" charset="-122"/>
+                  </a:rPr>
+                  <a:t>的情况不加以考虑？</a:t>
+                </a:r>
+                <a:endParaRPr lang="en-US" altLang="zh-CN" kern="0" dirty="0">
+                  <a:solidFill>
+                    <a:srgbClr val="FF0000"/>
                   </a:solidFill>
                   <a:ea typeface="仿宋" panose="02010609060101010101" pitchFamily="49" charset="-122"/>
                 </a:endParaRPr>
@@ -13853,7 +13913,7 @@
               <a:blipFill>
                 <a:blip r:embed="rId4"/>
                 <a:stretch>
-                  <a:fillRect l="-602" t="-2227" r="-469" b="-18016"/>
+                  <a:fillRect l="-602" t="-2227" r="-469" b="-30162"/>
                 </a:stretch>
               </a:blipFill>
               <a:ln>
@@ -32732,7 +32792,7 @@
                 <a:r>
                   <a:rPr lang="zh-CN" altLang="en-US" kern="0" dirty="0">
                     <a:solidFill>
-                      <a:srgbClr val="003366"/>
+                      <a:srgbClr val="FF0000"/>
                     </a:solidFill>
                     <a:latin typeface="仿宋" panose="02010609060101010101" pitchFamily="49" charset="-122"/>
                     <a:ea typeface="仿宋" panose="02010609060101010101" pitchFamily="49" charset="-122"/>
@@ -32746,7 +32806,7 @@
                         <m:ctrlPr>
                           <a:rPr lang="en-US" altLang="zh-CN" i="1" kern="0" dirty="0">
                             <a:solidFill>
-                              <a:srgbClr val="003366"/>
+                              <a:srgbClr val="FF0000"/>
                             </a:solidFill>
                             <a:latin typeface="Cambria Math" panose="02040503050406030204" pitchFamily="18" charset="0"/>
                             <a:ea typeface="仿宋" panose="02010609060101010101" pitchFamily="49" charset="-122"/>
@@ -32757,7 +32817,7 @@
                         <m:r>
                           <a:rPr lang="en-US" altLang="zh-CN" i="1" kern="0" dirty="0">
                             <a:solidFill>
-                              <a:srgbClr val="003366"/>
+                              <a:srgbClr val="FF0000"/>
                             </a:solidFill>
                             <a:latin typeface="Cambria Math" panose="02040503050406030204" pitchFamily="18" charset="0"/>
                             <a:ea typeface="仿宋" panose="02010609060101010101" pitchFamily="49" charset="-122"/>
@@ -32769,7 +32829,7 @@
                         <m:r>
                           <a:rPr lang="en-US" altLang="zh-CN" i="1" kern="0" dirty="0">
                             <a:solidFill>
-                              <a:srgbClr val="003366"/>
+                              <a:srgbClr val="FF0000"/>
                             </a:solidFill>
                             <a:latin typeface="Cambria Math" panose="02040503050406030204" pitchFamily="18" charset="0"/>
                             <a:ea typeface="仿宋" panose="02010609060101010101" pitchFamily="49" charset="-122"/>
@@ -32781,7 +32841,7 @@
                         <m:r>
                           <a:rPr lang="en-US" altLang="zh-CN" i="1" kern="0" dirty="0">
                             <a:solidFill>
-                              <a:srgbClr val="003366"/>
+                              <a:srgbClr val="FF0000"/>
                             </a:solidFill>
                             <a:latin typeface="Cambria Math" panose="02040503050406030204" pitchFamily="18" charset="0"/>
                             <a:ea typeface="仿宋" panose="02010609060101010101" pitchFamily="49" charset="-122"/>
@@ -32793,7 +32853,7 @@
                     <m:r>
                       <a:rPr lang="en-US" altLang="zh-CN" i="1" kern="0" dirty="0">
                         <a:solidFill>
-                          <a:srgbClr val="003366"/>
+                          <a:srgbClr val="FF0000"/>
                         </a:solidFill>
                         <a:latin typeface="Cambria Math" panose="02040503050406030204" pitchFamily="18" charset="0"/>
                         <a:ea typeface="Cambria Math" panose="02040503050406030204" pitchFamily="18" charset="0"/>
@@ -32805,7 +32865,7 @@
                         <m:ctrlPr>
                           <a:rPr lang="en-US" altLang="zh-CN" i="1" kern="0" dirty="0">
                             <a:solidFill>
-                              <a:srgbClr val="003366"/>
+                              <a:srgbClr val="FF0000"/>
                             </a:solidFill>
                             <a:latin typeface="Cambria Math" panose="02040503050406030204" pitchFamily="18" charset="0"/>
                             <a:ea typeface="仿宋" panose="02010609060101010101" pitchFamily="49" charset="-122"/>
@@ -32816,7 +32876,7 @@
                         <m:r>
                           <a:rPr lang="en-US" altLang="zh-CN" i="1" kern="0" dirty="0">
                             <a:solidFill>
-                              <a:srgbClr val="003366"/>
+                              <a:srgbClr val="FF0000"/>
                             </a:solidFill>
                             <a:latin typeface="Cambria Math" panose="02040503050406030204" pitchFamily="18" charset="0"/>
                             <a:ea typeface="仿宋" panose="02010609060101010101" pitchFamily="49" charset="-122"/>
@@ -32828,7 +32888,7 @@
                         <m:r>
                           <a:rPr lang="en-US" altLang="zh-CN" i="1" kern="0" dirty="0">
                             <a:solidFill>
-                              <a:srgbClr val="003366"/>
+                              <a:srgbClr val="FF0000"/>
                             </a:solidFill>
                             <a:latin typeface="Cambria Math" panose="02040503050406030204" pitchFamily="18" charset="0"/>
                             <a:ea typeface="仿宋" panose="02010609060101010101" pitchFamily="49" charset="-122"/>
@@ -32840,7 +32900,7 @@
                         <m:r>
                           <a:rPr lang="en-US" altLang="zh-CN" i="1" kern="0" dirty="0">
                             <a:solidFill>
-                              <a:srgbClr val="003366"/>
+                              <a:srgbClr val="FF0000"/>
                             </a:solidFill>
                             <a:latin typeface="Cambria Math" panose="02040503050406030204" pitchFamily="18" charset="0"/>
                             <a:ea typeface="仿宋" panose="02010609060101010101" pitchFamily="49" charset="-122"/>
@@ -32852,7 +32912,7 @@
                     <m:r>
                       <a:rPr lang="en-US" altLang="zh-CN" i="1" kern="0" dirty="0">
                         <a:solidFill>
-                          <a:srgbClr val="003366"/>
+                          <a:srgbClr val="FF0000"/>
                         </a:solidFill>
                         <a:latin typeface="Cambria Math" panose="02040503050406030204" pitchFamily="18" charset="0"/>
                         <a:ea typeface="仿宋" panose="02010609060101010101" pitchFamily="49" charset="-122"/>
@@ -32864,7 +32924,7 @@
                 <a:r>
                   <a:rPr lang="zh-CN" altLang="en-US" kern="0" dirty="0">
                     <a:solidFill>
-                      <a:srgbClr val="003366"/>
+                      <a:srgbClr val="FF0000"/>
                     </a:solidFill>
                     <a:latin typeface="仿宋" panose="02010609060101010101" pitchFamily="49" charset="-122"/>
                     <a:ea typeface="仿宋" panose="02010609060101010101" pitchFamily="49" charset="-122"/>
@@ -32878,7 +32938,7 @@
                         <m:ctrlPr>
                           <a:rPr lang="en-US" altLang="zh-CN" i="1" kern="0" dirty="0">
                             <a:solidFill>
-                              <a:srgbClr val="003366"/>
+                              <a:srgbClr val="FF0000"/>
                             </a:solidFill>
                             <a:latin typeface="Cambria Math" panose="02040503050406030204" pitchFamily="18" charset="0"/>
                             <a:ea typeface="仿宋" panose="02010609060101010101" pitchFamily="49" charset="-122"/>
@@ -32889,7 +32949,7 @@
                         <m:r>
                           <a:rPr lang="en-US" altLang="zh-CN" i="1" kern="0" dirty="0">
                             <a:solidFill>
-                              <a:srgbClr val="003366"/>
+                              <a:srgbClr val="FF0000"/>
                             </a:solidFill>
                             <a:latin typeface="Cambria Math" panose="02040503050406030204" pitchFamily="18" charset="0"/>
                             <a:ea typeface="仿宋" panose="02010609060101010101" pitchFamily="49" charset="-122"/>
@@ -32901,7 +32961,7 @@
                         <m:r>
                           <a:rPr lang="en-US" altLang="zh-CN" i="1" kern="0" dirty="0">
                             <a:solidFill>
-                              <a:srgbClr val="003366"/>
+                              <a:srgbClr val="FF0000"/>
                             </a:solidFill>
                             <a:latin typeface="Cambria Math" panose="02040503050406030204" pitchFamily="18" charset="0"/>
                             <a:ea typeface="仿宋" panose="02010609060101010101" pitchFamily="49" charset="-122"/>
@@ -32913,7 +32973,7 @@
                         <m:r>
                           <a:rPr lang="en-US" altLang="zh-CN" i="1" kern="0" dirty="0">
                             <a:solidFill>
-                              <a:srgbClr val="003366"/>
+                              <a:srgbClr val="FF0000"/>
                             </a:solidFill>
                             <a:latin typeface="Cambria Math" panose="02040503050406030204" pitchFamily="18" charset="0"/>
                             <a:ea typeface="仿宋" panose="02010609060101010101" pitchFamily="49" charset="-122"/>
@@ -32925,7 +32985,7 @@
                     <m:r>
                       <a:rPr lang="en-US" altLang="zh-CN" i="1" kern="0" dirty="0">
                         <a:solidFill>
-                          <a:srgbClr val="003366"/>
+                          <a:srgbClr val="FF0000"/>
                         </a:solidFill>
                         <a:latin typeface="Cambria Math" panose="02040503050406030204" pitchFamily="18" charset="0"/>
                         <a:ea typeface="Cambria Math" panose="02040503050406030204" pitchFamily="18" charset="0"/>
@@ -32937,7 +32997,7 @@
                         <m:ctrlPr>
                           <a:rPr lang="en-US" altLang="zh-CN" i="1" kern="0" dirty="0">
                             <a:solidFill>
-                              <a:srgbClr val="003366"/>
+                              <a:srgbClr val="FF0000"/>
                             </a:solidFill>
                             <a:latin typeface="Cambria Math" panose="02040503050406030204" pitchFamily="18" charset="0"/>
                             <a:ea typeface="仿宋" panose="02010609060101010101" pitchFamily="49" charset="-122"/>
@@ -32948,7 +33008,7 @@
                         <m:r>
                           <a:rPr lang="en-US" altLang="zh-CN" i="1" kern="0" dirty="0">
                             <a:solidFill>
-                              <a:srgbClr val="003366"/>
+                              <a:srgbClr val="FF0000"/>
                             </a:solidFill>
                             <a:latin typeface="Cambria Math" panose="02040503050406030204" pitchFamily="18" charset="0"/>
                             <a:ea typeface="仿宋" panose="02010609060101010101" pitchFamily="49" charset="-122"/>
@@ -32960,7 +33020,7 @@
                         <m:r>
                           <a:rPr lang="en-US" altLang="zh-CN" i="1" kern="0" dirty="0">
                             <a:solidFill>
-                              <a:srgbClr val="003366"/>
+                              <a:srgbClr val="FF0000"/>
                             </a:solidFill>
                             <a:latin typeface="Cambria Math" panose="02040503050406030204" pitchFamily="18" charset="0"/>
                             <a:ea typeface="仿宋" panose="02010609060101010101" pitchFamily="49" charset="-122"/>
@@ -32972,7 +33032,7 @@
                         <m:r>
                           <a:rPr lang="en-US" altLang="zh-CN" i="1" kern="0" dirty="0">
                             <a:solidFill>
-                              <a:srgbClr val="003366"/>
+                              <a:srgbClr val="FF0000"/>
                             </a:solidFill>
                             <a:latin typeface="Cambria Math" panose="02040503050406030204" pitchFamily="18" charset="0"/>
                             <a:ea typeface="仿宋" panose="02010609060101010101" pitchFamily="49" charset="-122"/>
@@ -32984,7 +33044,7 @@
                     <m:r>
                       <a:rPr lang="en-US" altLang="zh-CN" i="1" kern="0" dirty="0">
                         <a:solidFill>
-                          <a:srgbClr val="003366"/>
+                          <a:srgbClr val="FF0000"/>
                         </a:solidFill>
                         <a:latin typeface="Cambria Math" panose="02040503050406030204" pitchFamily="18" charset="0"/>
                         <a:ea typeface="仿宋" panose="02010609060101010101" pitchFamily="49" charset="-122"/>
@@ -32996,7 +33056,7 @@
                 <a:r>
                   <a:rPr lang="zh-CN" altLang="en-US" kern="0" dirty="0">
                     <a:solidFill>
-                      <a:srgbClr val="003366"/>
+                      <a:srgbClr val="FF0000"/>
                     </a:solidFill>
                     <a:latin typeface="仿宋" panose="02010609060101010101" pitchFamily="49" charset="-122"/>
                     <a:ea typeface="仿宋" panose="02010609060101010101" pitchFamily="49" charset="-122"/>
@@ -33010,7 +33070,7 @@
                         <m:ctrlPr>
                           <a:rPr lang="en-US" altLang="zh-CN" i="1" kern="0" dirty="0">
                             <a:solidFill>
-                              <a:srgbClr val="003366"/>
+                              <a:srgbClr val="FF0000"/>
                             </a:solidFill>
                             <a:latin typeface="Cambria Math" panose="02040503050406030204" pitchFamily="18" charset="0"/>
                             <a:ea typeface="仿宋" panose="02010609060101010101" pitchFamily="49" charset="-122"/>
@@ -33021,7 +33081,7 @@
                         <m:r>
                           <a:rPr lang="en-US" altLang="zh-CN" i="1" kern="0" dirty="0">
                             <a:solidFill>
-                              <a:srgbClr val="003366"/>
+                              <a:srgbClr val="FF0000"/>
                             </a:solidFill>
                             <a:latin typeface="Cambria Math" panose="02040503050406030204" pitchFamily="18" charset="0"/>
                             <a:ea typeface="仿宋" panose="02010609060101010101" pitchFamily="49" charset="-122"/>
@@ -33033,7 +33093,7 @@
                         <m:r>
                           <a:rPr lang="en-US" altLang="zh-CN" i="1" kern="0" dirty="0">
                             <a:solidFill>
-                              <a:srgbClr val="003366"/>
+                              <a:srgbClr val="FF0000"/>
                             </a:solidFill>
                             <a:latin typeface="Cambria Math" panose="02040503050406030204" pitchFamily="18" charset="0"/>
                             <a:ea typeface="仿宋" panose="02010609060101010101" pitchFamily="49" charset="-122"/>
@@ -33045,7 +33105,7 @@
                         <m:r>
                           <a:rPr lang="en-US" altLang="zh-CN" i="1" kern="0" dirty="0">
                             <a:solidFill>
-                              <a:srgbClr val="003366"/>
+                              <a:srgbClr val="FF0000"/>
                             </a:solidFill>
                             <a:latin typeface="Cambria Math" panose="02040503050406030204" pitchFamily="18" charset="0"/>
                             <a:ea typeface="仿宋" panose="02010609060101010101" pitchFamily="49" charset="-122"/>
@@ -33057,7 +33117,7 @@
                     <m:r>
                       <a:rPr lang="zh-CN" altLang="en-US" i="1" kern="0" dirty="0" smtClean="0">
                         <a:solidFill>
-                          <a:srgbClr val="003366"/>
+                          <a:srgbClr val="FF0000"/>
                         </a:solidFill>
                         <a:latin typeface="Cambria Math" panose="02040503050406030204" pitchFamily="18" charset="0"/>
                         <a:ea typeface="Cambria Math" panose="02040503050406030204" pitchFamily="18" charset="0"/>
@@ -33069,7 +33129,7 @@
                         <m:ctrlPr>
                           <a:rPr lang="en-US" altLang="zh-CN" i="1" kern="0" dirty="0">
                             <a:solidFill>
-                              <a:srgbClr val="003366"/>
+                              <a:srgbClr val="FF0000"/>
                             </a:solidFill>
                             <a:latin typeface="Cambria Math" panose="02040503050406030204" pitchFamily="18" charset="0"/>
                             <a:ea typeface="仿宋" panose="02010609060101010101" pitchFamily="49" charset="-122"/>
@@ -33080,7 +33140,7 @@
                         <m:r>
                           <a:rPr lang="en-US" altLang="zh-CN" i="1" kern="0" dirty="0">
                             <a:solidFill>
-                              <a:srgbClr val="003366"/>
+                              <a:srgbClr val="FF0000"/>
                             </a:solidFill>
                             <a:latin typeface="Cambria Math" panose="02040503050406030204" pitchFamily="18" charset="0"/>
                             <a:ea typeface="仿宋" panose="02010609060101010101" pitchFamily="49" charset="-122"/>
@@ -33092,7 +33152,7 @@
                         <m:r>
                           <a:rPr lang="en-US" altLang="zh-CN" i="1" kern="0" dirty="0">
                             <a:solidFill>
-                              <a:srgbClr val="003366"/>
+                              <a:srgbClr val="FF0000"/>
                             </a:solidFill>
                             <a:latin typeface="Cambria Math" panose="02040503050406030204" pitchFamily="18" charset="0"/>
                             <a:ea typeface="仿宋" panose="02010609060101010101" pitchFamily="49" charset="-122"/>
@@ -33104,7 +33164,7 @@
                         <m:r>
                           <a:rPr lang="en-US" altLang="zh-CN" i="1" kern="0" dirty="0">
                             <a:solidFill>
-                              <a:srgbClr val="003366"/>
+                              <a:srgbClr val="FF0000"/>
                             </a:solidFill>
                             <a:latin typeface="Cambria Math" panose="02040503050406030204" pitchFamily="18" charset="0"/>
                             <a:ea typeface="仿宋" panose="02010609060101010101" pitchFamily="49" charset="-122"/>
@@ -33118,7 +33178,7 @@
                 <a:r>
                   <a:rPr lang="zh-CN" altLang="en-US" kern="0" dirty="0">
                     <a:solidFill>
-                      <a:srgbClr val="003366"/>
+                      <a:srgbClr val="FF0000"/>
                     </a:solidFill>
                     <a:latin typeface="仿宋" panose="02010609060101010101" pitchFamily="49" charset="-122"/>
                     <a:ea typeface="仿宋" panose="02010609060101010101" pitchFamily="49" charset="-122"/>
@@ -33132,7 +33192,7 @@
                         <m:ctrlPr>
                           <a:rPr lang="en-US" altLang="zh-CN" i="1" kern="0" dirty="0">
                             <a:solidFill>
-                              <a:srgbClr val="003366"/>
+                              <a:srgbClr val="FF0000"/>
                             </a:solidFill>
                             <a:latin typeface="Cambria Math" panose="02040503050406030204" pitchFamily="18" charset="0"/>
                             <a:ea typeface="仿宋" panose="02010609060101010101" pitchFamily="49" charset="-122"/>
@@ -33143,7 +33203,7 @@
                         <m:r>
                           <a:rPr lang="en-US" altLang="zh-CN" i="1" kern="0" dirty="0">
                             <a:solidFill>
-                              <a:srgbClr val="003366"/>
+                              <a:srgbClr val="FF0000"/>
                             </a:solidFill>
                             <a:latin typeface="Cambria Math" panose="02040503050406030204" pitchFamily="18" charset="0"/>
                             <a:ea typeface="仿宋" panose="02010609060101010101" pitchFamily="49" charset="-122"/>
@@ -33155,7 +33215,7 @@
                         <m:r>
                           <a:rPr lang="en-US" altLang="zh-CN" i="1" kern="0" dirty="0">
                             <a:solidFill>
-                              <a:srgbClr val="003366"/>
+                              <a:srgbClr val="FF0000"/>
                             </a:solidFill>
                             <a:latin typeface="Cambria Math" panose="02040503050406030204" pitchFamily="18" charset="0"/>
                             <a:ea typeface="仿宋" panose="02010609060101010101" pitchFamily="49" charset="-122"/>
@@ -33167,7 +33227,7 @@
                         <m:r>
                           <a:rPr lang="en-US" altLang="zh-CN" i="1" kern="0" dirty="0">
                             <a:solidFill>
-                              <a:srgbClr val="003366"/>
+                              <a:srgbClr val="FF0000"/>
                             </a:solidFill>
                             <a:latin typeface="Cambria Math" panose="02040503050406030204" pitchFamily="18" charset="0"/>
                             <a:ea typeface="仿宋" panose="02010609060101010101" pitchFamily="49" charset="-122"/>
@@ -33179,7 +33239,7 @@
                     <m:r>
                       <a:rPr lang="zh-CN" altLang="en-US" i="1" kern="0" dirty="0">
                         <a:solidFill>
-                          <a:srgbClr val="003366"/>
+                          <a:srgbClr val="FF0000"/>
                         </a:solidFill>
                         <a:latin typeface="Cambria Math" panose="02040503050406030204" pitchFamily="18" charset="0"/>
                         <a:ea typeface="Cambria Math" panose="02040503050406030204" pitchFamily="18" charset="0"/>
@@ -33191,7 +33251,7 @@
                         <m:ctrlPr>
                           <a:rPr lang="en-US" altLang="zh-CN" i="1" kern="0" dirty="0">
                             <a:solidFill>
-                              <a:srgbClr val="003366"/>
+                              <a:srgbClr val="FF0000"/>
                             </a:solidFill>
                             <a:latin typeface="Cambria Math" panose="02040503050406030204" pitchFamily="18" charset="0"/>
                             <a:ea typeface="仿宋" panose="02010609060101010101" pitchFamily="49" charset="-122"/>
@@ -33202,7 +33262,7 @@
                         <m:r>
                           <a:rPr lang="en-US" altLang="zh-CN" i="1" kern="0" dirty="0">
                             <a:solidFill>
-                              <a:srgbClr val="003366"/>
+                              <a:srgbClr val="FF0000"/>
                             </a:solidFill>
                             <a:latin typeface="Cambria Math" panose="02040503050406030204" pitchFamily="18" charset="0"/>
                             <a:ea typeface="仿宋" panose="02010609060101010101" pitchFamily="49" charset="-122"/>
@@ -33214,7 +33274,7 @@
                         <m:r>
                           <a:rPr lang="en-US" altLang="zh-CN" i="1" kern="0" dirty="0">
                             <a:solidFill>
-                              <a:srgbClr val="003366"/>
+                              <a:srgbClr val="FF0000"/>
                             </a:solidFill>
                             <a:latin typeface="Cambria Math" panose="02040503050406030204" pitchFamily="18" charset="0"/>
                             <a:ea typeface="仿宋" panose="02010609060101010101" pitchFamily="49" charset="-122"/>
@@ -33226,7 +33286,7 @@
                         <m:r>
                           <a:rPr lang="en-US" altLang="zh-CN" i="1" kern="0" dirty="0">
                             <a:solidFill>
-                              <a:srgbClr val="003366"/>
+                              <a:srgbClr val="FF0000"/>
                             </a:solidFill>
                             <a:latin typeface="Cambria Math" panose="02040503050406030204" pitchFamily="18" charset="0"/>
                             <a:ea typeface="仿宋" panose="02010609060101010101" pitchFamily="49" charset="-122"/>
@@ -33240,7 +33300,7 @@
                 <a:r>
                   <a:rPr lang="zh-CN" altLang="en-US" kern="0" dirty="0">
                     <a:solidFill>
-                      <a:srgbClr val="003366"/>
+                      <a:srgbClr val="FF0000"/>
                     </a:solidFill>
                     <a:latin typeface="仿宋" panose="02010609060101010101" pitchFamily="49" charset="-122"/>
                     <a:ea typeface="仿宋" panose="02010609060101010101" pitchFamily="49" charset="-122"/>
@@ -33249,7 +33309,7 @@
                 </a:r>
                 <a:endParaRPr lang="en-US" altLang="zh-CN" kern="0" dirty="0">
                   <a:solidFill>
-                    <a:srgbClr val="003366"/>
+                    <a:srgbClr val="FF0000"/>
                   </a:solidFill>
                   <a:latin typeface="仿宋" panose="02010609060101010101" pitchFamily="49" charset="-122"/>
                   <a:ea typeface="仿宋" panose="02010609060101010101" pitchFamily="49" charset="-122"/>
@@ -33266,7 +33326,7 @@
                 <a:r>
                   <a:rPr lang="zh-CN" altLang="en-US" kern="0" dirty="0">
                     <a:solidFill>
-                      <a:srgbClr val="003366"/>
+                      <a:srgbClr val="FF0000"/>
                     </a:solidFill>
                     <a:latin typeface="仿宋" panose="02010609060101010101" pitchFamily="49" charset="-122"/>
                     <a:ea typeface="仿宋" panose="02010609060101010101" pitchFamily="49" charset="-122"/>
@@ -33280,7 +33340,7 @@
                         <m:ctrlPr>
                           <a:rPr lang="en-US" altLang="zh-CN" i="1" kern="0" dirty="0">
                             <a:solidFill>
-                              <a:srgbClr val="003366"/>
+                              <a:srgbClr val="FF0000"/>
                             </a:solidFill>
                             <a:latin typeface="Cambria Math" panose="02040503050406030204" pitchFamily="18" charset="0"/>
                             <a:ea typeface="仿宋" panose="02010609060101010101" pitchFamily="49" charset="-122"/>
@@ -33291,7 +33351,7 @@
                         <m:r>
                           <a:rPr lang="en-US" altLang="zh-CN" i="1" kern="0" dirty="0">
                             <a:solidFill>
-                              <a:srgbClr val="003366"/>
+                              <a:srgbClr val="FF0000"/>
                             </a:solidFill>
                             <a:latin typeface="Cambria Math" panose="02040503050406030204" pitchFamily="18" charset="0"/>
                             <a:ea typeface="仿宋" panose="02010609060101010101" pitchFamily="49" charset="-122"/>
@@ -33303,7 +33363,7 @@
                         <m:r>
                           <a:rPr lang="en-US" altLang="zh-CN" b="0" i="1" kern="0" dirty="0" smtClean="0">
                             <a:solidFill>
-                              <a:srgbClr val="003366"/>
+                              <a:srgbClr val="FF0000"/>
                             </a:solidFill>
                             <a:latin typeface="Cambria Math" panose="02040503050406030204" pitchFamily="18" charset="0"/>
                             <a:ea typeface="仿宋" panose="02010609060101010101" pitchFamily="49" charset="-122"/>
@@ -33315,7 +33375,7 @@
                         <m:r>
                           <a:rPr lang="en-US" altLang="zh-CN" b="0" i="1" kern="0" dirty="0" smtClean="0">
                             <a:solidFill>
-                              <a:srgbClr val="003366"/>
+                              <a:srgbClr val="FF0000"/>
                             </a:solidFill>
                             <a:latin typeface="Cambria Math" panose="02040503050406030204" pitchFamily="18" charset="0"/>
                             <a:ea typeface="仿宋" panose="02010609060101010101" pitchFamily="49" charset="-122"/>
@@ -33327,7 +33387,7 @@
                     <m:r>
                       <a:rPr lang="zh-CN" altLang="en-US" i="1" kern="0" dirty="0">
                         <a:solidFill>
-                          <a:srgbClr val="003366"/>
+                          <a:srgbClr val="FF0000"/>
                         </a:solidFill>
                         <a:latin typeface="Cambria Math" panose="02040503050406030204" pitchFamily="18" charset="0"/>
                         <a:ea typeface="Cambria Math" panose="02040503050406030204" pitchFamily="18" charset="0"/>
@@ -33339,7 +33399,7 @@
                         <m:ctrlPr>
                           <a:rPr lang="en-US" altLang="zh-CN" i="1" kern="0" dirty="0">
                             <a:solidFill>
-                              <a:srgbClr val="003366"/>
+                              <a:srgbClr val="FF0000"/>
                             </a:solidFill>
                             <a:latin typeface="Cambria Math" panose="02040503050406030204" pitchFamily="18" charset="0"/>
                             <a:ea typeface="仿宋" panose="02010609060101010101" pitchFamily="49" charset="-122"/>
@@ -33350,7 +33410,7 @@
                         <m:r>
                           <a:rPr lang="en-US" altLang="zh-CN" i="1" kern="0" dirty="0">
                             <a:solidFill>
-                              <a:srgbClr val="003366"/>
+                              <a:srgbClr val="FF0000"/>
                             </a:solidFill>
                             <a:latin typeface="Cambria Math" panose="02040503050406030204" pitchFamily="18" charset="0"/>
                             <a:ea typeface="仿宋" panose="02010609060101010101" pitchFamily="49" charset="-122"/>
@@ -33362,7 +33422,7 @@
                         <m:r>
                           <a:rPr lang="en-US" altLang="zh-CN" b="0" i="1" kern="0" dirty="0" smtClean="0">
                             <a:solidFill>
-                              <a:srgbClr val="003366"/>
+                              <a:srgbClr val="FF0000"/>
                             </a:solidFill>
                             <a:latin typeface="Cambria Math" panose="02040503050406030204" pitchFamily="18" charset="0"/>
                             <a:ea typeface="仿宋" panose="02010609060101010101" pitchFamily="49" charset="-122"/>
@@ -33374,7 +33434,7 @@
                         <m:r>
                           <a:rPr lang="en-US" altLang="zh-CN" b="0" i="1" kern="0" dirty="0" smtClean="0">
                             <a:solidFill>
-                              <a:srgbClr val="003366"/>
+                              <a:srgbClr val="FF0000"/>
                             </a:solidFill>
                             <a:latin typeface="Cambria Math" panose="02040503050406030204" pitchFamily="18" charset="0"/>
                             <a:ea typeface="仿宋" panose="02010609060101010101" pitchFamily="49" charset="-122"/>
@@ -33386,7 +33446,7 @@
                     <m:r>
                       <a:rPr lang="en-US" altLang="zh-CN" i="1" kern="0" dirty="0">
                         <a:solidFill>
-                          <a:srgbClr val="003366"/>
+                          <a:srgbClr val="FF0000"/>
                         </a:solidFill>
                         <a:latin typeface="Cambria Math" panose="02040503050406030204" pitchFamily="18" charset="0"/>
                         <a:ea typeface="仿宋" panose="02010609060101010101" pitchFamily="49" charset="-122"/>
@@ -33398,7 +33458,7 @@
                 <a:r>
                   <a:rPr lang="zh-CN" altLang="en-US" kern="0" dirty="0">
                     <a:solidFill>
-                      <a:srgbClr val="003366"/>
+                      <a:srgbClr val="FF0000"/>
                     </a:solidFill>
                     <a:latin typeface="仿宋" panose="02010609060101010101" pitchFamily="49" charset="-122"/>
                     <a:ea typeface="仿宋" panose="02010609060101010101" pitchFamily="49" charset="-122"/>
@@ -33408,7 +33468,7 @@
                 <a:r>
                   <a:rPr lang="en-US" altLang="zh-CN" kern="0" dirty="0">
                     <a:solidFill>
-                      <a:srgbClr val="003366"/>
+                      <a:srgbClr val="FF0000"/>
                     </a:solidFill>
                     <a:ea typeface="仿宋" panose="02010609060101010101" pitchFamily="49" charset="-122"/>
                   </a:rPr>
@@ -33421,7 +33481,7 @@
                         <m:ctrlPr>
                           <a:rPr lang="en-US" altLang="zh-CN" i="1" kern="0" dirty="0">
                             <a:solidFill>
-                              <a:srgbClr val="003366"/>
+                              <a:srgbClr val="FF0000"/>
                             </a:solidFill>
                             <a:latin typeface="Cambria Math" panose="02040503050406030204" pitchFamily="18" charset="0"/>
                             <a:ea typeface="仿宋" panose="02010609060101010101" pitchFamily="49" charset="-122"/>
@@ -33432,7 +33492,7 @@
                         <m:r>
                           <a:rPr lang="en-US" altLang="zh-CN" i="1" kern="0" dirty="0">
                             <a:solidFill>
-                              <a:srgbClr val="003366"/>
+                              <a:srgbClr val="FF0000"/>
                             </a:solidFill>
                             <a:latin typeface="Cambria Math" panose="02040503050406030204" pitchFamily="18" charset="0"/>
                             <a:ea typeface="仿宋" panose="02010609060101010101" pitchFamily="49" charset="-122"/>
@@ -33444,7 +33504,7 @@
                         <m:r>
                           <a:rPr lang="en-US" altLang="zh-CN" b="0" i="1" kern="0" dirty="0" smtClean="0">
                             <a:solidFill>
-                              <a:srgbClr val="003366"/>
+                              <a:srgbClr val="FF0000"/>
                             </a:solidFill>
                             <a:latin typeface="Cambria Math" panose="02040503050406030204" pitchFamily="18" charset="0"/>
                             <a:ea typeface="仿宋" panose="02010609060101010101" pitchFamily="49" charset="-122"/>
@@ -33456,7 +33516,7 @@
                         <m:r>
                           <a:rPr lang="en-US" altLang="zh-CN" b="0" i="1" kern="0" dirty="0" smtClean="0">
                             <a:solidFill>
-                              <a:srgbClr val="003366"/>
+                              <a:srgbClr val="FF0000"/>
                             </a:solidFill>
                             <a:latin typeface="Cambria Math" panose="02040503050406030204" pitchFamily="18" charset="0"/>
                             <a:ea typeface="仿宋" panose="02010609060101010101" pitchFamily="49" charset="-122"/>
@@ -33468,7 +33528,7 @@
                     <m:r>
                       <a:rPr lang="zh-CN" altLang="en-US" i="1" kern="0" dirty="0">
                         <a:solidFill>
-                          <a:srgbClr val="003366"/>
+                          <a:srgbClr val="FF0000"/>
                         </a:solidFill>
                         <a:latin typeface="Cambria Math" panose="02040503050406030204" pitchFamily="18" charset="0"/>
                         <a:ea typeface="Cambria Math" panose="02040503050406030204" pitchFamily="18" charset="0"/>
@@ -33480,7 +33540,7 @@
                         <m:ctrlPr>
                           <a:rPr lang="en-US" altLang="zh-CN" i="1" kern="0" dirty="0">
                             <a:solidFill>
-                              <a:srgbClr val="003366"/>
+                              <a:srgbClr val="FF0000"/>
                             </a:solidFill>
                             <a:latin typeface="Cambria Math" panose="02040503050406030204" pitchFamily="18" charset="0"/>
                             <a:ea typeface="仿宋" panose="02010609060101010101" pitchFamily="49" charset="-122"/>
@@ -33491,7 +33551,7 @@
                         <m:r>
                           <a:rPr lang="en-US" altLang="zh-CN" i="1" kern="0" dirty="0">
                             <a:solidFill>
-                              <a:srgbClr val="003366"/>
+                              <a:srgbClr val="FF0000"/>
                             </a:solidFill>
                             <a:latin typeface="Cambria Math" panose="02040503050406030204" pitchFamily="18" charset="0"/>
                             <a:ea typeface="仿宋" panose="02010609060101010101" pitchFamily="49" charset="-122"/>
@@ -33503,7 +33563,7 @@
                         <m:r>
                           <a:rPr lang="en-US" altLang="zh-CN" b="0" i="1" kern="0" dirty="0" smtClean="0">
                             <a:solidFill>
-                              <a:srgbClr val="003366"/>
+                              <a:srgbClr val="FF0000"/>
                             </a:solidFill>
                             <a:latin typeface="Cambria Math" panose="02040503050406030204" pitchFamily="18" charset="0"/>
                             <a:ea typeface="仿宋" panose="02010609060101010101" pitchFamily="49" charset="-122"/>
@@ -33515,7 +33575,7 @@
                         <m:r>
                           <a:rPr lang="en-US" altLang="zh-CN" b="0" i="1" kern="0" dirty="0" smtClean="0">
                             <a:solidFill>
-                              <a:srgbClr val="003366"/>
+                              <a:srgbClr val="FF0000"/>
                             </a:solidFill>
                             <a:latin typeface="Cambria Math" panose="02040503050406030204" pitchFamily="18" charset="0"/>
                             <a:ea typeface="仿宋" panose="02010609060101010101" pitchFamily="49" charset="-122"/>
@@ -33527,7 +33587,7 @@
                     <m:r>
                       <a:rPr lang="en-US" altLang="zh-CN" i="1" kern="0" dirty="0">
                         <a:solidFill>
-                          <a:srgbClr val="003366"/>
+                          <a:srgbClr val="FF0000"/>
                         </a:solidFill>
                         <a:latin typeface="Cambria Math" panose="02040503050406030204" pitchFamily="18" charset="0"/>
                         <a:ea typeface="仿宋" panose="02010609060101010101" pitchFamily="49" charset="-122"/>
@@ -33539,7 +33599,7 @@
                 <a:r>
                   <a:rPr lang="zh-CN" altLang="en-US" kern="0" dirty="0">
                     <a:solidFill>
-                      <a:srgbClr val="003366"/>
+                      <a:srgbClr val="FF0000"/>
                     </a:solidFill>
                     <a:latin typeface="仿宋" panose="02010609060101010101" pitchFamily="49" charset="-122"/>
                     <a:ea typeface="仿宋" panose="02010609060101010101" pitchFamily="49" charset="-122"/>
@@ -33553,7 +33613,7 @@
                         <m:ctrlPr>
                           <a:rPr lang="en-US" altLang="zh-CN" i="1" kern="0" dirty="0">
                             <a:solidFill>
-                              <a:srgbClr val="003366"/>
+                              <a:srgbClr val="FF0000"/>
                             </a:solidFill>
                             <a:latin typeface="Cambria Math" panose="02040503050406030204" pitchFamily="18" charset="0"/>
                             <a:ea typeface="仿宋" panose="02010609060101010101" pitchFamily="49" charset="-122"/>
@@ -33564,7 +33624,7 @@
                         <m:r>
                           <a:rPr lang="en-US" altLang="zh-CN" i="1" kern="0" dirty="0">
                             <a:solidFill>
-                              <a:srgbClr val="003366"/>
+                              <a:srgbClr val="FF0000"/>
                             </a:solidFill>
                             <a:latin typeface="Cambria Math" panose="02040503050406030204" pitchFamily="18" charset="0"/>
                             <a:ea typeface="仿宋" panose="02010609060101010101" pitchFamily="49" charset="-122"/>
@@ -33576,7 +33636,7 @@
                         <m:r>
                           <a:rPr lang="en-US" altLang="zh-CN" i="1" kern="0" dirty="0">
                             <a:solidFill>
-                              <a:srgbClr val="003366"/>
+                              <a:srgbClr val="FF0000"/>
                             </a:solidFill>
                             <a:latin typeface="Cambria Math" panose="02040503050406030204" pitchFamily="18" charset="0"/>
                             <a:ea typeface="仿宋" panose="02010609060101010101" pitchFamily="49" charset="-122"/>
@@ -33588,7 +33648,7 @@
                         <m:r>
                           <a:rPr lang="en-US" altLang="zh-CN" i="1" kern="0" dirty="0">
                             <a:solidFill>
-                              <a:srgbClr val="003366"/>
+                              <a:srgbClr val="FF0000"/>
                             </a:solidFill>
                             <a:latin typeface="Cambria Math" panose="02040503050406030204" pitchFamily="18" charset="0"/>
                             <a:ea typeface="仿宋" panose="02010609060101010101" pitchFamily="49" charset="-122"/>
@@ -33600,7 +33660,7 @@
                     <m:r>
                       <a:rPr lang="zh-CN" altLang="en-US" i="1" kern="0" dirty="0" smtClean="0">
                         <a:solidFill>
-                          <a:srgbClr val="003366"/>
+                          <a:srgbClr val="FF0000"/>
                         </a:solidFill>
                         <a:latin typeface="Cambria Math" panose="02040503050406030204" pitchFamily="18" charset="0"/>
                         <a:ea typeface="Cambria Math" panose="02040503050406030204" pitchFamily="18" charset="0"/>
@@ -33612,7 +33672,7 @@
                         <m:ctrlPr>
                           <a:rPr lang="en-US" altLang="zh-CN" i="1" kern="0" dirty="0">
                             <a:solidFill>
-                              <a:srgbClr val="003366"/>
+                              <a:srgbClr val="FF0000"/>
                             </a:solidFill>
                             <a:latin typeface="Cambria Math" panose="02040503050406030204" pitchFamily="18" charset="0"/>
                             <a:ea typeface="仿宋" panose="02010609060101010101" pitchFamily="49" charset="-122"/>
@@ -33623,7 +33683,7 @@
                         <m:r>
                           <a:rPr lang="en-US" altLang="zh-CN" i="1" kern="0" dirty="0">
                             <a:solidFill>
-                              <a:srgbClr val="003366"/>
+                              <a:srgbClr val="FF0000"/>
                             </a:solidFill>
                             <a:latin typeface="Cambria Math" panose="02040503050406030204" pitchFamily="18" charset="0"/>
                             <a:ea typeface="仿宋" panose="02010609060101010101" pitchFamily="49" charset="-122"/>
@@ -33635,7 +33695,7 @@
                         <m:r>
                           <a:rPr lang="en-US" altLang="zh-CN" i="1" kern="0" dirty="0">
                             <a:solidFill>
-                              <a:srgbClr val="003366"/>
+                              <a:srgbClr val="FF0000"/>
                             </a:solidFill>
                             <a:latin typeface="Cambria Math" panose="02040503050406030204" pitchFamily="18" charset="0"/>
                             <a:ea typeface="仿宋" panose="02010609060101010101" pitchFamily="49" charset="-122"/>
@@ -33647,7 +33707,7 @@
                         <m:r>
                           <a:rPr lang="en-US" altLang="zh-CN" i="1" kern="0" dirty="0">
                             <a:solidFill>
-                              <a:srgbClr val="003366"/>
+                              <a:srgbClr val="FF0000"/>
                             </a:solidFill>
                             <a:latin typeface="Cambria Math" panose="02040503050406030204" pitchFamily="18" charset="0"/>
                             <a:ea typeface="仿宋" panose="02010609060101010101" pitchFamily="49" charset="-122"/>
@@ -33659,7 +33719,7 @@
                     <m:r>
                       <a:rPr lang="en-US" altLang="zh-CN" i="1" kern="0" dirty="0">
                         <a:solidFill>
-                          <a:srgbClr val="003366"/>
+                          <a:srgbClr val="FF0000"/>
                         </a:solidFill>
                         <a:latin typeface="Cambria Math" panose="02040503050406030204" pitchFamily="18" charset="0"/>
                         <a:ea typeface="仿宋" panose="02010609060101010101" pitchFamily="49" charset="-122"/>
@@ -33671,7 +33731,7 @@
                 <a:r>
                   <a:rPr lang="zh-CN" altLang="en-US" kern="0" dirty="0">
                     <a:solidFill>
-                      <a:srgbClr val="003366"/>
+                      <a:srgbClr val="FF0000"/>
                     </a:solidFill>
                     <a:latin typeface="仿宋" panose="02010609060101010101" pitchFamily="49" charset="-122"/>
                     <a:ea typeface="仿宋" panose="02010609060101010101" pitchFamily="49" charset="-122"/>
@@ -33683,7 +33743,7 @@
                     <m:r>
                       <a:rPr lang="zh-CN" altLang="en-US" i="1" kern="0" dirty="0">
                         <a:solidFill>
-                          <a:srgbClr val="003366"/>
+                          <a:srgbClr val="FF0000"/>
                         </a:solidFill>
                         <a:latin typeface="Cambria Math" panose="02040503050406030204" pitchFamily="18" charset="0"/>
                         <a:ea typeface="Cambria Math" panose="02040503050406030204" pitchFamily="18" charset="0"/>
@@ -33695,7 +33755,7 @@
                 <a:r>
                   <a:rPr lang="zh-CN" altLang="en-US" kern="0" dirty="0">
                     <a:solidFill>
-                      <a:srgbClr val="003366"/>
+                      <a:srgbClr val="FF0000"/>
                     </a:solidFill>
                     <a:latin typeface="仿宋" panose="02010609060101010101" pitchFamily="49" charset="-122"/>
                     <a:ea typeface="仿宋" panose="02010609060101010101" pitchFamily="49" charset="-122"/>
@@ -33704,7 +33764,7 @@
                 </a:r>
                 <a:endParaRPr lang="en-US" altLang="zh-CN" kern="0" dirty="0">
                   <a:solidFill>
-                    <a:srgbClr val="003366"/>
+                    <a:srgbClr val="FF0000"/>
                   </a:solidFill>
                   <a:latin typeface="仿宋" panose="02010609060101010101" pitchFamily="49" charset="-122"/>
                   <a:ea typeface="仿宋" panose="02010609060101010101" pitchFamily="49" charset="-122"/>
